--- a/Presentations/Lesson 02 Operators and Expressions.pptx
+++ b/Presentations/Lesson 02 Operators and Expressions.pptx
@@ -14568,7 +14568,7 @@
               <a:buChar char="•"/>
             </a:pPr>
             <a:r>
-              <a:rPr lang="en-US" sz="2000" b="0" i="0" u="none" strike="noStrike" cap="none">
+              <a:rPr lang="en-US" sz="2000" b="0" i="0" u="none" strike="noStrike" cap="none" dirty="0">
                 <a:solidFill>
                   <a:schemeClr val="accent2"/>
                 </a:solidFill>
@@ -14580,7 +14580,7 @@
               <a:t>Operator</a:t>
             </a:r>
             <a:r>
-              <a:rPr lang="en-US" sz="2000" b="0" i="0" u="none" strike="noStrike" cap="none">
+              <a:rPr lang="en-US" sz="2000" b="0" i="0" u="none" strike="noStrike" cap="none" dirty="0">
                 <a:solidFill>
                   <a:srgbClr val="A5A5A5"/>
                 </a:solidFill>
@@ -14592,7 +14592,7 @@
               <a:t> </a:t>
             </a:r>
             <a:r>
-              <a:rPr lang="en-US" sz="2000" b="0" i="0" u="none" strike="noStrike" cap="none">
+              <a:rPr lang="en-US" sz="2000" b="0" i="0" u="none" strike="noStrike" cap="none" dirty="0">
                 <a:solidFill>
                   <a:srgbClr val="D8D8D8"/>
                 </a:solidFill>
@@ -14603,7 +14603,7 @@
               </a:rPr>
               <a:t>is an operation performed over data at runtime</a:t>
             </a:r>
-            <a:endParaRPr sz="2000" b="0" i="0" u="none" strike="noStrike" cap="none">
+            <a:endParaRPr sz="2000" b="0" i="0" u="none" strike="noStrike" cap="none" dirty="0">
               <a:solidFill>
                 <a:srgbClr val="D8D8D8"/>
               </a:solidFill>
@@ -14632,7 +14632,7 @@
               <a:buChar char="•"/>
             </a:pPr>
             <a:r>
-              <a:rPr lang="en-US" sz="1800" b="0" i="0" u="none" strike="noStrike" cap="none">
+              <a:rPr lang="en-US" sz="1800" b="0" i="0" u="none" strike="noStrike" cap="none" dirty="0">
                 <a:solidFill>
                   <a:srgbClr val="D8D8D8"/>
                 </a:solidFill>
@@ -14643,7 +14643,7 @@
               </a:rPr>
               <a:t>Takes one or more arguments (operands)</a:t>
             </a:r>
-            <a:endParaRPr/>
+            <a:endParaRPr dirty="0"/>
           </a:p>
           <a:p>
             <a:pPr marL="594360" marR="0" lvl="1" indent="-228600" algn="l" rtl="0">
@@ -14664,7 +14664,7 @@
               <a:buChar char="•"/>
             </a:pPr>
             <a:r>
-              <a:rPr lang="en-US" sz="1800" b="0" i="0" u="none" strike="noStrike" cap="none">
+              <a:rPr lang="en-US" sz="1800" b="0" i="0" u="none" strike="noStrike" cap="none" dirty="0">
                 <a:solidFill>
                   <a:srgbClr val="D8D8D8"/>
                 </a:solidFill>
@@ -14675,7 +14675,7 @@
               </a:rPr>
               <a:t>Produces a new value</a:t>
             </a:r>
-            <a:endParaRPr/>
+            <a:endParaRPr dirty="0"/>
           </a:p>
           <a:p>
             <a:pPr marL="594360" marR="0" lvl="1" indent="-228600" algn="l" rtl="0">
@@ -14696,7 +14696,7 @@
               <a:buChar char="•"/>
             </a:pPr>
             <a:r>
-              <a:rPr lang="en-US" sz="1800" b="0" i="0" u="none" strike="noStrike" cap="none">
+              <a:rPr lang="en-US" sz="1800" b="0" i="0" u="none" strike="noStrike" cap="none" dirty="0">
                 <a:solidFill>
                   <a:srgbClr val="D8D8D8"/>
                 </a:solidFill>
@@ -14707,7 +14707,7 @@
               </a:rPr>
               <a:t>Example of operators: </a:t>
             </a:r>
-            <a:endParaRPr/>
+            <a:endParaRPr dirty="0"/>
           </a:p>
           <a:p>
             <a:pPr marL="228600" marR="0" lvl="0" indent="-228600" algn="l" rtl="0">
@@ -14728,7 +14728,7 @@
               <a:buChar char="•"/>
             </a:pPr>
             <a:r>
-              <a:rPr lang="en-US" sz="2000" b="0" i="0" u="none" strike="noStrike" cap="none">
+              <a:rPr lang="en-US" sz="2000" b="0" i="0" u="none" strike="noStrike" cap="none" dirty="0">
                 <a:solidFill>
                   <a:srgbClr val="D8D8D8"/>
                 </a:solidFill>
@@ -14740,7 +14740,7 @@
               <a:t>Operators have </a:t>
             </a:r>
             <a:r>
-              <a:rPr lang="en-US" sz="2000" b="0" i="0" u="none" strike="noStrike" cap="none">
+              <a:rPr lang="en-US" sz="2000" b="0" i="0" u="none" strike="noStrike" cap="none" dirty="0">
                 <a:solidFill>
                   <a:schemeClr val="accent2"/>
                 </a:solidFill>
@@ -14751,7 +14751,7 @@
               </a:rPr>
               <a:t>precedence</a:t>
             </a:r>
-            <a:endParaRPr/>
+            <a:endParaRPr dirty="0"/>
           </a:p>
           <a:p>
             <a:pPr marL="594360" marR="0" lvl="1" indent="-228600" algn="l" rtl="0">
@@ -14772,7 +14772,7 @@
               <a:buChar char="•"/>
             </a:pPr>
             <a:r>
-              <a:rPr lang="en-US" sz="1800" b="0" i="0" u="none" strike="noStrike" cap="none">
+              <a:rPr lang="en-US" sz="1800" b="0" i="0" u="none" strike="noStrike" cap="none" dirty="0">
                 <a:solidFill>
                   <a:srgbClr val="D8D8D8"/>
                 </a:solidFill>
@@ -14783,7 +14783,7 @@
               </a:rPr>
               <a:t>Precedence defines which will be evaluated first</a:t>
             </a:r>
-            <a:endParaRPr/>
+            <a:endParaRPr dirty="0"/>
           </a:p>
           <a:p>
             <a:pPr marL="228600" marR="0" lvl="0" indent="-228600" algn="l" rtl="0">
@@ -14804,7 +14804,7 @@
               <a:buChar char="•"/>
             </a:pPr>
             <a:r>
-              <a:rPr lang="en-US" sz="2000" b="0" i="0" u="none" strike="noStrike" cap="none">
+              <a:rPr lang="en-US" sz="2000" b="0" i="0" u="none" strike="noStrike" cap="none" dirty="0">
                 <a:solidFill>
                   <a:schemeClr val="accent2"/>
                 </a:solidFill>
@@ -14816,7 +14816,7 @@
               <a:t>Expressions</a:t>
             </a:r>
             <a:r>
-              <a:rPr lang="en-US" sz="2000" b="0" i="0" u="none" strike="noStrike" cap="none">
+              <a:rPr lang="en-US" sz="2000" b="0" i="0" u="none" strike="noStrike" cap="none" dirty="0">
                 <a:solidFill>
                   <a:srgbClr val="FCD9D8"/>
                 </a:solidFill>
@@ -14828,7 +14828,7 @@
               <a:t> </a:t>
             </a:r>
             <a:r>
-              <a:rPr lang="en-US" sz="2000" b="0" i="0" u="none" strike="noStrike" cap="none">
+              <a:rPr lang="en-US" sz="2000" b="0" i="0" u="none" strike="noStrike" cap="none" dirty="0">
                 <a:solidFill>
                   <a:srgbClr val="D8D8D8"/>
                 </a:solidFill>
@@ -14840,7 +14840,7 @@
               <a:t>are sequences of operators and operands that are evaluated to a single value, e.g. </a:t>
             </a:r>
             <a:r>
-              <a:rPr lang="en-US" sz="2000" b="1" i="0" u="none" strike="noStrike" cap="none">
+              <a:rPr lang="en-US" sz="2000" b="1" i="0" u="none" strike="noStrike" cap="none" dirty="0">
                 <a:solidFill>
                   <a:srgbClr val="A5A5A5"/>
                 </a:solidFill>
@@ -14852,7 +14852,7 @@
               <a:t>(a</a:t>
             </a:r>
             <a:r>
-              <a:rPr lang="en-US" sz="2000" b="1" i="0" u="none" strike="noStrike" cap="none">
+              <a:rPr lang="en-US" sz="2000" b="1" i="0" u="none" strike="noStrike" cap="none" dirty="0">
                 <a:solidFill>
                   <a:srgbClr val="A5A5A5"/>
                 </a:solidFill>
@@ -14864,7 +14864,7 @@
               <a:t> </a:t>
             </a:r>
             <a:r>
-              <a:rPr lang="en-US" sz="2000" b="1" i="0" u="none" strike="noStrike" cap="none">
+              <a:rPr lang="en-US" sz="2000" b="1" i="0" u="none" strike="noStrike" cap="none" dirty="0">
                 <a:solidFill>
                   <a:srgbClr val="A5A5A5"/>
                 </a:solidFill>
@@ -14876,7 +14876,7 @@
               <a:t>+</a:t>
             </a:r>
             <a:r>
-              <a:rPr lang="en-US" sz="2000" b="1" i="0" u="none" strike="noStrike" cap="none">
+              <a:rPr lang="en-US" sz="2000" b="1" i="0" u="none" strike="noStrike" cap="none" dirty="0">
                 <a:solidFill>
                   <a:srgbClr val="A5A5A5"/>
                 </a:solidFill>
@@ -14888,7 +14888,7 @@
               <a:t> </a:t>
             </a:r>
             <a:r>
-              <a:rPr lang="en-US" sz="2000" b="1" i="0" u="none" strike="noStrike" cap="none">
+              <a:rPr lang="en-US" sz="2000" b="1" i="0" u="none" strike="noStrike" cap="none" dirty="0">
                 <a:solidFill>
                   <a:srgbClr val="A5A5A5"/>
                 </a:solidFill>
@@ -14900,7 +14900,7 @@
               <a:t>b)</a:t>
             </a:r>
             <a:r>
-              <a:rPr lang="en-US" sz="2000" b="1" i="0" u="none" strike="noStrike" cap="none">
+              <a:rPr lang="en-US" sz="2000" b="1" i="0" u="none" strike="noStrike" cap="none" dirty="0">
                 <a:solidFill>
                   <a:srgbClr val="A5A5A5"/>
                 </a:solidFill>
@@ -14912,7 +14912,7 @@
               <a:t> </a:t>
             </a:r>
             <a:r>
-              <a:rPr lang="en-US" sz="2000" b="1" i="0" u="none" strike="noStrike" cap="none">
+              <a:rPr lang="en-US" sz="2000" b="1" i="0" u="none" strike="noStrike" cap="none" dirty="0">
                 <a:solidFill>
                   <a:srgbClr val="A5A5A5"/>
                 </a:solidFill>
@@ -14924,7 +14924,7 @@
               <a:t>/</a:t>
             </a:r>
             <a:r>
-              <a:rPr lang="en-US" sz="2000" b="1" i="0" u="none" strike="noStrike" cap="none">
+              <a:rPr lang="en-US" sz="2000" b="1" i="0" u="none" strike="noStrike" cap="none" dirty="0">
                 <a:solidFill>
                   <a:srgbClr val="A5A5A5"/>
                 </a:solidFill>
@@ -14936,7 +14936,7 @@
               <a:t> </a:t>
             </a:r>
             <a:r>
-              <a:rPr lang="en-US" sz="2000" b="1" i="0" u="none" strike="noStrike" cap="none">
+              <a:rPr lang="en-US" sz="2000" b="1" i="0" u="none" strike="noStrike" cap="none" dirty="0">
                 <a:solidFill>
                   <a:srgbClr val="A5A5A5"/>
                 </a:solidFill>
@@ -14947,7 +14947,7 @@
               </a:rPr>
               <a:t>2</a:t>
             </a:r>
-            <a:endParaRPr/>
+            <a:endParaRPr dirty="0"/>
           </a:p>
         </p:txBody>
       </p:sp>
@@ -15066,7 +15066,7 @@
               <a:buNone/>
             </a:pPr>
             <a:r>
-              <a:rPr lang="en-US" sz="1800" b="1" i="0" u="none" strike="noStrike" cap="none">
+              <a:rPr lang="en-US" sz="1800" b="1" i="0" u="none" strike="noStrike" cap="none" dirty="0">
                 <a:solidFill>
                   <a:schemeClr val="lt2"/>
                 </a:solidFill>
@@ -15077,7 +15077,7 @@
               </a:rPr>
               <a:t>a = b + c;</a:t>
             </a:r>
-            <a:endParaRPr/>
+            <a:endParaRPr dirty="0"/>
           </a:p>
         </p:txBody>
       </p:sp>
@@ -15799,11 +15799,17 @@
         <p:nvGraphicFramePr>
           <p:cNvPr id="185" name="Google Shape;185;p19"/>
           <p:cNvGraphicFramePr/>
-          <p:nvPr/>
+          <p:nvPr>
+            <p:extLst>
+              <p:ext uri="{D42A27DB-BD31-4B8C-83A1-F6EECF244321}">
+                <p14:modId xmlns:p14="http://schemas.microsoft.com/office/powerpoint/2010/main" val="3664140452"/>
+              </p:ext>
+            </p:extLst>
+          </p:nvPr>
         </p:nvGraphicFramePr>
         <p:xfrm>
           <a:off x="620827" y="1285896"/>
-          <a:ext cx="10947150" cy="5023181"/>
+          <a:ext cx="9832675" cy="5023181"/>
         </p:xfrm>
         <a:graphic>
           <a:graphicData uri="http://schemas.openxmlformats.org/drawingml/2006/table">
@@ -15813,7 +15819,7 @@
                 <a:tableStyleId>{F648BA17-0023-4E79-B204-CF2C4D0BDCC2}</a:tableStyleId>
               </a:tblPr>
               <a:tblGrid>
-                <a:gridCol w="4643725">
+                <a:gridCol w="3529250">
                   <a:extLst>
                     <a:ext uri="{9D8B030D-6E8A-4147-A177-3AD203B41FA5}">
                       <a16:colId xmlns:a16="http://schemas.microsoft.com/office/drawing/2014/main" val="20000"/>
@@ -16097,7 +16103,7 @@
                         <a:buNone/>
                       </a:pPr>
                       <a:r>
-                        <a:rPr lang="en-US" sz="2800" b="1" i="0" u="none" strike="noStrike" cap="none">
+                        <a:rPr lang="en-US" sz="2800" b="1" i="0" u="none" strike="noStrike" cap="none" dirty="0">
                           <a:solidFill>
                             <a:srgbClr val="A5A5A5"/>
                           </a:solidFill>
@@ -16109,7 +16115,7 @@
                         <a:t>+ - * / </a:t>
                       </a:r>
                       <a:r>
-                        <a:rPr lang="en-US" sz="2800" b="1" i="0" u="none" strike="noStrike" cap="none">
+                        <a:rPr lang="en-US" sz="2800" b="1" i="0" u="none" strike="noStrike" cap="none" dirty="0">
                           <a:solidFill>
                             <a:srgbClr val="A5A5A5"/>
                           </a:solidFill>
@@ -16121,7 +16127,7 @@
                         <a:t> </a:t>
                       </a:r>
                       <a:r>
-                        <a:rPr lang="en-US" sz="2800" b="1" i="0" u="none" strike="noStrike" cap="none">
+                        <a:rPr lang="en-US" sz="2800" b="1" i="0" u="none" strike="noStrike" cap="none" dirty="0">
                           <a:solidFill>
                             <a:srgbClr val="A5A5A5"/>
                           </a:solidFill>
@@ -16133,7 +16139,7 @@
                         <a:t>% </a:t>
                       </a:r>
                       <a:r>
-                        <a:rPr lang="en-US" sz="2800" b="1" i="0" u="none" strike="noStrike" cap="none">
+                        <a:rPr lang="en-US" sz="2800" b="1" i="0" u="none" strike="noStrike" cap="none" dirty="0">
                           <a:solidFill>
                             <a:srgbClr val="A5A5A5"/>
                           </a:solidFill>
@@ -16145,7 +16151,7 @@
                         <a:t> </a:t>
                       </a:r>
                       <a:r>
-                        <a:rPr lang="en-US" sz="2800" b="1" i="0" u="none" strike="noStrike" cap="none">
+                        <a:rPr lang="en-US" sz="2800" b="1" i="0" u="none" strike="noStrike" cap="none" dirty="0">
                           <a:solidFill>
                             <a:srgbClr val="A5A5A5"/>
                           </a:solidFill>
@@ -16157,7 +16163,7 @@
                         <a:t>++ </a:t>
                       </a:r>
                       <a:r>
-                        <a:rPr lang="en-US" sz="2800" b="1" i="0" u="none" strike="noStrike" cap="none">
+                        <a:rPr lang="en-US" sz="2800" b="1" i="0" u="none" strike="noStrike" cap="none" dirty="0">
                           <a:solidFill>
                             <a:srgbClr val="A5A5A5"/>
                           </a:solidFill>
@@ -16169,7 +16175,7 @@
                         <a:t> </a:t>
                       </a:r>
                       <a:r>
-                        <a:rPr lang="en-US" sz="2800" b="1" i="0" u="none" strike="noStrike" cap="none">
+                        <a:rPr lang="en-US" sz="2800" b="1" i="0" u="none" strike="noStrike" cap="none" dirty="0">
                           <a:solidFill>
                             <a:srgbClr val="A5A5A5"/>
                           </a:solidFill>
@@ -16180,7 +16186,7 @@
                         </a:rPr>
                         <a:t>--</a:t>
                       </a:r>
-                      <a:endParaRPr sz="2800" b="1" i="0" u="none" strike="noStrike" cap="none">
+                      <a:endParaRPr sz="2800" b="1" i="0" u="none" strike="noStrike" cap="none" dirty="0">
                         <a:solidFill>
                           <a:srgbClr val="A5A5A5"/>
                         </a:solidFill>
@@ -16344,7 +16350,7 @@
                         <a:buNone/>
                       </a:pPr>
                       <a:r>
-                        <a:rPr lang="en-US" sz="2800" b="1" i="0" u="none" strike="noStrike" cap="none">
+                        <a:rPr lang="en-US" sz="2800" b="1" i="0" u="none" strike="noStrike" cap="none" dirty="0">
                           <a:solidFill>
                             <a:srgbClr val="A5A5A5"/>
                           </a:solidFill>
@@ -16355,7 +16361,7 @@
                         </a:rPr>
                         <a:t>&amp;&amp; || ^ !</a:t>
                       </a:r>
-                      <a:endParaRPr sz="2800" b="1" i="0" u="none" strike="noStrike" cap="none">
+                      <a:endParaRPr sz="2800" b="1" i="0" u="none" strike="noStrike" cap="none" dirty="0">
                         <a:solidFill>
                           <a:srgbClr val="A5A5A5"/>
                         </a:solidFill>
@@ -16519,7 +16525,7 @@
                         <a:buNone/>
                       </a:pPr>
                       <a:r>
-                        <a:rPr lang="en-US" sz="2800" b="1" i="0" u="none" strike="noStrike" cap="none">
+                        <a:rPr lang="en-US" sz="2800" b="1" i="0" u="none" strike="noStrike" cap="none" dirty="0">
                           <a:solidFill>
                             <a:srgbClr val="A5A5A5"/>
                           </a:solidFill>
@@ -16530,7 +16536,7 @@
                         </a:rPr>
                         <a:t>&amp; | ^ ~ &lt;&lt; &gt;&gt;</a:t>
                       </a:r>
-                      <a:endParaRPr sz="2800" b="1" i="0" u="none" strike="noStrike" cap="none">
+                      <a:endParaRPr sz="2800" b="1" i="0" u="none" strike="noStrike" cap="none" dirty="0">
                         <a:solidFill>
                           <a:srgbClr val="A5A5A5"/>
                         </a:solidFill>
@@ -16610,7 +16616,7 @@
                         <a:buNone/>
                       </a:pPr>
                       <a:r>
-                        <a:rPr lang="en-US" sz="2800" b="1" i="0" u="none" strike="noStrike" cap="none">
+                        <a:rPr lang="en-US" sz="2800" b="1" i="0" u="none" strike="noStrike" cap="none" dirty="0">
                           <a:solidFill>
                             <a:schemeClr val="lt1"/>
                           </a:solidFill>
@@ -16621,7 +16627,7 @@
                         </a:rPr>
                         <a:t>Comparison</a:t>
                       </a:r>
-                      <a:endParaRPr sz="2800" b="1" i="0" u="none" strike="noStrike" cap="none">
+                      <a:endParaRPr sz="2800" b="1" i="0" u="none" strike="noStrike" cap="none" dirty="0">
                         <a:solidFill>
                           <a:schemeClr val="lt1"/>
                         </a:solidFill>
@@ -16694,7 +16700,7 @@
                         <a:buNone/>
                       </a:pPr>
                       <a:r>
-                        <a:rPr lang="en-US" sz="2800" b="1" i="0" u="none" strike="noStrike" cap="none">
+                        <a:rPr lang="en-US" sz="2800" b="1" i="0" u="none" strike="noStrike" cap="none" dirty="0">
                           <a:solidFill>
                             <a:srgbClr val="A5A5A5"/>
                           </a:solidFill>
@@ -16705,7 +16711,7 @@
                         </a:rPr>
                         <a:t>== != &lt; &gt; &lt;= &gt;=</a:t>
                       </a:r>
-                      <a:endParaRPr sz="2800" b="1" i="0" u="none" strike="noStrike" cap="none">
+                      <a:endParaRPr sz="2800" b="1" i="0" u="none" strike="noStrike" cap="none" dirty="0">
                         <a:solidFill>
                           <a:srgbClr val="A5A5A5"/>
                         </a:solidFill>
@@ -16869,7 +16875,7 @@
                         <a:buNone/>
                       </a:pPr>
                       <a:r>
-                        <a:rPr lang="en-US" sz="2800" b="1" i="0" u="none" strike="noStrike" cap="none">
+                        <a:rPr lang="en-US" sz="2800" b="1" i="0" u="none" strike="noStrike" cap="none" dirty="0">
                           <a:solidFill>
                             <a:srgbClr val="A5A5A5"/>
                           </a:solidFill>
@@ -16880,7 +16886,7 @@
                         </a:rPr>
                         <a:t>= += -= *= /= %= &amp;= |= ^= &lt;&lt;= &gt;&gt;=</a:t>
                       </a:r>
-                      <a:endParaRPr sz="2800" b="1" i="0" u="none" strike="noStrike" cap="none">
+                      <a:endParaRPr sz="2800" b="1" i="0" u="none" strike="noStrike" cap="none" dirty="0">
                         <a:solidFill>
                           <a:srgbClr val="A5A5A5"/>
                         </a:solidFill>
@@ -17068,7 +17074,7 @@
                         <a:buNone/>
                       </a:pPr>
                       <a:r>
-                        <a:rPr lang="en-US" sz="2800" b="1" i="0" u="none" strike="noStrike" cap="none">
+                        <a:rPr lang="en-US" sz="2800" b="1" i="0" u="none" strike="noStrike" cap="none" dirty="0">
                           <a:solidFill>
                             <a:srgbClr val="A5A5A5"/>
                           </a:solidFill>
@@ -17079,7 +17085,7 @@
                         </a:rPr>
                         <a:t>+</a:t>
                       </a:r>
-                      <a:endParaRPr sz="2800" b="1" i="0" u="none" strike="noStrike" cap="none">
+                      <a:endParaRPr sz="2800" b="1" i="0" u="none" strike="noStrike" cap="none" dirty="0">
                         <a:solidFill>
                           <a:srgbClr val="A5A5A5"/>
                         </a:solidFill>
@@ -17426,7 +17432,7 @@
                         <a:buNone/>
                       </a:pPr>
                       <a:r>
-                        <a:rPr lang="en-US" sz="2800" b="1" i="0" u="none" strike="noStrike" cap="none">
+                        <a:rPr lang="en-US" sz="2800" b="1" i="0" u="none" strike="noStrike" cap="none" dirty="0">
                           <a:solidFill>
                             <a:srgbClr val="A5A5A5"/>
                           </a:solidFill>
@@ -17437,7 +17443,7 @@
                         </a:rPr>
                         <a:t>. [] () ?: new</a:t>
                       </a:r>
-                      <a:endParaRPr sz="2800" b="1" i="0" u="none" strike="noStrike" cap="none">
+                      <a:endParaRPr sz="2800" b="1" i="0" u="none" strike="noStrike" cap="none" dirty="0">
                         <a:solidFill>
                           <a:srgbClr val="A5A5A5"/>
                         </a:solidFill>
@@ -17886,7 +17892,7 @@
                         <a:buNone/>
                       </a:pPr>
                       <a:r>
-                        <a:rPr lang="en-US" sz="2600" b="1" i="0" u="none" strike="noStrike" cap="none">
+                        <a:rPr lang="en-US" sz="2600" b="1" i="0" u="none" strike="noStrike" cap="none" dirty="0">
                           <a:solidFill>
                             <a:srgbClr val="A5A5A5"/>
                           </a:solidFill>
@@ -17897,7 +17903,7 @@
                         </a:rPr>
                         <a:t>()</a:t>
                       </a:r>
-                      <a:endParaRPr/>
+                      <a:endParaRPr dirty="0"/>
                     </a:p>
                   </a:txBody>
                   <a:tcPr marL="135825" marR="135825" marT="45725" marB="45725">
@@ -18041,7 +18047,7 @@
                         <a:buNone/>
                       </a:pPr>
                       <a:r>
-                        <a:rPr lang="en-US" sz="2600" b="1" i="0" u="none" strike="noStrike" cap="none">
+                        <a:rPr lang="en-US" sz="2600" b="1" i="0" u="none" strike="noStrike" cap="none" dirty="0">
                           <a:solidFill>
                             <a:srgbClr val="A5A5A5"/>
                           </a:solidFill>
@@ -18053,7 +18059,7 @@
                         <a:t>++</a:t>
                       </a:r>
                       <a:r>
-                        <a:rPr lang="en-US" sz="2600" b="1" i="0" u="none" strike="noStrike" cap="none">
+                        <a:rPr lang="en-US" sz="2600" b="1" i="0" u="none" strike="noStrike" cap="none" dirty="0">
                           <a:solidFill>
                             <a:srgbClr val="FCD9D8"/>
                           </a:solidFill>
@@ -18065,7 +18071,7 @@
                         <a:t> </a:t>
                       </a:r>
                       <a:r>
-                        <a:rPr lang="en-US" sz="2600" b="1" i="0" u="none" strike="noStrike" cap="none">
+                        <a:rPr lang="en-US" sz="2600" b="1" i="0" u="none" strike="noStrike" cap="none" dirty="0">
                           <a:solidFill>
                             <a:srgbClr val="A5A5A5"/>
                           </a:solidFill>
@@ -18077,7 +18083,7 @@
                         <a:t>--</a:t>
                       </a:r>
                       <a:r>
-                        <a:rPr lang="en-US" sz="2600" b="1" i="0" u="none" strike="noStrike" cap="none">
+                        <a:rPr lang="en-US" sz="2600" b="1" i="0" u="none" strike="noStrike" cap="none" dirty="0">
                           <a:solidFill>
                             <a:srgbClr val="EBFFD2"/>
                           </a:solidFill>
@@ -18089,7 +18095,7 @@
                         <a:t> </a:t>
                       </a:r>
                       <a:r>
-                        <a:rPr lang="en-US" sz="2600" b="1" i="0" u="none" strike="noStrike" cap="none">
+                        <a:rPr lang="en-US" sz="2600" b="1" i="0" u="none" strike="noStrike" cap="none" dirty="0">
                           <a:solidFill>
                             <a:schemeClr val="lt1"/>
                           </a:solidFill>
@@ -18101,7 +18107,7 @@
                         <a:t>(postfix)</a:t>
                       </a:r>
                       <a:r>
-                        <a:rPr lang="en-US" sz="2600" b="1" i="0" u="none" strike="noStrike" cap="none">
+                        <a:rPr lang="en-US" sz="2600" b="1" i="0" u="none" strike="noStrike" cap="none" dirty="0">
                           <a:solidFill>
                             <a:schemeClr val="lt1"/>
                           </a:solidFill>
@@ -18113,7 +18119,7 @@
                         <a:t> </a:t>
                       </a:r>
                       <a:r>
-                        <a:rPr lang="en-US" sz="2600" b="1" i="0" u="none" strike="noStrike" cap="none">
+                        <a:rPr lang="en-US" sz="2600" b="1" i="0" u="none" strike="noStrike" cap="none" dirty="0">
                           <a:solidFill>
                             <a:srgbClr val="A5A5A5"/>
                           </a:solidFill>
@@ -18125,7 +18131,7 @@
                         <a:t>new</a:t>
                       </a:r>
                       <a:r>
-                        <a:rPr lang="en-US" sz="2600" b="1" i="0" u="none" strike="noStrike" cap="none">
+                        <a:rPr lang="en-US" sz="2600" b="1" i="0" u="none" strike="noStrike" cap="none" dirty="0">
                           <a:solidFill>
                             <a:srgbClr val="FCD9D8"/>
                           </a:solidFill>
@@ -18137,7 +18143,7 @@
                         <a:t> </a:t>
                       </a:r>
                       <a:r>
-                        <a:rPr lang="en-US" sz="2600" b="1" i="0" u="none" strike="noStrike" cap="none">
+                        <a:rPr lang="en-US" sz="2600" b="1" i="0" u="none" strike="noStrike" cap="none" dirty="0" err="1">
                           <a:solidFill>
                             <a:srgbClr val="A5A5A5"/>
                           </a:solidFill>
@@ -18148,7 +18154,7 @@
                         </a:rPr>
                         <a:t>typeof</a:t>
                       </a:r>
-                      <a:endParaRPr/>
+                      <a:endParaRPr dirty="0"/>
                     </a:p>
                   </a:txBody>
                   <a:tcPr marL="135825" marR="135825" marT="45725" marB="45725">
@@ -18292,7 +18298,7 @@
                         <a:buNone/>
                       </a:pPr>
                       <a:r>
-                        <a:rPr lang="en-US" sz="2600" b="1" i="0" u="none" strike="noStrike" cap="none">
+                        <a:rPr lang="en-US" sz="2600" b="1" i="0" u="none" strike="noStrike" cap="none" dirty="0">
                           <a:solidFill>
                             <a:srgbClr val="A5A5A5"/>
                           </a:solidFill>
@@ -18304,7 +18310,7 @@
                         <a:t>++</a:t>
                       </a:r>
                       <a:r>
-                        <a:rPr lang="en-US" sz="2600" b="1" i="0" u="none" strike="noStrike" cap="none">
+                        <a:rPr lang="en-US" sz="2600" b="1" i="0" u="none" strike="noStrike" cap="none" dirty="0">
                           <a:solidFill>
                             <a:srgbClr val="FCD9D8"/>
                           </a:solidFill>
@@ -18316,7 +18322,7 @@
                         <a:t> </a:t>
                       </a:r>
                       <a:r>
-                        <a:rPr lang="en-US" sz="2600" b="1" i="0" u="none" strike="noStrike" cap="none">
+                        <a:rPr lang="en-US" sz="2600" b="1" i="0" u="none" strike="noStrike" cap="none" dirty="0">
                           <a:solidFill>
                             <a:srgbClr val="A5A5A5"/>
                           </a:solidFill>
@@ -18328,7 +18334,7 @@
                         <a:t>--</a:t>
                       </a:r>
                       <a:r>
-                        <a:rPr lang="en-US" sz="2600" b="1" i="0" u="none" strike="noStrike" cap="none">
+                        <a:rPr lang="en-US" sz="2600" b="1" i="0" u="none" strike="noStrike" cap="none" dirty="0">
                           <a:solidFill>
                             <a:srgbClr val="EBFFD2"/>
                           </a:solidFill>
@@ -18340,7 +18346,7 @@
                         <a:t> </a:t>
                       </a:r>
                       <a:r>
-                        <a:rPr lang="en-US" sz="2600" b="1" i="0" u="none" strike="noStrike" cap="none">
+                        <a:rPr lang="en-US" sz="2600" b="1" i="0" u="none" strike="noStrike" cap="none" dirty="0">
                           <a:solidFill>
                             <a:schemeClr val="lt1"/>
                           </a:solidFill>
@@ -18352,7 +18358,7 @@
                         <a:t>(prefix)</a:t>
                       </a:r>
                       <a:r>
-                        <a:rPr lang="en-US" sz="2600" b="1" i="0" u="none" strike="noStrike" cap="none">
+                        <a:rPr lang="en-US" sz="2600" b="1" i="0" u="none" strike="noStrike" cap="none" dirty="0">
                           <a:solidFill>
                             <a:schemeClr val="lt1"/>
                           </a:solidFill>
@@ -18364,7 +18370,7 @@
                         <a:t> </a:t>
                       </a:r>
                       <a:r>
-                        <a:rPr lang="en-US" sz="2600" b="1" i="0" u="none" strike="noStrike" cap="none">
+                        <a:rPr lang="en-US" sz="2600" b="1" i="0" u="none" strike="noStrike" cap="none" dirty="0">
                           <a:solidFill>
                             <a:srgbClr val="A5A5A5"/>
                           </a:solidFill>
@@ -18376,7 +18382,7 @@
                         <a:t>+</a:t>
                       </a:r>
                       <a:r>
-                        <a:rPr lang="en-US" sz="2600" b="1" i="0" u="none" strike="noStrike" cap="none">
+                        <a:rPr lang="en-US" sz="2600" b="1" i="0" u="none" strike="noStrike" cap="none" dirty="0">
                           <a:solidFill>
                             <a:srgbClr val="FCD9D8"/>
                           </a:solidFill>
@@ -18388,7 +18394,7 @@
                         <a:t> </a:t>
                       </a:r>
                       <a:r>
-                        <a:rPr lang="en-US" sz="2600" b="1" i="0" u="none" strike="noStrike" cap="none">
+                        <a:rPr lang="en-US" sz="2600" b="1" i="0" u="none" strike="noStrike" cap="none" dirty="0">
                           <a:solidFill>
                             <a:srgbClr val="A5A5A5"/>
                           </a:solidFill>
@@ -18400,7 +18406,7 @@
                         <a:t>-</a:t>
                       </a:r>
                       <a:r>
-                        <a:rPr lang="en-US" sz="2600" b="1" i="0" u="none" strike="noStrike" cap="none">
+                        <a:rPr lang="en-US" sz="2600" b="1" i="0" u="none" strike="noStrike" cap="none" dirty="0">
                           <a:solidFill>
                             <a:srgbClr val="EBFFD2"/>
                           </a:solidFill>
@@ -18412,7 +18418,7 @@
                         <a:t> </a:t>
                       </a:r>
                       <a:r>
-                        <a:rPr lang="en-US" sz="2600" b="1" i="0" u="none" strike="noStrike" cap="none">
+                        <a:rPr lang="en-US" sz="2600" b="1" i="0" u="none" strike="noStrike" cap="none" dirty="0">
                           <a:solidFill>
                             <a:schemeClr val="lt1"/>
                           </a:solidFill>
@@ -18424,7 +18430,7 @@
                         <a:t>(unary)</a:t>
                       </a:r>
                       <a:r>
-                        <a:rPr lang="en-US" sz="2600" b="1" i="0" u="none" strike="noStrike" cap="none">
+                        <a:rPr lang="en-US" sz="2600" b="1" i="0" u="none" strike="noStrike" cap="none" dirty="0">
                           <a:solidFill>
                             <a:srgbClr val="FCD9D8"/>
                           </a:solidFill>
@@ -18436,7 +18442,7 @@
                         <a:t> </a:t>
                       </a:r>
                       <a:r>
-                        <a:rPr lang="en-US" sz="2600" b="1" i="0" u="none" strike="noStrike" cap="none">
+                        <a:rPr lang="en-US" sz="2600" b="1" i="0" u="none" strike="noStrike" cap="none" dirty="0">
                           <a:solidFill>
                             <a:srgbClr val="A5A5A5"/>
                           </a:solidFill>
@@ -18447,7 +18453,7 @@
                         </a:rPr>
                         <a:t>! ~</a:t>
                       </a:r>
-                      <a:endParaRPr/>
+                      <a:endParaRPr dirty="0"/>
                     </a:p>
                   </a:txBody>
                   <a:tcPr marL="135825" marR="135825" marT="45725" marB="45725">
@@ -18591,7 +18597,7 @@
                         <a:buNone/>
                       </a:pPr>
                       <a:r>
-                        <a:rPr lang="en-US" sz="2600" b="1" i="0" u="none" strike="noStrike" cap="none">
+                        <a:rPr lang="en-US" sz="2600" b="1" i="0" u="none" strike="noStrike" cap="none" dirty="0">
                           <a:solidFill>
                             <a:srgbClr val="A5A5A5"/>
                           </a:solidFill>
@@ -18602,7 +18608,7 @@
                         </a:rPr>
                         <a:t>* / %</a:t>
                       </a:r>
-                      <a:endParaRPr/>
+                      <a:endParaRPr dirty="0"/>
                     </a:p>
                   </a:txBody>
                   <a:tcPr marL="135825" marR="135825" marT="45725" marB="45725">
@@ -18746,7 +18752,7 @@
                         <a:buNone/>
                       </a:pPr>
                       <a:r>
-                        <a:rPr lang="en-US" sz="2600" b="1" i="0" u="none" strike="noStrike" cap="none">
+                        <a:rPr lang="en-US" sz="2600" b="1" i="0" u="none" strike="noStrike" cap="none" dirty="0">
                           <a:solidFill>
                             <a:srgbClr val="A5A5A5"/>
                           </a:solidFill>
@@ -18757,7 +18763,7 @@
                         </a:rPr>
                         <a:t>+ -</a:t>
                       </a:r>
-                      <a:endParaRPr/>
+                      <a:endParaRPr dirty="0"/>
                     </a:p>
                   </a:txBody>
                   <a:tcPr marL="135825" marR="135825" marT="45725" marB="45725">
@@ -19525,7 +19531,7 @@
                         <a:buNone/>
                       </a:pPr>
                       <a:r>
-                        <a:rPr lang="en-US" sz="2600" b="1" i="0" u="none" strike="noStrike" cap="none">
+                        <a:rPr lang="en-US" sz="2600" b="1" i="0" u="none" strike="noStrike" cap="none" dirty="0">
                           <a:solidFill>
                             <a:srgbClr val="A5A5A5"/>
                           </a:solidFill>
@@ -19536,7 +19542,7 @@
                         </a:rPr>
                         <a:t>^</a:t>
                       </a:r>
-                      <a:endParaRPr/>
+                      <a:endParaRPr dirty="0"/>
                     </a:p>
                   </a:txBody>
                   <a:tcPr marL="135825" marR="135825" marT="45725" marB="45725">
@@ -20952,7 +20958,7 @@
               <a:buChar char="•"/>
             </a:pPr>
             <a:r>
-              <a:rPr lang="en-US" sz="2000" b="0" i="0" u="none" strike="noStrike" cap="none">
+              <a:rPr lang="en-US" sz="2000" b="0" i="0" u="none" strike="noStrike" cap="none" dirty="0">
                 <a:solidFill>
                   <a:srgbClr val="D8D8D8"/>
                 </a:solidFill>
@@ -20964,7 +20970,7 @@
               <a:t>Arithmetic operators </a:t>
             </a:r>
             <a:r>
-              <a:rPr lang="en-US" sz="2000" b="1" i="0" u="none" strike="noStrike" cap="none">
+              <a:rPr lang="en-US" sz="2000" b="1" i="0" u="none" strike="noStrike" cap="none" dirty="0">
                 <a:solidFill>
                   <a:srgbClr val="A5A5A5"/>
                 </a:solidFill>
@@ -20976,7 +20982,7 @@
               <a:t>+</a:t>
             </a:r>
             <a:r>
-              <a:rPr lang="en-US" sz="2000" b="0" i="0" u="none" strike="noStrike" cap="none">
+              <a:rPr lang="en-US" sz="2000" b="0" i="0" u="none" strike="noStrike" cap="none" dirty="0">
                 <a:solidFill>
                   <a:srgbClr val="D8D8D8"/>
                 </a:solidFill>
@@ -20988,7 +20994,7 @@
               <a:t>,</a:t>
             </a:r>
             <a:r>
-              <a:rPr lang="en-US" sz="2000" b="0" i="0" u="none" strike="noStrike" cap="none">
+              <a:rPr lang="en-US" sz="2000" b="0" i="0" u="none" strike="noStrike" cap="none" dirty="0">
                 <a:solidFill>
                   <a:schemeClr val="hlink"/>
                 </a:solidFill>
@@ -21000,7 +21006,7 @@
               <a:t> </a:t>
             </a:r>
             <a:r>
-              <a:rPr lang="en-US" sz="2000" b="1" i="0" u="none" strike="noStrike" cap="none">
+              <a:rPr lang="en-US" sz="2000" b="1" i="0" u="none" strike="noStrike" cap="none" dirty="0">
                 <a:solidFill>
                   <a:srgbClr val="A5A5A5"/>
                 </a:solidFill>
@@ -21012,7 +21018,7 @@
               <a:t>-</a:t>
             </a:r>
             <a:r>
-              <a:rPr lang="en-US" sz="2000" b="0" i="0" u="none" strike="noStrike" cap="none">
+              <a:rPr lang="en-US" sz="2000" b="0" i="0" u="none" strike="noStrike" cap="none" dirty="0">
                 <a:solidFill>
                   <a:srgbClr val="D8D8D8"/>
                 </a:solidFill>
@@ -21024,7 +21030,7 @@
               <a:t>, </a:t>
             </a:r>
             <a:r>
-              <a:rPr lang="en-US" sz="2000" b="1" i="0" u="none" strike="noStrike" cap="none">
+              <a:rPr lang="en-US" sz="2000" b="1" i="0" u="none" strike="noStrike" cap="none" dirty="0">
                 <a:solidFill>
                   <a:srgbClr val="A5A5A5"/>
                 </a:solidFill>
@@ -21036,7 +21042,7 @@
               <a:t>*</a:t>
             </a:r>
             <a:r>
-              <a:rPr lang="en-US" sz="2000" b="0" i="0" u="none" strike="noStrike" cap="none">
+              <a:rPr lang="en-US" sz="2000" b="0" i="0" u="none" strike="noStrike" cap="none" dirty="0">
                 <a:solidFill>
                   <a:schemeClr val="lt2"/>
                 </a:solidFill>
@@ -21048,7 +21054,7 @@
               <a:t> </a:t>
             </a:r>
             <a:r>
-              <a:rPr lang="en-US" sz="2000" b="0" i="0" u="none" strike="noStrike" cap="none">
+              <a:rPr lang="en-US" sz="2000" b="0" i="0" u="none" strike="noStrike" cap="none" dirty="0">
                 <a:solidFill>
                   <a:srgbClr val="D8D8D8"/>
                 </a:solidFill>
@@ -21059,7 +21065,7 @@
               </a:rPr>
               <a:t>are the same as in math </a:t>
             </a:r>
-            <a:endParaRPr/>
+            <a:endParaRPr dirty="0"/>
           </a:p>
           <a:p>
             <a:pPr marL="228600" marR="0" lvl="0" indent="-228600" algn="l" rtl="0">
@@ -21080,7 +21086,7 @@
               <a:buChar char="•"/>
             </a:pPr>
             <a:r>
-              <a:rPr lang="en-US" sz="2000" b="0" i="0" u="none" strike="noStrike" cap="none">
+              <a:rPr lang="en-US" sz="2000" b="0" i="0" u="none" strike="noStrike" cap="none" dirty="0">
                 <a:solidFill>
                   <a:srgbClr val="D8D8D8"/>
                 </a:solidFill>
@@ -21092,7 +21098,7 @@
               <a:t>Division operator </a:t>
             </a:r>
             <a:r>
-              <a:rPr lang="en-US" sz="2000" b="1" i="0" u="none" strike="noStrike" cap="none">
+              <a:rPr lang="en-US" sz="2000" b="1" i="0" u="none" strike="noStrike" cap="none" dirty="0">
                 <a:solidFill>
                   <a:srgbClr val="A5A5A5"/>
                 </a:solidFill>
@@ -21104,7 +21110,7 @@
               <a:t>/</a:t>
             </a:r>
             <a:r>
-              <a:rPr lang="en-US" sz="2000" b="0" i="0" u="none" strike="noStrike" cap="none">
+              <a:rPr lang="en-US" sz="2000" b="0" i="0" u="none" strike="noStrike" cap="none" dirty="0">
                 <a:solidFill>
                   <a:srgbClr val="D8D8D8"/>
                 </a:solidFill>
@@ -21115,7 +21121,7 @@
               </a:rPr>
               <a:t> if used on integers returns integer (without rounding) or exception</a:t>
             </a:r>
-            <a:endParaRPr/>
+            <a:endParaRPr dirty="0"/>
           </a:p>
           <a:p>
             <a:pPr marL="228600" marR="0" lvl="0" indent="-228600" algn="l" rtl="0">
@@ -21136,7 +21142,7 @@
               <a:buChar char="•"/>
             </a:pPr>
             <a:r>
-              <a:rPr lang="en-US" sz="2000" b="0" i="0" u="none" strike="noStrike" cap="none">
+              <a:rPr lang="en-US" sz="2000" b="0" i="0" u="none" strike="noStrike" cap="none" dirty="0">
                 <a:solidFill>
                   <a:srgbClr val="D8D8D8"/>
                 </a:solidFill>
@@ -21148,7 +21154,7 @@
               <a:t>Division operator </a:t>
             </a:r>
             <a:r>
-              <a:rPr lang="en-US" sz="2000" b="1" i="0" u="none" strike="noStrike" cap="none">
+              <a:rPr lang="en-US" sz="2000" b="1" i="0" u="none" strike="noStrike" cap="none" dirty="0">
                 <a:solidFill>
                   <a:srgbClr val="A5A5A5"/>
                 </a:solidFill>
@@ -21160,7 +21166,7 @@
               <a:t>/</a:t>
             </a:r>
             <a:r>
-              <a:rPr lang="en-US" sz="2000" b="0" i="0" u="none" strike="noStrike" cap="none">
+              <a:rPr lang="en-US" sz="2000" b="0" i="0" u="none" strike="noStrike" cap="none" dirty="0">
                 <a:solidFill>
                   <a:srgbClr val="D8D8D8"/>
                 </a:solidFill>
@@ -21172,7 +21178,7 @@
               <a:t> if used on real numbers returns real number or </a:t>
             </a:r>
             <a:r>
-              <a:rPr lang="en-US" sz="2000" b="1" i="0" u="none" strike="noStrike" cap="none">
+              <a:rPr lang="en-US" sz="2000" b="1" i="0" u="none" strike="noStrike" cap="none" dirty="0">
                 <a:solidFill>
                   <a:srgbClr val="A5A5A5"/>
                 </a:solidFill>
@@ -21184,7 +21190,7 @@
               <a:t>Infinity</a:t>
             </a:r>
             <a:r>
-              <a:rPr lang="en-US" sz="2000" b="0" i="0" u="none" strike="noStrike" cap="none">
+              <a:rPr lang="en-US" sz="2000" b="0" i="0" u="none" strike="noStrike" cap="none" dirty="0">
                 <a:solidFill>
                   <a:srgbClr val="D8D8D8"/>
                 </a:solidFill>
@@ -21196,7 +21202,7 @@
               <a:t> or </a:t>
             </a:r>
             <a:r>
-              <a:rPr lang="en-US" sz="2000" b="1" i="0" u="none" strike="noStrike" cap="none">
+              <a:rPr lang="en-US" sz="2000" b="1" i="0" u="none" strike="noStrike" cap="none" dirty="0" err="1">
                 <a:solidFill>
                   <a:srgbClr val="A5A5A5"/>
                 </a:solidFill>
@@ -21207,7 +21213,7 @@
               </a:rPr>
               <a:t>NaN</a:t>
             </a:r>
-            <a:endParaRPr/>
+            <a:endParaRPr dirty="0"/>
           </a:p>
           <a:p>
             <a:pPr marL="228600" marR="0" lvl="0" indent="-228600" algn="l" rtl="0">
@@ -21228,7 +21234,7 @@
               <a:buChar char="•"/>
             </a:pPr>
             <a:r>
-              <a:rPr lang="en-US" sz="2000" b="0" i="0" u="none" strike="noStrike" cap="none">
+              <a:rPr lang="en-US" sz="2000" b="0" i="0" u="none" strike="noStrike" cap="none" dirty="0">
                 <a:solidFill>
                   <a:srgbClr val="D8D8D8"/>
                 </a:solidFill>
@@ -21240,7 +21246,7 @@
               <a:t>Remainder operator</a:t>
             </a:r>
             <a:r>
-              <a:rPr lang="en-US" sz="2000" b="0" i="0" u="none" strike="noStrike" cap="none">
+              <a:rPr lang="en-US" sz="2000" b="0" i="0" u="none" strike="noStrike" cap="none" dirty="0">
                 <a:solidFill>
                   <a:schemeClr val="hlink"/>
                 </a:solidFill>
@@ -21252,7 +21258,7 @@
               <a:t> </a:t>
             </a:r>
             <a:r>
-              <a:rPr lang="en-US" sz="2000" b="1" i="0" u="none" strike="noStrike" cap="none">
+              <a:rPr lang="en-US" sz="2000" b="1" i="0" u="none" strike="noStrike" cap="none" dirty="0">
                 <a:solidFill>
                   <a:srgbClr val="A5A5A5"/>
                 </a:solidFill>
@@ -21264,7 +21270,7 @@
               <a:t>%</a:t>
             </a:r>
             <a:r>
-              <a:rPr lang="en-US" sz="2000" b="0" i="0" u="none" strike="noStrike" cap="none">
+              <a:rPr lang="en-US" sz="2000" b="0" i="0" u="none" strike="noStrike" cap="none" dirty="0">
                 <a:solidFill>
                   <a:srgbClr val="D8D8D8"/>
                 </a:solidFill>
@@ -21275,7 +21281,7 @@
               </a:rPr>
               <a:t> returns the remainder from division of integers</a:t>
             </a:r>
-            <a:endParaRPr/>
+            <a:endParaRPr dirty="0"/>
           </a:p>
           <a:p>
             <a:pPr marL="228600" marR="0" lvl="0" indent="-228600" algn="l" rtl="0">
@@ -21296,7 +21302,7 @@
               <a:buChar char="•"/>
             </a:pPr>
             <a:r>
-              <a:rPr lang="en-US" sz="2000" b="0" i="0" u="none" strike="noStrike" cap="none">
+              <a:rPr lang="en-US" sz="2000" b="0" i="0" u="none" strike="noStrike" cap="none" dirty="0">
                 <a:solidFill>
                   <a:srgbClr val="D8D8D8"/>
                 </a:solidFill>
@@ -21308,7 +21314,7 @@
               <a:t>The special addition operator </a:t>
             </a:r>
             <a:r>
-              <a:rPr lang="en-US" sz="2000" b="1" i="0" u="none" strike="noStrike" cap="none">
+              <a:rPr lang="en-US" sz="2000" b="1" i="0" u="none" strike="noStrike" cap="none" dirty="0">
                 <a:solidFill>
                   <a:srgbClr val="A5A5A5"/>
                 </a:solidFill>
@@ -21320,7 +21326,7 @@
               <a:t>++</a:t>
             </a:r>
             <a:r>
-              <a:rPr lang="en-US" sz="2000" b="0" i="0" u="none" strike="noStrike" cap="none">
+              <a:rPr lang="en-US" sz="2000" b="0" i="0" u="none" strike="noStrike" cap="none" dirty="0">
                 <a:solidFill>
                   <a:srgbClr val="D8D8D8"/>
                 </a:solidFill>
@@ -21331,7 +21337,7 @@
               </a:rPr>
               <a:t> increments a variable</a:t>
             </a:r>
-            <a:endParaRPr/>
+            <a:endParaRPr dirty="0"/>
           </a:p>
         </p:txBody>
       </p:sp>
@@ -21540,7 +21546,7 @@
               <a:buNone/>
             </a:pPr>
             <a:r>
-              <a:rPr lang="en-US" sz="2200" b="1" i="0" u="none" strike="noStrike" cap="none">
+              <a:rPr lang="en-US" sz="2200" b="1" i="0" u="none" strike="noStrike" cap="none" dirty="0">
                 <a:solidFill>
                   <a:schemeClr val="lt2"/>
                 </a:solidFill>
@@ -21549,9 +21555,33 @@
                 <a:cs typeface="Consolas"/>
                 <a:sym typeface="Consolas"/>
               </a:rPr>
-              <a:t>int squarePerimeter = 17;</a:t>
-            </a:r>
-            <a:endParaRPr/>
+              <a:t>int </a:t>
+            </a:r>
+            <a:r>
+              <a:rPr lang="en-US" sz="2200" b="1" i="0" u="none" strike="noStrike" cap="none" dirty="0" err="1">
+                <a:solidFill>
+                  <a:schemeClr val="lt2"/>
+                </a:solidFill>
+                <a:latin typeface="Consolas"/>
+                <a:ea typeface="Consolas"/>
+                <a:cs typeface="Consolas"/>
+                <a:sym typeface="Consolas"/>
+              </a:rPr>
+              <a:t>squarePerimeter</a:t>
+            </a:r>
+            <a:r>
+              <a:rPr lang="en-US" sz="2200" b="1" i="0" u="none" strike="noStrike" cap="none" dirty="0">
+                <a:solidFill>
+                  <a:schemeClr val="lt2"/>
+                </a:solidFill>
+                <a:latin typeface="Consolas"/>
+                <a:ea typeface="Consolas"/>
+                <a:cs typeface="Consolas"/>
+                <a:sym typeface="Consolas"/>
+              </a:rPr>
+              <a:t> = 17;</a:t>
+            </a:r>
+            <a:endParaRPr dirty="0"/>
           </a:p>
           <a:p>
             <a:pPr marL="0" marR="0" lvl="0" indent="0" algn="l" rtl="0">
@@ -21567,7 +21597,7 @@
               <a:buNone/>
             </a:pPr>
             <a:r>
-              <a:rPr lang="en-US" sz="2200" b="1" i="0" u="none" strike="noStrike" cap="none">
+              <a:rPr lang="en-US" sz="2200" b="1" i="0" u="none" strike="noStrike" cap="none" dirty="0">
                 <a:solidFill>
                   <a:schemeClr val="lt2"/>
                 </a:solidFill>
@@ -21576,9 +21606,57 @@
                 <a:cs typeface="Consolas"/>
                 <a:sym typeface="Consolas"/>
               </a:rPr>
-              <a:t>double squareSide = squarePerimeter / 4.0;</a:t>
-            </a:r>
-            <a:endParaRPr/>
+              <a:t>double </a:t>
+            </a:r>
+            <a:r>
+              <a:rPr lang="en-US" sz="2200" b="1" i="0" u="none" strike="noStrike" cap="none" dirty="0" err="1">
+                <a:solidFill>
+                  <a:schemeClr val="lt2"/>
+                </a:solidFill>
+                <a:latin typeface="Consolas"/>
+                <a:ea typeface="Consolas"/>
+                <a:cs typeface="Consolas"/>
+                <a:sym typeface="Consolas"/>
+              </a:rPr>
+              <a:t>squareSide</a:t>
+            </a:r>
+            <a:r>
+              <a:rPr lang="en-US" sz="2200" b="1" i="0" u="none" strike="noStrike" cap="none" dirty="0">
+                <a:solidFill>
+                  <a:schemeClr val="lt2"/>
+                </a:solidFill>
+                <a:latin typeface="Consolas"/>
+                <a:ea typeface="Consolas"/>
+                <a:cs typeface="Consolas"/>
+                <a:sym typeface="Consolas"/>
+              </a:rPr>
+              <a:t> = </a:t>
+            </a:r>
+            <a:r>
+              <a:rPr lang="en-US" sz="2200" b="1" i="0" u="none" strike="noStrike" cap="none" dirty="0" err="1">
+                <a:solidFill>
+                  <a:schemeClr val="lt2"/>
+                </a:solidFill>
+                <a:latin typeface="Consolas"/>
+                <a:ea typeface="Consolas"/>
+                <a:cs typeface="Consolas"/>
+                <a:sym typeface="Consolas"/>
+              </a:rPr>
+              <a:t>squarePerimeter</a:t>
+            </a:r>
+            <a:r>
+              <a:rPr lang="en-US" sz="2200" b="1" i="0" u="none" strike="noStrike" cap="none" dirty="0">
+                <a:solidFill>
+                  <a:schemeClr val="lt2"/>
+                </a:solidFill>
+                <a:latin typeface="Consolas"/>
+                <a:ea typeface="Consolas"/>
+                <a:cs typeface="Consolas"/>
+                <a:sym typeface="Consolas"/>
+              </a:rPr>
+              <a:t> / 4.0;</a:t>
+            </a:r>
+            <a:endParaRPr dirty="0"/>
           </a:p>
           <a:p>
             <a:pPr marL="0" marR="0" lvl="0" indent="0" algn="l" rtl="0">
@@ -21594,7 +21672,7 @@
               <a:buNone/>
             </a:pPr>
             <a:r>
-              <a:rPr lang="en-US" sz="2200" b="1" i="0" u="none" strike="noStrike" cap="none">
+              <a:rPr lang="en-US" sz="2200" b="1" i="0" u="none" strike="noStrike" cap="none" dirty="0">
                 <a:solidFill>
                   <a:schemeClr val="lt2"/>
                 </a:solidFill>
@@ -21603,9 +21681,81 @@
                 <a:cs typeface="Consolas"/>
                 <a:sym typeface="Consolas"/>
               </a:rPr>
-              <a:t>double squareArea = squareSide * squareSide;</a:t>
-            </a:r>
-            <a:endParaRPr/>
+              <a:t>double </a:t>
+            </a:r>
+            <a:r>
+              <a:rPr lang="en-US" sz="2200" b="1" i="0" u="none" strike="noStrike" cap="none" dirty="0" err="1">
+                <a:solidFill>
+                  <a:schemeClr val="lt2"/>
+                </a:solidFill>
+                <a:latin typeface="Consolas"/>
+                <a:ea typeface="Consolas"/>
+                <a:cs typeface="Consolas"/>
+                <a:sym typeface="Consolas"/>
+              </a:rPr>
+              <a:t>squareArea</a:t>
+            </a:r>
+            <a:r>
+              <a:rPr lang="en-US" sz="2200" b="1" i="0" u="none" strike="noStrike" cap="none" dirty="0">
+                <a:solidFill>
+                  <a:schemeClr val="lt2"/>
+                </a:solidFill>
+                <a:latin typeface="Consolas"/>
+                <a:ea typeface="Consolas"/>
+                <a:cs typeface="Consolas"/>
+                <a:sym typeface="Consolas"/>
+              </a:rPr>
+              <a:t> = </a:t>
+            </a:r>
+            <a:r>
+              <a:rPr lang="en-US" sz="2200" b="1" i="0" u="none" strike="noStrike" cap="none" dirty="0" err="1">
+                <a:solidFill>
+                  <a:schemeClr val="lt2"/>
+                </a:solidFill>
+                <a:latin typeface="Consolas"/>
+                <a:ea typeface="Consolas"/>
+                <a:cs typeface="Consolas"/>
+                <a:sym typeface="Consolas"/>
+              </a:rPr>
+              <a:t>squareSide</a:t>
+            </a:r>
+            <a:r>
+              <a:rPr lang="en-US" sz="2200" b="1" i="0" u="none" strike="noStrike" cap="none" dirty="0">
+                <a:solidFill>
+                  <a:schemeClr val="lt2"/>
+                </a:solidFill>
+                <a:latin typeface="Consolas"/>
+                <a:ea typeface="Consolas"/>
+                <a:cs typeface="Consolas"/>
+                <a:sym typeface="Consolas"/>
+              </a:rPr>
+              <a:t> * </a:t>
+            </a:r>
+            <a:r>
+              <a:rPr lang="en-US" sz="2200" b="1" i="0" u="none" strike="noStrike" cap="none" dirty="0" err="1">
+                <a:solidFill>
+                  <a:schemeClr val="lt2"/>
+                </a:solidFill>
+                <a:latin typeface="Consolas"/>
+                <a:ea typeface="Consolas"/>
+                <a:cs typeface="Consolas"/>
+                <a:sym typeface="Consolas"/>
+              </a:rPr>
+              <a:t>squareSide</a:t>
+            </a:r>
+            <a:r>
+              <a:rPr lang="en-US" sz="2200" b="1" i="0" u="none" strike="noStrike" cap="none" dirty="0">
+                <a:solidFill>
+                  <a:schemeClr val="lt2"/>
+                </a:solidFill>
+                <a:latin typeface="Consolas"/>
+                <a:ea typeface="Consolas"/>
+                <a:cs typeface="Consolas"/>
+                <a:sym typeface="Consolas"/>
+              </a:rPr>
+              <a:t>;</a:t>
+            </a:r>
+            <a:endParaRPr dirty="0"/>
           </a:p>
           <a:p>
             <a:pPr marL="0" marR="0" lvl="0" indent="0" algn="l" rtl="0">
@@ -21621,7 +21771,7 @@
               <a:buNone/>
             </a:pPr>
             <a:r>
-              <a:rPr lang="en-US" sz="2200" b="1" i="0" u="none" strike="noStrike" cap="none">
+              <a:rPr lang="en-US" sz="2200" b="1" i="0" u="none" strike="noStrike" cap="none" dirty="0" err="1">
                 <a:solidFill>
                   <a:schemeClr val="lt2"/>
                 </a:solidFill>
@@ -21630,9 +21780,45 @@
                 <a:cs typeface="Consolas"/>
                 <a:sym typeface="Consolas"/>
               </a:rPr>
-              <a:t>Console.WriteLine(squareSide); // 4.25</a:t>
-            </a:r>
-            <a:endParaRPr/>
+              <a:t>Console.WriteLine</a:t>
+            </a:r>
+            <a:r>
+              <a:rPr lang="en-US" sz="2200" b="1" i="0" u="none" strike="noStrike" cap="none" dirty="0">
+                <a:solidFill>
+                  <a:schemeClr val="lt2"/>
+                </a:solidFill>
+                <a:latin typeface="Consolas"/>
+                <a:ea typeface="Consolas"/>
+                <a:cs typeface="Consolas"/>
+                <a:sym typeface="Consolas"/>
+              </a:rPr>
+              <a:t>(</a:t>
+            </a:r>
+            <a:r>
+              <a:rPr lang="en-US" sz="2200" b="1" i="0" u="none" strike="noStrike" cap="none" dirty="0" err="1">
+                <a:solidFill>
+                  <a:schemeClr val="lt2"/>
+                </a:solidFill>
+                <a:latin typeface="Consolas"/>
+                <a:ea typeface="Consolas"/>
+                <a:cs typeface="Consolas"/>
+                <a:sym typeface="Consolas"/>
+              </a:rPr>
+              <a:t>squareSide</a:t>
+            </a:r>
+            <a:r>
+              <a:rPr lang="en-US" sz="2200" b="1" i="0" u="none" strike="noStrike" cap="none" dirty="0">
+                <a:solidFill>
+                  <a:schemeClr val="lt2"/>
+                </a:solidFill>
+                <a:latin typeface="Consolas"/>
+                <a:ea typeface="Consolas"/>
+                <a:cs typeface="Consolas"/>
+                <a:sym typeface="Consolas"/>
+              </a:rPr>
+              <a:t>); // 4.25</a:t>
+            </a:r>
+            <a:endParaRPr dirty="0"/>
           </a:p>
           <a:p>
             <a:pPr marL="0" marR="0" lvl="0" indent="0" algn="l" rtl="0">
@@ -21648,7 +21834,7 @@
               <a:buNone/>
             </a:pPr>
             <a:r>
-              <a:rPr lang="en-US" sz="2200" b="1" i="0" u="none" strike="noStrike" cap="none">
+              <a:rPr lang="en-US" sz="2200" b="1" i="0" u="none" strike="noStrike" cap="none" dirty="0" err="1">
                 <a:solidFill>
                   <a:schemeClr val="lt2"/>
                 </a:solidFill>
@@ -21657,9 +21843,45 @@
                 <a:cs typeface="Consolas"/>
                 <a:sym typeface="Consolas"/>
               </a:rPr>
-              <a:t>Console.WriteLine(squareArea); // 18.0625</a:t>
-            </a:r>
-            <a:endParaRPr/>
+              <a:t>Console.WriteLine</a:t>
+            </a:r>
+            <a:r>
+              <a:rPr lang="en-US" sz="2200" b="1" i="0" u="none" strike="noStrike" cap="none" dirty="0">
+                <a:solidFill>
+                  <a:schemeClr val="lt2"/>
+                </a:solidFill>
+                <a:latin typeface="Consolas"/>
+                <a:ea typeface="Consolas"/>
+                <a:cs typeface="Consolas"/>
+                <a:sym typeface="Consolas"/>
+              </a:rPr>
+              <a:t>(</a:t>
+            </a:r>
+            <a:r>
+              <a:rPr lang="en-US" sz="2200" b="1" i="0" u="none" strike="noStrike" cap="none" dirty="0" err="1">
+                <a:solidFill>
+                  <a:schemeClr val="lt2"/>
+                </a:solidFill>
+                <a:latin typeface="Consolas"/>
+                <a:ea typeface="Consolas"/>
+                <a:cs typeface="Consolas"/>
+                <a:sym typeface="Consolas"/>
+              </a:rPr>
+              <a:t>squareArea</a:t>
+            </a:r>
+            <a:r>
+              <a:rPr lang="en-US" sz="2200" b="1" i="0" u="none" strike="noStrike" cap="none" dirty="0">
+                <a:solidFill>
+                  <a:schemeClr val="lt2"/>
+                </a:solidFill>
+                <a:latin typeface="Consolas"/>
+                <a:ea typeface="Consolas"/>
+                <a:cs typeface="Consolas"/>
+                <a:sym typeface="Consolas"/>
+              </a:rPr>
+              <a:t>); // 18.0625</a:t>
+            </a:r>
+            <a:endParaRPr dirty="0"/>
           </a:p>
           <a:p>
             <a:pPr marL="0" marR="0" lvl="0" indent="0" algn="l" rtl="0">
@@ -21675,7 +21897,7 @@
               <a:buNone/>
             </a:pPr>
             <a:r>
-              <a:rPr lang="en-US" sz="2200" b="1" i="0" u="none" strike="noStrike" cap="none">
+              <a:rPr lang="en-US" sz="2200" b="1" i="0" u="none" strike="noStrike" cap="none" dirty="0">
                 <a:solidFill>
                   <a:schemeClr val="lt2"/>
                 </a:solidFill>
@@ -21686,7 +21908,7 @@
               </a:rPr>
               <a:t>int a = 5;</a:t>
             </a:r>
-            <a:endParaRPr/>
+            <a:endParaRPr dirty="0"/>
           </a:p>
           <a:p>
             <a:pPr marL="0" marR="0" lvl="0" indent="0" algn="l" rtl="0">
@@ -21702,7 +21924,7 @@
               <a:buNone/>
             </a:pPr>
             <a:r>
-              <a:rPr lang="en-US" sz="2200" b="1" i="0" u="none" strike="noStrike" cap="none">
+              <a:rPr lang="en-US" sz="2200" b="1" i="0" u="none" strike="noStrike" cap="none" dirty="0">
                 <a:solidFill>
                   <a:schemeClr val="lt2"/>
                 </a:solidFill>
@@ -21713,7 +21935,7 @@
               </a:rPr>
               <a:t>int b = 4;</a:t>
             </a:r>
-            <a:endParaRPr/>
+            <a:endParaRPr dirty="0"/>
           </a:p>
           <a:p>
             <a:pPr marL="0" marR="0" lvl="0" indent="0" algn="l" rtl="0">
@@ -21729,7 +21951,7 @@
               <a:buNone/>
             </a:pPr>
             <a:r>
-              <a:rPr lang="en-US" sz="2200" b="1" i="0" u="none" strike="noStrike" cap="none">
+              <a:rPr lang="en-US" sz="2200" b="1" i="0" u="none" strike="noStrike" cap="none" dirty="0" err="1">
                 <a:solidFill>
                   <a:schemeClr val="lt2"/>
                 </a:solidFill>
@@ -21738,9 +21960,21 @@
                 <a:cs typeface="Consolas"/>
                 <a:sym typeface="Consolas"/>
               </a:rPr>
-              <a:t>Console.WriteLine( a + b ); // 9</a:t>
-            </a:r>
-            <a:endParaRPr/>
+              <a:t>Console.WriteLine</a:t>
+            </a:r>
+            <a:r>
+              <a:rPr lang="en-US" sz="2200" b="1" i="0" u="none" strike="noStrike" cap="none" dirty="0">
+                <a:solidFill>
+                  <a:schemeClr val="lt2"/>
+                </a:solidFill>
+                <a:latin typeface="Consolas"/>
+                <a:ea typeface="Consolas"/>
+                <a:cs typeface="Consolas"/>
+                <a:sym typeface="Consolas"/>
+              </a:rPr>
+              <a:t>( a + b ); // 9</a:t>
+            </a:r>
+            <a:endParaRPr dirty="0"/>
           </a:p>
           <a:p>
             <a:pPr marL="0" marR="0" lvl="0" indent="0" algn="l" rtl="0">
@@ -21756,7 +21990,7 @@
               <a:buNone/>
             </a:pPr>
             <a:r>
-              <a:rPr lang="en-US" sz="2200" b="1" i="0" u="none" strike="noStrike" cap="none">
+              <a:rPr lang="en-US" sz="2200" b="1" i="0" u="none" strike="noStrike" cap="none" dirty="0" err="1">
                 <a:solidFill>
                   <a:schemeClr val="lt2"/>
                 </a:solidFill>
@@ -21765,9 +21999,21 @@
                 <a:cs typeface="Consolas"/>
                 <a:sym typeface="Consolas"/>
               </a:rPr>
-              <a:t>Console.WriteLine( a + b++ ); // 9</a:t>
-            </a:r>
-            <a:endParaRPr/>
+              <a:t>Console.WriteLine</a:t>
+            </a:r>
+            <a:r>
+              <a:rPr lang="en-US" sz="2200" b="1" i="0" u="none" strike="noStrike" cap="none" dirty="0">
+                <a:solidFill>
+                  <a:schemeClr val="lt2"/>
+                </a:solidFill>
+                <a:latin typeface="Consolas"/>
+                <a:ea typeface="Consolas"/>
+                <a:cs typeface="Consolas"/>
+                <a:sym typeface="Consolas"/>
+              </a:rPr>
+              <a:t>( a + b++ ); // 9</a:t>
+            </a:r>
+            <a:endParaRPr dirty="0"/>
           </a:p>
           <a:p>
             <a:pPr marL="0" marR="0" lvl="0" indent="0" algn="l" rtl="0">
@@ -21783,7 +22029,7 @@
               <a:buNone/>
             </a:pPr>
             <a:r>
-              <a:rPr lang="en-US" sz="2200" b="1" i="0" u="none" strike="noStrike" cap="none">
+              <a:rPr lang="en-US" sz="2200" b="1" i="0" u="none" strike="noStrike" cap="none" dirty="0" err="1">
                 <a:solidFill>
                   <a:schemeClr val="lt2"/>
                 </a:solidFill>
@@ -21792,9 +22038,21 @@
                 <a:cs typeface="Consolas"/>
                 <a:sym typeface="Consolas"/>
               </a:rPr>
-              <a:t>Console.WriteLine( a + b ); // 10</a:t>
-            </a:r>
-            <a:endParaRPr/>
+              <a:t>Console.WriteLine</a:t>
+            </a:r>
+            <a:r>
+              <a:rPr lang="en-US" sz="2200" b="1" i="0" u="none" strike="noStrike" cap="none" dirty="0">
+                <a:solidFill>
+                  <a:schemeClr val="lt2"/>
+                </a:solidFill>
+                <a:latin typeface="Consolas"/>
+                <a:ea typeface="Consolas"/>
+                <a:cs typeface="Consolas"/>
+                <a:sym typeface="Consolas"/>
+              </a:rPr>
+              <a:t>( a + b ); // 10</a:t>
+            </a:r>
+            <a:endParaRPr dirty="0"/>
           </a:p>
           <a:p>
             <a:pPr marL="0" marR="0" lvl="0" indent="0" algn="l" rtl="0">
@@ -21810,7 +22068,7 @@
               <a:buNone/>
             </a:pPr>
             <a:r>
-              <a:rPr lang="en-US" sz="2200" b="1" i="0" u="none" strike="noStrike" cap="none">
+              <a:rPr lang="en-US" sz="2200" b="1" i="0" u="none" strike="noStrike" cap="none" dirty="0" err="1">
                 <a:solidFill>
                   <a:schemeClr val="lt2"/>
                 </a:solidFill>
@@ -21819,9 +22077,21 @@
                 <a:cs typeface="Consolas"/>
                 <a:sym typeface="Consolas"/>
               </a:rPr>
-              <a:t>Console.WriteLine( a + (++b) ); // 11</a:t>
-            </a:r>
-            <a:endParaRPr/>
+              <a:t>Console.WriteLine</a:t>
+            </a:r>
+            <a:r>
+              <a:rPr lang="en-US" sz="2200" b="1" i="0" u="none" strike="noStrike" cap="none" dirty="0">
+                <a:solidFill>
+                  <a:schemeClr val="lt2"/>
+                </a:solidFill>
+                <a:latin typeface="Consolas"/>
+                <a:ea typeface="Consolas"/>
+                <a:cs typeface="Consolas"/>
+                <a:sym typeface="Consolas"/>
+              </a:rPr>
+              <a:t>( a + ++b ); // 11</a:t>
+            </a:r>
+            <a:endParaRPr dirty="0"/>
           </a:p>
           <a:p>
             <a:pPr marL="0" marR="0" lvl="0" indent="0" algn="l" rtl="0">
@@ -21837,7 +22107,7 @@
               <a:buNone/>
             </a:pPr>
             <a:r>
-              <a:rPr lang="en-US" sz="2200" b="1" i="0" u="none" strike="noStrike" cap="none">
+              <a:rPr lang="en-US" sz="2200" b="1" i="0" u="none" strike="noStrike" cap="none" dirty="0" err="1">
                 <a:solidFill>
                   <a:schemeClr val="lt2"/>
                 </a:solidFill>
@@ -21846,9 +22116,21 @@
                 <a:cs typeface="Consolas"/>
                 <a:sym typeface="Consolas"/>
               </a:rPr>
-              <a:t>Console.WriteLine( a + b ); // 11</a:t>
-            </a:r>
-            <a:endParaRPr/>
+              <a:t>Console.WriteLine</a:t>
+            </a:r>
+            <a:r>
+              <a:rPr lang="en-US" sz="2200" b="1" i="0" u="none" strike="noStrike" cap="none" dirty="0">
+                <a:solidFill>
+                  <a:schemeClr val="lt2"/>
+                </a:solidFill>
+                <a:latin typeface="Consolas"/>
+                <a:ea typeface="Consolas"/>
+                <a:cs typeface="Consolas"/>
+                <a:sym typeface="Consolas"/>
+              </a:rPr>
+              <a:t>( a + b ); // 11</a:t>
+            </a:r>
+            <a:endParaRPr dirty="0"/>
           </a:p>
         </p:txBody>
       </p:sp>
@@ -21924,7 +22206,7 @@
               <a:buChar char="•"/>
             </a:pPr>
             <a:r>
-              <a:rPr lang="en-US" sz="2000" b="0" i="0" u="none" strike="noStrike" cap="none">
+              <a:rPr lang="en-US" sz="2000" b="0" i="0" u="none" strike="noStrike" cap="none" dirty="0">
                 <a:solidFill>
                   <a:srgbClr val="A5A5A5"/>
                 </a:solidFill>
@@ -21936,7 +22218,7 @@
               <a:t>Logical operators </a:t>
             </a:r>
             <a:r>
-              <a:rPr lang="en-US" sz="2000" b="0" i="0" u="none" strike="noStrike" cap="none">
+              <a:rPr lang="en-US" sz="2000" b="0" i="0" u="none" strike="noStrike" cap="none" dirty="0">
                 <a:solidFill>
                   <a:srgbClr val="D8D8D8"/>
                 </a:solidFill>
@@ -21945,9 +22227,57 @@
                 <a:cs typeface="Candara"/>
                 <a:sym typeface="Candara"/>
               </a:rPr>
-              <a:t>take boolean operands and return boolean result</a:t>
-            </a:r>
-            <a:endParaRPr/>
+              <a:t>take </a:t>
+            </a:r>
+            <a:r>
+              <a:rPr lang="en-US" sz="2000" b="0" i="0" u="none" strike="noStrike" cap="none" dirty="0" err="1">
+                <a:solidFill>
+                  <a:srgbClr val="D8D8D8"/>
+                </a:solidFill>
+                <a:latin typeface="Candara"/>
+                <a:ea typeface="Candara"/>
+                <a:cs typeface="Candara"/>
+                <a:sym typeface="Candara"/>
+              </a:rPr>
+              <a:t>boolean</a:t>
+            </a:r>
+            <a:r>
+              <a:rPr lang="en-US" sz="2000" b="0" i="0" u="none" strike="noStrike" cap="none" dirty="0">
+                <a:solidFill>
+                  <a:srgbClr val="D8D8D8"/>
+                </a:solidFill>
+                <a:latin typeface="Candara"/>
+                <a:ea typeface="Candara"/>
+                <a:cs typeface="Candara"/>
+                <a:sym typeface="Candara"/>
+              </a:rPr>
+              <a:t> operands and return </a:t>
+            </a:r>
+            <a:r>
+              <a:rPr lang="en-US" sz="2000" b="0" i="0" u="none" strike="noStrike" cap="none" dirty="0" err="1">
+                <a:solidFill>
+                  <a:srgbClr val="D8D8D8"/>
+                </a:solidFill>
+                <a:latin typeface="Candara"/>
+                <a:ea typeface="Candara"/>
+                <a:cs typeface="Candara"/>
+                <a:sym typeface="Candara"/>
+              </a:rPr>
+              <a:t>boolean</a:t>
+            </a:r>
+            <a:r>
+              <a:rPr lang="en-US" sz="2000" b="0" i="0" u="none" strike="noStrike" cap="none" dirty="0">
+                <a:solidFill>
+                  <a:srgbClr val="D8D8D8"/>
+                </a:solidFill>
+                <a:latin typeface="Candara"/>
+                <a:ea typeface="Candara"/>
+                <a:cs typeface="Candara"/>
+                <a:sym typeface="Candara"/>
+              </a:rPr>
+              <a:t> result</a:t>
+            </a:r>
+            <a:endParaRPr dirty="0"/>
           </a:p>
           <a:p>
             <a:pPr marL="228600" marR="0" lvl="0" indent="-228600" algn="l" rtl="0">
@@ -21968,7 +22298,7 @@
               <a:buChar char="•"/>
             </a:pPr>
             <a:r>
-              <a:rPr lang="en-US" sz="2000" b="0" i="0" u="none" strike="noStrike" cap="none">
+              <a:rPr lang="en-US" sz="2000" b="0" i="0" u="none" strike="noStrike" cap="none" dirty="0">
                 <a:solidFill>
                   <a:srgbClr val="D8D8D8"/>
                 </a:solidFill>
@@ -21980,7 +22310,7 @@
               <a:t>Operator </a:t>
             </a:r>
             <a:r>
-              <a:rPr lang="en-US" sz="2000" b="1" i="0" u="none" strike="noStrike" cap="none">
+              <a:rPr lang="en-US" sz="2000" b="1" i="0" u="none" strike="noStrike" cap="none" dirty="0">
                 <a:solidFill>
                   <a:srgbClr val="A5A5A5"/>
                 </a:solidFill>
@@ -21992,7 +22322,7 @@
               <a:t>!</a:t>
             </a:r>
             <a:r>
-              <a:rPr lang="en-US" sz="2000" b="0" i="0" u="none" strike="noStrike" cap="none">
+              <a:rPr lang="en-US" sz="2000" b="0" i="0" u="none" strike="noStrike" cap="none" dirty="0">
                 <a:solidFill>
                   <a:schemeClr val="hlink"/>
                 </a:solidFill>
@@ -22004,7 +22334,7 @@
               <a:t> </a:t>
             </a:r>
             <a:r>
-              <a:rPr lang="en-US" sz="2000" b="0" i="0" u="none" strike="noStrike" cap="none">
+              <a:rPr lang="en-US" sz="2000" b="0" i="0" u="none" strike="noStrike" cap="none" dirty="0">
                 <a:solidFill>
                   <a:srgbClr val="D8D8D8"/>
                 </a:solidFill>
@@ -22016,7 +22346,7 @@
               <a:t>turns </a:t>
             </a:r>
             <a:r>
-              <a:rPr lang="en-US" sz="2000" b="1" i="0" u="none" strike="noStrike" cap="none">
+              <a:rPr lang="en-US" sz="2000" b="1" i="0" u="none" strike="noStrike" cap="none" dirty="0">
                 <a:solidFill>
                   <a:srgbClr val="A5A5A5"/>
                 </a:solidFill>
@@ -22028,7 +22358,7 @@
               <a:t>true</a:t>
             </a:r>
             <a:r>
-              <a:rPr lang="en-US" sz="2000" b="0" i="0" u="none" strike="noStrike" cap="none">
+              <a:rPr lang="en-US" sz="2000" b="0" i="0" u="none" strike="noStrike" cap="none" dirty="0">
                 <a:solidFill>
                   <a:srgbClr val="D8D8D8"/>
                 </a:solidFill>
@@ -22040,7 +22370,7 @@
               <a:t> to </a:t>
             </a:r>
             <a:r>
-              <a:rPr lang="en-US" sz="2000" b="1" i="0" u="none" strike="noStrike" cap="none">
+              <a:rPr lang="en-US" sz="2000" b="1" i="0" u="none" strike="noStrike" cap="none" dirty="0">
                 <a:solidFill>
                   <a:srgbClr val="A5A5A5"/>
                 </a:solidFill>
@@ -22052,7 +22382,7 @@
               <a:t>false</a:t>
             </a:r>
             <a:r>
-              <a:rPr lang="en-US" sz="2000" b="0" i="0" u="none" strike="noStrike" cap="none">
+              <a:rPr lang="en-US" sz="2000" b="0" i="0" u="none" strike="noStrike" cap="none" dirty="0">
                 <a:solidFill>
                   <a:srgbClr val="D8D8D8"/>
                 </a:solidFill>
@@ -22064,7 +22394,7 @@
               <a:t> and </a:t>
             </a:r>
             <a:r>
-              <a:rPr lang="en-US" sz="2000" b="1" i="0" u="none" strike="noStrike" cap="none">
+              <a:rPr lang="en-US" sz="2000" b="1" i="0" u="none" strike="noStrike" cap="none" dirty="0">
                 <a:solidFill>
                   <a:srgbClr val="A5A5A5"/>
                 </a:solidFill>
@@ -22076,7 +22406,7 @@
               <a:t>false</a:t>
             </a:r>
             <a:r>
-              <a:rPr lang="en-US" sz="2000" b="0" i="0" u="none" strike="noStrike" cap="none">
+              <a:rPr lang="en-US" sz="2000" b="0" i="0" u="none" strike="noStrike" cap="none" dirty="0">
                 <a:solidFill>
                   <a:schemeClr val="hlink"/>
                 </a:solidFill>
@@ -22088,7 +22418,7 @@
               <a:t> </a:t>
             </a:r>
             <a:r>
-              <a:rPr lang="en-US" sz="2000" b="0" i="0" u="none" strike="noStrike" cap="none">
+              <a:rPr lang="en-US" sz="2000" b="0" i="0" u="none" strike="noStrike" cap="none" dirty="0">
                 <a:solidFill>
                   <a:srgbClr val="D8D8D8"/>
                 </a:solidFill>
@@ -22100,7 +22430,7 @@
               <a:t>to</a:t>
             </a:r>
             <a:r>
-              <a:rPr lang="en-US" sz="2000" b="0" i="0" u="none" strike="noStrike" cap="none">
+              <a:rPr lang="en-US" sz="2000" b="0" i="0" u="none" strike="noStrike" cap="none" dirty="0">
                 <a:solidFill>
                   <a:schemeClr val="hlink"/>
                 </a:solidFill>
@@ -22112,7 +22442,7 @@
               <a:t> </a:t>
             </a:r>
             <a:r>
-              <a:rPr lang="en-US" sz="2000" b="1" i="0" u="none" strike="noStrike" cap="none">
+              <a:rPr lang="en-US" sz="2000" b="1" i="0" u="none" strike="noStrike" cap="none" dirty="0">
                 <a:solidFill>
                   <a:srgbClr val="A5A5A5"/>
                 </a:solidFill>
@@ -22124,7 +22454,7 @@
               <a:t>true</a:t>
             </a:r>
             <a:r>
-              <a:rPr lang="en-US" sz="2000" b="0" i="0" u="none" strike="noStrike" cap="none">
+              <a:rPr lang="en-US" sz="2000" b="0" i="0" u="none" strike="noStrike" cap="none" dirty="0">
                 <a:solidFill>
                   <a:srgbClr val="D8D8D8"/>
                 </a:solidFill>
@@ -22135,7 +22465,7 @@
               </a:rPr>
               <a:t> </a:t>
             </a:r>
-            <a:endParaRPr/>
+            <a:endParaRPr dirty="0"/>
           </a:p>
           <a:p>
             <a:pPr marL="228600" marR="0" lvl="0" indent="-228600" algn="l" rtl="0">
@@ -22156,7 +22486,7 @@
               <a:buChar char="•"/>
             </a:pPr>
             <a:r>
-              <a:rPr lang="en-US" sz="2000" b="0" i="0" u="none" strike="noStrike" cap="none">
+              <a:rPr lang="en-US" sz="2000" b="0" i="0" u="none" strike="noStrike" cap="none" dirty="0">
                 <a:solidFill>
                   <a:srgbClr val="D8D8D8"/>
                 </a:solidFill>
@@ -22168,7 +22498,7 @@
               <a:t>Behavior of the operators </a:t>
             </a:r>
             <a:r>
-              <a:rPr lang="en-US" sz="2000" b="1" i="0" u="none" strike="noStrike" cap="none">
+              <a:rPr lang="en-US" sz="2000" b="1" i="0" u="none" strike="noStrike" cap="none" dirty="0">
                 <a:solidFill>
                   <a:srgbClr val="A5A5A5"/>
                 </a:solidFill>
@@ -22180,7 +22510,7 @@
               <a:t>&amp;&amp;</a:t>
             </a:r>
             <a:r>
-              <a:rPr lang="en-US" sz="2000" b="0" i="0" u="none" strike="noStrike" cap="none">
+              <a:rPr lang="en-US" sz="2000" b="0" i="0" u="none" strike="noStrike" cap="none" dirty="0">
                 <a:solidFill>
                   <a:srgbClr val="D8D8D8"/>
                 </a:solidFill>
@@ -22192,7 +22522,7 @@
               <a:t>, </a:t>
             </a:r>
             <a:r>
-              <a:rPr lang="en-US" sz="2000" b="1" i="0" u="none" strike="noStrike" cap="none">
+              <a:rPr lang="en-US" sz="2000" b="1" i="0" u="none" strike="noStrike" cap="none" dirty="0">
                 <a:solidFill>
                   <a:srgbClr val="A5A5A5"/>
                 </a:solidFill>
@@ -22204,7 +22534,7 @@
               <a:t>||</a:t>
             </a:r>
             <a:r>
-              <a:rPr lang="en-US" sz="2000" b="0" i="0" u="none" strike="noStrike" cap="none">
+              <a:rPr lang="en-US" sz="2000" b="0" i="0" u="none" strike="noStrike" cap="none" dirty="0">
                 <a:solidFill>
                   <a:srgbClr val="D8D8D8"/>
                 </a:solidFill>
@@ -22216,7 +22546,7 @@
               <a:t> and </a:t>
             </a:r>
             <a:r>
-              <a:rPr lang="en-US" sz="2000" b="1" i="0" u="none" strike="noStrike" cap="none">
+              <a:rPr lang="en-US" sz="2000" b="1" i="0" u="none" strike="noStrike" cap="none" dirty="0">
                 <a:solidFill>
                   <a:srgbClr val="A5A5A5"/>
                 </a:solidFill>
@@ -22228,7 +22558,7 @@
               <a:t>^</a:t>
             </a:r>
             <a:r>
-              <a:rPr lang="en-US" sz="2000" b="0" i="0" u="none" strike="noStrike" cap="none">
+              <a:rPr lang="en-US" sz="2000" b="0" i="0" u="none" strike="noStrike" cap="none" dirty="0">
                 <a:solidFill>
                   <a:srgbClr val="D8D8D8"/>
                 </a:solidFill>
@@ -22240,7 +22570,7 @@
               <a:t> </a:t>
             </a:r>
             <a:br>
-              <a:rPr lang="en-US" sz="2000" b="0" i="0" u="none" strike="noStrike" cap="none">
+              <a:rPr lang="en-US" sz="2000" b="0" i="0" u="none" strike="noStrike" cap="none" dirty="0">
                 <a:solidFill>
                   <a:srgbClr val="D8D8D8"/>
                 </a:solidFill>
@@ -22251,7 +22581,7 @@
               </a:rPr>
             </a:br>
             <a:r>
-              <a:rPr lang="en-US" sz="2000" b="0" i="0" u="none" strike="noStrike" cap="none">
+              <a:rPr lang="en-US" sz="2000" b="0" i="0" u="none" strike="noStrike" cap="none" dirty="0">
                 <a:solidFill>
                   <a:srgbClr val="D8D8D8"/>
                 </a:solidFill>
@@ -22263,7 +22593,7 @@
               <a:t>(</a:t>
             </a:r>
             <a:r>
-              <a:rPr lang="en-US" sz="2000" b="1" i="0" u="none" strike="noStrike" cap="none">
+              <a:rPr lang="en-US" sz="2000" b="1" i="0" u="none" strike="noStrike" cap="none" dirty="0">
                 <a:solidFill>
                   <a:srgbClr val="A5A5A5"/>
                 </a:solidFill>
@@ -22275,7 +22605,7 @@
               <a:t>1</a:t>
             </a:r>
             <a:r>
-              <a:rPr lang="en-US" sz="2000" b="0" i="0" u="none" strike="noStrike" cap="none">
+              <a:rPr lang="en-US" sz="2000" b="0" i="0" u="none" strike="noStrike" cap="none" dirty="0">
                 <a:solidFill>
                   <a:srgbClr val="D8D8D8"/>
                 </a:solidFill>
@@ -22287,7 +22617,7 @@
               <a:t> == </a:t>
             </a:r>
             <a:r>
-              <a:rPr lang="en-US" sz="2000" b="1" i="0" u="none" strike="noStrike" cap="none">
+              <a:rPr lang="en-US" sz="2000" b="1" i="0" u="none" strike="noStrike" cap="none" dirty="0">
                 <a:solidFill>
                   <a:srgbClr val="A5A5A5"/>
                 </a:solidFill>
@@ -22299,7 +22629,7 @@
               <a:t>true</a:t>
             </a:r>
             <a:r>
-              <a:rPr lang="en-US" sz="2000" b="0" i="0" u="none" strike="noStrike" cap="none">
+              <a:rPr lang="en-US" sz="2000" b="0" i="0" u="none" strike="noStrike" cap="none" dirty="0">
                 <a:solidFill>
                   <a:srgbClr val="D8D8D8"/>
                 </a:solidFill>
@@ -22311,7 +22641,7 @@
               <a:t>, </a:t>
             </a:r>
             <a:r>
-              <a:rPr lang="en-US" sz="2000" b="1" i="0" u="none" strike="noStrike" cap="none">
+              <a:rPr lang="en-US" sz="2000" b="1" i="0" u="none" strike="noStrike" cap="none" dirty="0">
                 <a:solidFill>
                   <a:srgbClr val="A5A5A5"/>
                 </a:solidFill>
@@ -22323,7 +22653,7 @@
               <a:t>0</a:t>
             </a:r>
             <a:r>
-              <a:rPr lang="en-US" sz="2000" b="0" i="0" u="none" strike="noStrike" cap="none">
+              <a:rPr lang="en-US" sz="2000" b="0" i="0" u="none" strike="noStrike" cap="none" dirty="0">
                 <a:solidFill>
                   <a:srgbClr val="D8D8D8"/>
                 </a:solidFill>
@@ -22335,7 +22665,7 @@
               <a:t> == </a:t>
             </a:r>
             <a:r>
-              <a:rPr lang="en-US" sz="2000" b="1" i="0" u="none" strike="noStrike" cap="none">
+              <a:rPr lang="en-US" sz="2000" b="1" i="0" u="none" strike="noStrike" cap="none" dirty="0">
                 <a:solidFill>
                   <a:srgbClr val="A5A5A5"/>
                 </a:solidFill>
@@ -22347,7 +22677,7 @@
               <a:t>false</a:t>
             </a:r>
             <a:r>
-              <a:rPr lang="en-US" sz="2000" b="0" i="0" u="none" strike="noStrike" cap="none">
+              <a:rPr lang="en-US" sz="2000" b="0" i="0" u="none" strike="noStrike" cap="none" dirty="0">
                 <a:solidFill>
                   <a:srgbClr val="D8D8D8"/>
                 </a:solidFill>
@@ -22358,7 +22688,7 @@
               </a:rPr>
               <a:t>):</a:t>
             </a:r>
-            <a:endParaRPr/>
+            <a:endParaRPr dirty="0"/>
           </a:p>
         </p:txBody>
       </p:sp>
@@ -22634,7 +22964,7 @@
                         <a:buNone/>
                       </a:pPr>
                       <a:r>
-                        <a:rPr lang="en-US" sz="2400" b="1" i="0" u="none" strike="noStrike" cap="none">
+                        <a:rPr lang="en-US" sz="2400" b="1" i="0" u="none" strike="noStrike" cap="none" dirty="0">
                           <a:solidFill>
                             <a:srgbClr val="FCD9D8"/>
                           </a:solidFill>
@@ -22645,7 +22975,7 @@
                         </a:rPr>
                         <a:t>||</a:t>
                       </a:r>
-                      <a:endParaRPr/>
+                      <a:endParaRPr dirty="0"/>
                     </a:p>
                   </a:txBody>
                   <a:tcPr marL="36000" marR="36000" marT="36000" marB="36000" anchor="ctr">
@@ -22710,7 +23040,7 @@
                         <a:buNone/>
                       </a:pPr>
                       <a:r>
-                        <a:rPr lang="en-US" sz="2400" b="1" i="0" u="none" strike="noStrike" cap="none">
+                        <a:rPr lang="en-US" sz="2400" b="1" i="0" u="none" strike="noStrike" cap="none" dirty="0">
                           <a:solidFill>
                             <a:srgbClr val="FCD9D8"/>
                           </a:solidFill>
@@ -22721,7 +23051,7 @@
                         </a:rPr>
                         <a:t>||</a:t>
                       </a:r>
-                      <a:endParaRPr/>
+                      <a:endParaRPr dirty="0"/>
                     </a:p>
                   </a:txBody>
                   <a:tcPr marL="36000" marR="36000" marT="36000" marB="36000" anchor="ctr">
@@ -23637,7 +23967,7 @@
                         <a:buNone/>
                       </a:pPr>
                       <a:r>
-                        <a:rPr lang="en-US" sz="2400" b="1" i="0" u="none" strike="noStrike" cap="none">
+                        <a:rPr lang="en-US" sz="2400" b="1" i="0" u="none" strike="noStrike" cap="none" dirty="0">
                           <a:solidFill>
                             <a:srgbClr val="FCD9D8"/>
                           </a:solidFill>
@@ -23648,7 +23978,7 @@
                         </a:rPr>
                         <a:t>0</a:t>
                       </a:r>
-                      <a:endParaRPr/>
+                      <a:endParaRPr dirty="0"/>
                     </a:p>
                   </a:txBody>
                   <a:tcPr marL="36000" marR="36000" marT="36000" marB="36000" anchor="ctr">
@@ -23713,7 +24043,7 @@
                         <a:buNone/>
                       </a:pPr>
                       <a:r>
-                        <a:rPr lang="en-US" sz="2400" b="1" i="0" u="none" strike="noStrike" cap="none">
+                        <a:rPr lang="en-US" sz="2400" b="1" i="0" u="none" strike="noStrike" cap="none" dirty="0">
                           <a:solidFill>
                             <a:srgbClr val="FCD9D8"/>
                           </a:solidFill>
@@ -23724,7 +24054,7 @@
                         </a:rPr>
                         <a:t>0</a:t>
                       </a:r>
-                      <a:endParaRPr/>
+                      <a:endParaRPr dirty="0"/>
                     </a:p>
                   </a:txBody>
                   <a:tcPr marL="36000" marR="36000" marT="36000" marB="36000" anchor="ctr">
@@ -23789,7 +24119,7 @@
                         <a:buNone/>
                       </a:pPr>
                       <a:r>
-                        <a:rPr lang="en-US" sz="2400" b="1" i="0" u="none" strike="noStrike" cap="none">
+                        <a:rPr lang="en-US" sz="2400" b="1" i="0" u="none" strike="noStrike" cap="none" dirty="0">
                           <a:solidFill>
                             <a:srgbClr val="FCD9D8"/>
                           </a:solidFill>
@@ -23800,7 +24130,7 @@
                         </a:rPr>
                         <a:t>1</a:t>
                       </a:r>
-                      <a:endParaRPr/>
+                      <a:endParaRPr dirty="0"/>
                     </a:p>
                   </a:txBody>
                   <a:tcPr marL="36000" marR="36000" marT="36000" marB="36000" anchor="ctr">
@@ -23865,7 +24195,7 @@
                         <a:buNone/>
                       </a:pPr>
                       <a:r>
-                        <a:rPr lang="en-US" sz="2400" b="1" i="0" u="none" strike="noStrike" cap="none">
+                        <a:rPr lang="en-US" sz="2400" b="1" i="0" u="none" strike="noStrike" cap="none" dirty="0">
                           <a:solidFill>
                             <a:srgbClr val="FCD9D8"/>
                           </a:solidFill>
@@ -23876,7 +24206,7 @@
                         </a:rPr>
                         <a:t>1</a:t>
                       </a:r>
-                      <a:endParaRPr/>
+                      <a:endParaRPr dirty="0"/>
                     </a:p>
                   </a:txBody>
                   <a:tcPr marL="36000" marR="36000" marT="36000" marB="36000" anchor="ctr">
@@ -24017,7 +24347,7 @@
                         <a:buNone/>
                       </a:pPr>
                       <a:r>
-                        <a:rPr lang="en-US" sz="2400" b="1" i="0" u="none" strike="noStrike" cap="none">
+                        <a:rPr lang="en-US" sz="2400" b="1" i="0" u="none" strike="noStrike" cap="none" dirty="0">
                           <a:solidFill>
                             <a:srgbClr val="FCD9D8"/>
                           </a:solidFill>
@@ -24028,7 +24358,7 @@
                         </a:rPr>
                         <a:t>0</a:t>
                       </a:r>
-                      <a:endParaRPr/>
+                      <a:endParaRPr dirty="0"/>
                     </a:p>
                   </a:txBody>
                   <a:tcPr marL="36000" marR="36000" marT="36000" marB="36000" anchor="ctr">
@@ -24716,7 +25046,7 @@
                         <a:buNone/>
                       </a:pPr>
                       <a:r>
-                        <a:rPr lang="en-US" sz="2400" b="1" i="0" u="none" strike="noStrike" cap="none">
+                        <a:rPr lang="en-US" sz="2400" b="1" i="0" u="none" strike="noStrike" cap="none" dirty="0">
                           <a:solidFill>
                             <a:srgbClr val="FCD9D8"/>
                           </a:solidFill>
@@ -24727,7 +25057,7 @@
                         </a:rPr>
                         <a:t>1</a:t>
                       </a:r>
-                      <a:endParaRPr/>
+                      <a:endParaRPr dirty="0"/>
                     </a:p>
                   </a:txBody>
                   <a:tcPr marL="36000" marR="36000" marT="36000" marB="36000" anchor="ctr">
@@ -24792,7 +25122,7 @@
                         <a:buNone/>
                       </a:pPr>
                       <a:r>
-                        <a:rPr lang="en-US" sz="2400" b="1" i="0" u="none" strike="noStrike" cap="none">
+                        <a:rPr lang="en-US" sz="2400" b="1" i="0" u="none" strike="noStrike" cap="none" dirty="0">
                           <a:solidFill>
                             <a:srgbClr val="FCD9D8"/>
                           </a:solidFill>
@@ -24803,7 +25133,7 @@
                         </a:rPr>
                         <a:t>0</a:t>
                       </a:r>
-                      <a:endParaRPr/>
+                      <a:endParaRPr dirty="0"/>
                     </a:p>
                   </a:txBody>
                   <a:tcPr marL="36000" marR="36000" marT="36000" marB="36000" anchor="ctr">
@@ -25795,6 +26125,158 @@
                         <a:buNone/>
                       </a:pPr>
                       <a:r>
+                        <a:rPr lang="en-US" sz="2400" b="1" i="0" u="none" strike="noStrike" cap="none" dirty="0">
+                          <a:solidFill>
+                            <a:srgbClr val="FCD9D8"/>
+                          </a:solidFill>
+                          <a:latin typeface="Consolas"/>
+                          <a:ea typeface="Consolas"/>
+                          <a:cs typeface="Consolas"/>
+                          <a:sym typeface="Consolas"/>
+                        </a:rPr>
+                        <a:t>1</a:t>
+                      </a:r>
+                      <a:endParaRPr dirty="0"/>
+                    </a:p>
+                  </a:txBody>
+                  <a:tcPr marL="36000" marR="36000" marT="36000" marB="36000" anchor="ctr">
+                    <a:lnL w="9525" cap="flat" cmpd="sng">
+                      <a:solidFill>
+                        <a:srgbClr val="FCD9D8"/>
+                      </a:solidFill>
+                      <a:prstDash val="solid"/>
+                      <a:round/>
+                      <a:headEnd type="none" w="sm" len="sm"/>
+                      <a:tailEnd type="none" w="sm" len="sm"/>
+                    </a:lnL>
+                    <a:lnR w="9525" cap="flat" cmpd="sng">
+                      <a:solidFill>
+                        <a:srgbClr val="FCD9D8"/>
+                      </a:solidFill>
+                      <a:prstDash val="solid"/>
+                      <a:round/>
+                      <a:headEnd type="none" w="sm" len="sm"/>
+                      <a:tailEnd type="none" w="sm" len="sm"/>
+                    </a:lnR>
+                    <a:lnT w="9525" cap="flat" cmpd="sng">
+                      <a:solidFill>
+                        <a:srgbClr val="FCD9D8"/>
+                      </a:solidFill>
+                      <a:prstDash val="solid"/>
+                      <a:round/>
+                      <a:headEnd type="none" w="sm" len="sm"/>
+                      <a:tailEnd type="none" w="sm" len="sm"/>
+                    </a:lnT>
+                    <a:lnB w="28575" cap="flat" cmpd="sng">
+                      <a:solidFill>
+                        <a:srgbClr val="FCD9D8"/>
+                      </a:solidFill>
+                      <a:prstDash val="solid"/>
+                      <a:round/>
+                      <a:headEnd type="none" w="sm" len="sm"/>
+                      <a:tailEnd type="none" w="sm" len="sm"/>
+                    </a:lnB>
+                  </a:tcPr>
+                </a:tc>
+                <a:tc>
+                  <a:txBody>
+                    <a:bodyPr/>
+                    <a:lstStyle/>
+                    <a:p>
+                      <a:pPr marL="0" marR="0" lvl="0" indent="0" algn="ctr" rtl="0">
+                        <a:lnSpc>
+                          <a:spcPct val="95000"/>
+                        </a:lnSpc>
+                        <a:spcBef>
+                          <a:spcPts val="0"/>
+                        </a:spcBef>
+                        <a:spcAft>
+                          <a:spcPts val="0"/>
+                        </a:spcAft>
+                        <a:buClr>
+                          <a:schemeClr val="lt1"/>
+                        </a:buClr>
+                        <a:buSzPts val="2400"/>
+                        <a:buFont typeface="Consolas"/>
+                        <a:buNone/>
+                      </a:pPr>
+                      <a:r>
+                        <a:rPr lang="en-US" sz="2400" b="1" i="0" u="none" strike="noStrike" cap="none" dirty="0">
+                          <a:solidFill>
+                            <a:srgbClr val="FCD9D8"/>
+                          </a:solidFill>
+                          <a:latin typeface="Consolas"/>
+                          <a:ea typeface="Consolas"/>
+                          <a:cs typeface="Consolas"/>
+                          <a:sym typeface="Consolas"/>
+                        </a:rPr>
+                        <a:t>1</a:t>
+                      </a:r>
+                      <a:endParaRPr dirty="0"/>
+                    </a:p>
+                  </a:txBody>
+                  <a:tcPr marL="36000" marR="36000" marT="36000" marB="36000" anchor="ctr">
+                    <a:lnL w="9525" cap="flat" cmpd="sng">
+                      <a:solidFill>
+                        <a:srgbClr val="FCD9D8"/>
+                      </a:solidFill>
+                      <a:prstDash val="solid"/>
+                      <a:round/>
+                      <a:headEnd type="none" w="sm" len="sm"/>
+                      <a:tailEnd type="none" w="sm" len="sm"/>
+                    </a:lnL>
+                    <a:lnR w="28575" cap="flat" cmpd="sng">
+                      <a:solidFill>
+                        <a:srgbClr val="FCD9D8"/>
+                      </a:solidFill>
+                      <a:prstDash val="solid"/>
+                      <a:round/>
+                      <a:headEnd type="none" w="sm" len="sm"/>
+                      <a:tailEnd type="none" w="sm" len="sm"/>
+                    </a:lnR>
+                    <a:lnT w="9525" cap="flat" cmpd="sng">
+                      <a:solidFill>
+                        <a:srgbClr val="FCD9D8"/>
+                      </a:solidFill>
+                      <a:prstDash val="solid"/>
+                      <a:round/>
+                      <a:headEnd type="none" w="sm" len="sm"/>
+                      <a:tailEnd type="none" w="sm" len="sm"/>
+                    </a:lnT>
+                    <a:lnB w="28575" cap="flat" cmpd="sng">
+                      <a:solidFill>
+                        <a:srgbClr val="FCD9D8"/>
+                      </a:solidFill>
+                      <a:prstDash val="solid"/>
+                      <a:round/>
+                      <a:headEnd type="none" w="sm" len="sm"/>
+                      <a:tailEnd type="none" w="sm" len="sm"/>
+                    </a:lnB>
+                  </a:tcPr>
+                </a:tc>
+                <a:tc>
+                  <a:txBody>
+                    <a:bodyPr/>
+                    <a:lstStyle/>
+                    <a:p>
+                      <a:pPr marL="0" marR="0" lvl="0" indent="0" algn="ctr" rtl="0">
+                        <a:lnSpc>
+                          <a:spcPct val="95000"/>
+                        </a:lnSpc>
+                        <a:spcBef>
+                          <a:spcPts val="0"/>
+                        </a:spcBef>
+                        <a:spcAft>
+                          <a:spcPts val="0"/>
+                        </a:spcAft>
+                        <a:buClr>
+                          <a:schemeClr val="lt1"/>
+                        </a:buClr>
+                        <a:buSzPts val="2400"/>
+                        <a:buFont typeface="Consolas"/>
+                        <a:buNone/>
+                      </a:pPr>
+                      <a:r>
                         <a:rPr lang="en-US" sz="2400" b="1" i="0" u="none" strike="noStrike" cap="none">
                           <a:solidFill>
                             <a:srgbClr val="FCD9D8"/>
@@ -25804,7 +26286,159 @@
                           <a:cs typeface="Consolas"/>
                           <a:sym typeface="Consolas"/>
                         </a:rPr>
-                        <a:t>1</a:t>
+                        <a:t>0</a:t>
+                      </a:r>
+                      <a:endParaRPr/>
+                    </a:p>
+                  </a:txBody>
+                  <a:tcPr marL="36000" marR="36000" marT="36000" marB="36000" anchor="ctr">
+                    <a:lnL w="28575" cap="flat" cmpd="sng">
+                      <a:solidFill>
+                        <a:srgbClr val="FCD9D8"/>
+                      </a:solidFill>
+                      <a:prstDash val="solid"/>
+                      <a:round/>
+                      <a:headEnd type="none" w="sm" len="sm"/>
+                      <a:tailEnd type="none" w="sm" len="sm"/>
+                    </a:lnL>
+                    <a:lnR w="9525" cap="flat" cmpd="sng">
+                      <a:solidFill>
+                        <a:srgbClr val="FCD9D8"/>
+                      </a:solidFill>
+                      <a:prstDash val="solid"/>
+                      <a:round/>
+                      <a:headEnd type="none" w="sm" len="sm"/>
+                      <a:tailEnd type="none" w="sm" len="sm"/>
+                    </a:lnR>
+                    <a:lnT w="9525" cap="flat" cmpd="sng">
+                      <a:solidFill>
+                        <a:srgbClr val="FCD9D8"/>
+                      </a:solidFill>
+                      <a:prstDash val="solid"/>
+                      <a:round/>
+                      <a:headEnd type="none" w="sm" len="sm"/>
+                      <a:tailEnd type="none" w="sm" len="sm"/>
+                    </a:lnT>
+                    <a:lnB w="28575" cap="flat" cmpd="sng">
+                      <a:solidFill>
+                        <a:srgbClr val="FCD9D8"/>
+                      </a:solidFill>
+                      <a:prstDash val="solid"/>
+                      <a:round/>
+                      <a:headEnd type="none" w="sm" len="sm"/>
+                      <a:tailEnd type="none" w="sm" len="sm"/>
+                    </a:lnB>
+                  </a:tcPr>
+                </a:tc>
+                <a:tc>
+                  <a:txBody>
+                    <a:bodyPr/>
+                    <a:lstStyle/>
+                    <a:p>
+                      <a:pPr marL="0" marR="0" lvl="0" indent="0" algn="ctr" rtl="0">
+                        <a:lnSpc>
+                          <a:spcPct val="95000"/>
+                        </a:lnSpc>
+                        <a:spcBef>
+                          <a:spcPts val="0"/>
+                        </a:spcBef>
+                        <a:spcAft>
+                          <a:spcPts val="0"/>
+                        </a:spcAft>
+                        <a:buClr>
+                          <a:schemeClr val="lt1"/>
+                        </a:buClr>
+                        <a:buSzPts val="2400"/>
+                        <a:buFont typeface="Consolas"/>
+                        <a:buNone/>
+                      </a:pPr>
+                      <a:r>
+                        <a:rPr lang="en-US" sz="2400" b="1" i="0" u="none" strike="noStrike" cap="none" dirty="0">
+                          <a:solidFill>
+                            <a:srgbClr val="FCD9D8"/>
+                          </a:solidFill>
+                          <a:latin typeface="Consolas"/>
+                          <a:ea typeface="Consolas"/>
+                          <a:cs typeface="Consolas"/>
+                          <a:sym typeface="Consolas"/>
+                        </a:rPr>
+                        <a:t>0</a:t>
+                      </a:r>
+                      <a:endParaRPr dirty="0"/>
+                    </a:p>
+                  </a:txBody>
+                  <a:tcPr marL="36000" marR="36000" marT="36000" marB="36000" anchor="ctr">
+                    <a:lnL w="9525" cap="flat" cmpd="sng">
+                      <a:solidFill>
+                        <a:srgbClr val="FCD9D8"/>
+                      </a:solidFill>
+                      <a:prstDash val="solid"/>
+                      <a:round/>
+                      <a:headEnd type="none" w="sm" len="sm"/>
+                      <a:tailEnd type="none" w="sm" len="sm"/>
+                    </a:lnL>
+                    <a:lnR w="9525" cap="flat" cmpd="sng">
+                      <a:solidFill>
+                        <a:srgbClr val="FCD9D8"/>
+                      </a:solidFill>
+                      <a:prstDash val="solid"/>
+                      <a:round/>
+                      <a:headEnd type="none" w="sm" len="sm"/>
+                      <a:tailEnd type="none" w="sm" len="sm"/>
+                    </a:lnR>
+                    <a:lnT w="9525" cap="flat" cmpd="sng">
+                      <a:solidFill>
+                        <a:srgbClr val="FCD9D8"/>
+                      </a:solidFill>
+                      <a:prstDash val="solid"/>
+                      <a:round/>
+                      <a:headEnd type="none" w="sm" len="sm"/>
+                      <a:tailEnd type="none" w="sm" len="sm"/>
+                    </a:lnT>
+                    <a:lnB w="28575" cap="flat" cmpd="sng">
+                      <a:solidFill>
+                        <a:srgbClr val="FCD9D8"/>
+                      </a:solidFill>
+                      <a:prstDash val="solid"/>
+                      <a:round/>
+                      <a:headEnd type="none" w="sm" len="sm"/>
+                      <a:tailEnd type="none" w="sm" len="sm"/>
+                    </a:lnB>
+                  </a:tcPr>
+                </a:tc>
+                <a:tc>
+                  <a:txBody>
+                    <a:bodyPr/>
+                    <a:lstStyle/>
+                    <a:p>
+                      <a:pPr marL="0" marR="0" lvl="0" indent="0" algn="ctr" rtl="0">
+                        <a:lnSpc>
+                          <a:spcPct val="95000"/>
+                        </a:lnSpc>
+                        <a:spcBef>
+                          <a:spcPts val="0"/>
+                        </a:spcBef>
+                        <a:spcAft>
+                          <a:spcPts val="0"/>
+                        </a:spcAft>
+                        <a:buClr>
+                          <a:schemeClr val="lt1"/>
+                        </a:buClr>
+                        <a:buSzPts val="2400"/>
+                        <a:buFont typeface="Consolas"/>
+                        <a:buNone/>
+                      </a:pPr>
+                      <a:r>
+                        <a:rPr lang="en-US" sz="2400" b="1" i="0" u="none" strike="noStrike" cap="none">
+                          <a:solidFill>
+                            <a:srgbClr val="FCD9D8"/>
+                          </a:solidFill>
+                          <a:latin typeface="Consolas"/>
+                          <a:ea typeface="Consolas"/>
+                          <a:cs typeface="Consolas"/>
+                          <a:sym typeface="Consolas"/>
+                        </a:rPr>
+                        <a:t>0</a:t>
                       </a:r>
                       <a:endParaRPr/>
                     </a:p>
@@ -26032,83 +26666,7 @@
                           <a:cs typeface="Consolas"/>
                           <a:sym typeface="Consolas"/>
                         </a:rPr>
-                        <a:t>0</a:t>
-                      </a:r>
-                      <a:endParaRPr/>
-                    </a:p>
-                  </a:txBody>
-                  <a:tcPr marL="36000" marR="36000" marT="36000" marB="36000" anchor="ctr">
-                    <a:lnL w="9525" cap="flat" cmpd="sng">
-                      <a:solidFill>
-                        <a:srgbClr val="FCD9D8"/>
-                      </a:solidFill>
-                      <a:prstDash val="solid"/>
-                      <a:round/>
-                      <a:headEnd type="none" w="sm" len="sm"/>
-                      <a:tailEnd type="none" w="sm" len="sm"/>
-                    </a:lnL>
-                    <a:lnR w="9525" cap="flat" cmpd="sng">
-                      <a:solidFill>
-                        <a:srgbClr val="FCD9D8"/>
-                      </a:solidFill>
-                      <a:prstDash val="solid"/>
-                      <a:round/>
-                      <a:headEnd type="none" w="sm" len="sm"/>
-                      <a:tailEnd type="none" w="sm" len="sm"/>
-                    </a:lnR>
-                    <a:lnT w="9525" cap="flat" cmpd="sng">
-                      <a:solidFill>
-                        <a:srgbClr val="FCD9D8"/>
-                      </a:solidFill>
-                      <a:prstDash val="solid"/>
-                      <a:round/>
-                      <a:headEnd type="none" w="sm" len="sm"/>
-                      <a:tailEnd type="none" w="sm" len="sm"/>
-                    </a:lnT>
-                    <a:lnB w="28575" cap="flat" cmpd="sng">
-                      <a:solidFill>
-                        <a:srgbClr val="FCD9D8"/>
-                      </a:solidFill>
-                      <a:prstDash val="solid"/>
-                      <a:round/>
-                      <a:headEnd type="none" w="sm" len="sm"/>
-                      <a:tailEnd type="none" w="sm" len="sm"/>
-                    </a:lnB>
-                  </a:tcPr>
-                </a:tc>
-                <a:tc>
-                  <a:txBody>
-                    <a:bodyPr/>
-                    <a:lstStyle/>
-                    <a:p>
-                      <a:pPr marL="0" marR="0" lvl="0" indent="0" algn="ctr" rtl="0">
-                        <a:lnSpc>
-                          <a:spcPct val="95000"/>
-                        </a:lnSpc>
-                        <a:spcBef>
-                          <a:spcPts val="0"/>
-                        </a:spcBef>
-                        <a:spcAft>
-                          <a:spcPts val="0"/>
-                        </a:spcAft>
-                        <a:buClr>
-                          <a:schemeClr val="lt1"/>
-                        </a:buClr>
-                        <a:buSzPts val="2400"/>
-                        <a:buFont typeface="Consolas"/>
-                        <a:buNone/>
-                      </a:pPr>
-                      <a:r>
-                        <a:rPr lang="en-US" sz="2400" b="1" i="0" u="none" strike="noStrike" cap="none">
-                          <a:solidFill>
-                            <a:srgbClr val="FCD9D8"/>
-                          </a:solidFill>
-                          <a:latin typeface="Consolas"/>
-                          <a:ea typeface="Consolas"/>
-                          <a:cs typeface="Consolas"/>
-                          <a:sym typeface="Consolas"/>
-                        </a:rPr>
-                        <a:t>0</a:t>
+                        <a:t>1</a:t>
                       </a:r>
                       <a:endParaRPr/>
                     </a:p>
@@ -26199,7 +26757,7 @@
                       <a:headEnd type="none" w="sm" len="sm"/>
                       <a:tailEnd type="none" w="sm" len="sm"/>
                     </a:lnL>
-                    <a:lnR w="28575" cap="flat" cmpd="sng">
+                    <a:lnR w="9525" cap="flat" cmpd="sng">
                       <a:solidFill>
                         <a:srgbClr val="FCD9D8"/>
                       </a:solidFill>
@@ -26251,7 +26809,7 @@
                         <a:buNone/>
                       </a:pPr>
                       <a:r>
-                        <a:rPr lang="en-US" sz="2400" b="1" i="0" u="none" strike="noStrike" cap="none">
+                        <a:rPr lang="en-US" sz="2400" b="1" i="0" u="none" strike="noStrike" cap="none" dirty="0">
                           <a:solidFill>
                             <a:srgbClr val="FCD9D8"/>
                           </a:solidFill>
@@ -26262,235 +26820,7 @@
                         </a:rPr>
                         <a:t>0</a:t>
                       </a:r>
-                      <a:endParaRPr/>
-                    </a:p>
-                  </a:txBody>
-                  <a:tcPr marL="36000" marR="36000" marT="36000" marB="36000" anchor="ctr">
-                    <a:lnL w="28575" cap="flat" cmpd="sng">
-                      <a:solidFill>
-                        <a:srgbClr val="FCD9D8"/>
-                      </a:solidFill>
-                      <a:prstDash val="solid"/>
-                      <a:round/>
-                      <a:headEnd type="none" w="sm" len="sm"/>
-                      <a:tailEnd type="none" w="sm" len="sm"/>
-                    </a:lnL>
-                    <a:lnR w="9525" cap="flat" cmpd="sng">
-                      <a:solidFill>
-                        <a:srgbClr val="FCD9D8"/>
-                      </a:solidFill>
-                      <a:prstDash val="solid"/>
-                      <a:round/>
-                      <a:headEnd type="none" w="sm" len="sm"/>
-                      <a:tailEnd type="none" w="sm" len="sm"/>
-                    </a:lnR>
-                    <a:lnT w="9525" cap="flat" cmpd="sng">
-                      <a:solidFill>
-                        <a:srgbClr val="FCD9D8"/>
-                      </a:solidFill>
-                      <a:prstDash val="solid"/>
-                      <a:round/>
-                      <a:headEnd type="none" w="sm" len="sm"/>
-                      <a:tailEnd type="none" w="sm" len="sm"/>
-                    </a:lnT>
-                    <a:lnB w="28575" cap="flat" cmpd="sng">
-                      <a:solidFill>
-                        <a:srgbClr val="FCD9D8"/>
-                      </a:solidFill>
-                      <a:prstDash val="solid"/>
-                      <a:round/>
-                      <a:headEnd type="none" w="sm" len="sm"/>
-                      <a:tailEnd type="none" w="sm" len="sm"/>
-                    </a:lnB>
-                  </a:tcPr>
-                </a:tc>
-                <a:tc>
-                  <a:txBody>
-                    <a:bodyPr/>
-                    <a:lstStyle/>
-                    <a:p>
-                      <a:pPr marL="0" marR="0" lvl="0" indent="0" algn="ctr" rtl="0">
-                        <a:lnSpc>
-                          <a:spcPct val="95000"/>
-                        </a:lnSpc>
-                        <a:spcBef>
-                          <a:spcPts val="0"/>
-                        </a:spcBef>
-                        <a:spcAft>
-                          <a:spcPts val="0"/>
-                        </a:spcAft>
-                        <a:buClr>
-                          <a:schemeClr val="lt1"/>
-                        </a:buClr>
-                        <a:buSzPts val="2400"/>
-                        <a:buFont typeface="Consolas"/>
-                        <a:buNone/>
-                      </a:pPr>
-                      <a:r>
-                        <a:rPr lang="en-US" sz="2400" b="1" i="0" u="none" strike="noStrike" cap="none">
-                          <a:solidFill>
-                            <a:srgbClr val="FCD9D8"/>
-                          </a:solidFill>
-                          <a:latin typeface="Consolas"/>
-                          <a:ea typeface="Consolas"/>
-                          <a:cs typeface="Consolas"/>
-                          <a:sym typeface="Consolas"/>
-                        </a:rPr>
-                        <a:t>1</a:t>
-                      </a:r>
-                      <a:endParaRPr/>
-                    </a:p>
-                  </a:txBody>
-                  <a:tcPr marL="36000" marR="36000" marT="36000" marB="36000" anchor="ctr">
-                    <a:lnL w="9525" cap="flat" cmpd="sng">
-                      <a:solidFill>
-                        <a:srgbClr val="FCD9D8"/>
-                      </a:solidFill>
-                      <a:prstDash val="solid"/>
-                      <a:round/>
-                      <a:headEnd type="none" w="sm" len="sm"/>
-                      <a:tailEnd type="none" w="sm" len="sm"/>
-                    </a:lnL>
-                    <a:lnR w="9525" cap="flat" cmpd="sng">
-                      <a:solidFill>
-                        <a:srgbClr val="FCD9D8"/>
-                      </a:solidFill>
-                      <a:prstDash val="solid"/>
-                      <a:round/>
-                      <a:headEnd type="none" w="sm" len="sm"/>
-                      <a:tailEnd type="none" w="sm" len="sm"/>
-                    </a:lnR>
-                    <a:lnT w="9525" cap="flat" cmpd="sng">
-                      <a:solidFill>
-                        <a:srgbClr val="FCD9D8"/>
-                      </a:solidFill>
-                      <a:prstDash val="solid"/>
-                      <a:round/>
-                      <a:headEnd type="none" w="sm" len="sm"/>
-                      <a:tailEnd type="none" w="sm" len="sm"/>
-                    </a:lnT>
-                    <a:lnB w="28575" cap="flat" cmpd="sng">
-                      <a:solidFill>
-                        <a:srgbClr val="FCD9D8"/>
-                      </a:solidFill>
-                      <a:prstDash val="solid"/>
-                      <a:round/>
-                      <a:headEnd type="none" w="sm" len="sm"/>
-                      <a:tailEnd type="none" w="sm" len="sm"/>
-                    </a:lnB>
-                  </a:tcPr>
-                </a:tc>
-                <a:tc>
-                  <a:txBody>
-                    <a:bodyPr/>
-                    <a:lstStyle/>
-                    <a:p>
-                      <a:pPr marL="0" marR="0" lvl="0" indent="0" algn="ctr" rtl="0">
-                        <a:lnSpc>
-                          <a:spcPct val="95000"/>
-                        </a:lnSpc>
-                        <a:spcBef>
-                          <a:spcPts val="0"/>
-                        </a:spcBef>
-                        <a:spcAft>
-                          <a:spcPts val="0"/>
-                        </a:spcAft>
-                        <a:buClr>
-                          <a:schemeClr val="lt1"/>
-                        </a:buClr>
-                        <a:buSzPts val="2400"/>
-                        <a:buFont typeface="Consolas"/>
-                        <a:buNone/>
-                      </a:pPr>
-                      <a:r>
-                        <a:rPr lang="en-US" sz="2400" b="1" i="0" u="none" strike="noStrike" cap="none">
-                          <a:solidFill>
-                            <a:srgbClr val="FCD9D8"/>
-                          </a:solidFill>
-                          <a:latin typeface="Consolas"/>
-                          <a:ea typeface="Consolas"/>
-                          <a:cs typeface="Consolas"/>
-                          <a:sym typeface="Consolas"/>
-                        </a:rPr>
-                        <a:t>1</a:t>
-                      </a:r>
-                      <a:endParaRPr/>
-                    </a:p>
-                  </a:txBody>
-                  <a:tcPr marL="36000" marR="36000" marT="36000" marB="36000" anchor="ctr">
-                    <a:lnL w="9525" cap="flat" cmpd="sng">
-                      <a:solidFill>
-                        <a:srgbClr val="FCD9D8"/>
-                      </a:solidFill>
-                      <a:prstDash val="solid"/>
-                      <a:round/>
-                      <a:headEnd type="none" w="sm" len="sm"/>
-                      <a:tailEnd type="none" w="sm" len="sm"/>
-                    </a:lnL>
-                    <a:lnR w="9525" cap="flat" cmpd="sng">
-                      <a:solidFill>
-                        <a:srgbClr val="FCD9D8"/>
-                      </a:solidFill>
-                      <a:prstDash val="solid"/>
-                      <a:round/>
-                      <a:headEnd type="none" w="sm" len="sm"/>
-                      <a:tailEnd type="none" w="sm" len="sm"/>
-                    </a:lnR>
-                    <a:lnT w="9525" cap="flat" cmpd="sng">
-                      <a:solidFill>
-                        <a:srgbClr val="FCD9D8"/>
-                      </a:solidFill>
-                      <a:prstDash val="solid"/>
-                      <a:round/>
-                      <a:headEnd type="none" w="sm" len="sm"/>
-                      <a:tailEnd type="none" w="sm" len="sm"/>
-                    </a:lnT>
-                    <a:lnB w="28575" cap="flat" cmpd="sng">
-                      <a:solidFill>
-                        <a:srgbClr val="FCD9D8"/>
-                      </a:solidFill>
-                      <a:prstDash val="solid"/>
-                      <a:round/>
-                      <a:headEnd type="none" w="sm" len="sm"/>
-                      <a:tailEnd type="none" w="sm" len="sm"/>
-                    </a:lnB>
-                  </a:tcPr>
-                </a:tc>
-                <a:tc>
-                  <a:txBody>
-                    <a:bodyPr/>
-                    <a:lstStyle/>
-                    <a:p>
-                      <a:pPr marL="0" marR="0" lvl="0" indent="0" algn="ctr" rtl="0">
-                        <a:lnSpc>
-                          <a:spcPct val="95000"/>
-                        </a:lnSpc>
-                        <a:spcBef>
-                          <a:spcPts val="0"/>
-                        </a:spcBef>
-                        <a:spcAft>
-                          <a:spcPts val="0"/>
-                        </a:spcAft>
-                        <a:buClr>
-                          <a:schemeClr val="lt1"/>
-                        </a:buClr>
-                        <a:buSzPts val="2400"/>
-                        <a:buFont typeface="Consolas"/>
-                        <a:buNone/>
-                      </a:pPr>
-                      <a:r>
-                        <a:rPr lang="en-US" sz="2400" b="1" i="0" u="none" strike="noStrike" cap="none">
-                          <a:solidFill>
-                            <a:srgbClr val="FCD9D8"/>
-                          </a:solidFill>
-                          <a:latin typeface="Consolas"/>
-                          <a:ea typeface="Consolas"/>
-                          <a:cs typeface="Consolas"/>
-                          <a:sym typeface="Consolas"/>
-                        </a:rPr>
-                        <a:t>0</a:t>
-                      </a:r>
-                      <a:endParaRPr/>
+                      <a:endParaRPr dirty="0"/>
                     </a:p>
                   </a:txBody>
                   <a:tcPr marL="36000" marR="36000" marT="36000" marB="36000" anchor="ctr">
@@ -26677,7 +27007,7 @@
               <a:buNone/>
             </a:pPr>
             <a:r>
-              <a:rPr lang="en-US" sz="2300" b="1" i="0" u="none" strike="noStrike" cap="none">
+              <a:rPr lang="en-US" sz="2300" b="1" i="0" u="none" strike="noStrike" cap="none" dirty="0">
                 <a:solidFill>
                   <a:schemeClr val="lt2"/>
                 </a:solidFill>
@@ -26688,7 +27018,7 @@
               </a:rPr>
               <a:t>bool a = true;</a:t>
             </a:r>
-            <a:endParaRPr sz="1200"/>
+            <a:endParaRPr sz="1200" dirty="0"/>
           </a:p>
           <a:p>
             <a:pPr marL="0" marR="0" lvl="0" indent="0" algn="l" rtl="0">
@@ -26704,7 +27034,7 @@
               <a:buNone/>
             </a:pPr>
             <a:r>
-              <a:rPr lang="en-US" sz="2300" b="1" i="0" u="none" strike="noStrike" cap="none">
+              <a:rPr lang="en-US" sz="2300" b="1" i="0" u="none" strike="noStrike" cap="none" dirty="0">
                 <a:solidFill>
                   <a:schemeClr val="lt2"/>
                 </a:solidFill>
@@ -26715,7 +27045,7 @@
               </a:rPr>
               <a:t>bool b = false;</a:t>
             </a:r>
-            <a:endParaRPr sz="1200"/>
+            <a:endParaRPr sz="1200" dirty="0"/>
           </a:p>
           <a:p>
             <a:pPr marL="0" marR="0" lvl="0" indent="0" algn="l" rtl="0">
@@ -26731,7 +27061,7 @@
               <a:buNone/>
             </a:pPr>
             <a:r>
-              <a:rPr lang="en-US" sz="2300" b="1" i="0" u="none" strike="noStrike" cap="none">
+              <a:rPr lang="en-US" sz="2300" b="1" i="0" u="none" strike="noStrike" cap="none" dirty="0" err="1">
                 <a:solidFill>
                   <a:schemeClr val="lt2"/>
                 </a:solidFill>
@@ -26740,9 +27070,21 @@
                 <a:cs typeface="Consolas"/>
                 <a:sym typeface="Consolas"/>
               </a:rPr>
-              <a:t>Console.WriteLine(a &amp;&amp; b); // False</a:t>
-            </a:r>
-            <a:endParaRPr sz="1200"/>
+              <a:t>Console.WriteLine</a:t>
+            </a:r>
+            <a:r>
+              <a:rPr lang="en-US" sz="2300" b="1" i="0" u="none" strike="noStrike" cap="none" dirty="0">
+                <a:solidFill>
+                  <a:schemeClr val="lt2"/>
+                </a:solidFill>
+                <a:latin typeface="Consolas"/>
+                <a:ea typeface="Consolas"/>
+                <a:cs typeface="Consolas"/>
+                <a:sym typeface="Consolas"/>
+              </a:rPr>
+              <a:t>(a &amp;&amp; b); // False</a:t>
+            </a:r>
+            <a:endParaRPr sz="1200" dirty="0"/>
           </a:p>
           <a:p>
             <a:pPr marL="0" marR="0" lvl="0" indent="0" algn="l" rtl="0">
@@ -26758,7 +27100,7 @@
               <a:buNone/>
             </a:pPr>
             <a:r>
-              <a:rPr lang="en-US" sz="2300" b="1" i="0" u="none" strike="noStrike" cap="none">
+              <a:rPr lang="en-US" sz="2300" b="1" i="0" u="none" strike="noStrike" cap="none" dirty="0" err="1">
                 <a:solidFill>
                   <a:schemeClr val="lt2"/>
                 </a:solidFill>
@@ -26767,9 +27109,21 @@
                 <a:cs typeface="Consolas"/>
                 <a:sym typeface="Consolas"/>
               </a:rPr>
-              <a:t>Console.WriteLine(a || b); // True</a:t>
-            </a:r>
-            <a:endParaRPr sz="1200"/>
+              <a:t>Console.WriteLine</a:t>
+            </a:r>
+            <a:r>
+              <a:rPr lang="en-US" sz="2300" b="1" i="0" u="none" strike="noStrike" cap="none" dirty="0">
+                <a:solidFill>
+                  <a:schemeClr val="lt2"/>
+                </a:solidFill>
+                <a:latin typeface="Consolas"/>
+                <a:ea typeface="Consolas"/>
+                <a:cs typeface="Consolas"/>
+                <a:sym typeface="Consolas"/>
+              </a:rPr>
+              <a:t>(a || b); // True</a:t>
+            </a:r>
+            <a:endParaRPr sz="1200" dirty="0"/>
           </a:p>
           <a:p>
             <a:pPr marL="0" marR="0" lvl="0" indent="0" algn="l" rtl="0">
@@ -26785,7 +27139,7 @@
               <a:buNone/>
             </a:pPr>
             <a:r>
-              <a:rPr lang="en-US" sz="2300" b="1" i="0" u="none" strike="noStrike" cap="none">
+              <a:rPr lang="en-US" sz="2300" b="1" i="0" u="none" strike="noStrike" cap="none" dirty="0" err="1">
                 <a:solidFill>
                   <a:schemeClr val="lt2"/>
                 </a:solidFill>
@@ -26794,9 +27148,21 @@
                 <a:cs typeface="Consolas"/>
                 <a:sym typeface="Consolas"/>
               </a:rPr>
-              <a:t>Console.WriteLine(a ^ b); // True</a:t>
-            </a:r>
-            <a:endParaRPr sz="1200"/>
+              <a:t>Console.WriteLine</a:t>
+            </a:r>
+            <a:r>
+              <a:rPr lang="en-US" sz="2300" b="1" i="0" u="none" strike="noStrike" cap="none" dirty="0">
+                <a:solidFill>
+                  <a:schemeClr val="lt2"/>
+                </a:solidFill>
+                <a:latin typeface="Consolas"/>
+                <a:ea typeface="Consolas"/>
+                <a:cs typeface="Consolas"/>
+                <a:sym typeface="Consolas"/>
+              </a:rPr>
+              <a:t>(a ^ b); // True</a:t>
+            </a:r>
+            <a:endParaRPr sz="1200" dirty="0"/>
           </a:p>
           <a:p>
             <a:pPr marL="0" marR="0" lvl="0" indent="0" algn="l" rtl="0">
@@ -26812,7 +27178,7 @@
               <a:buNone/>
             </a:pPr>
             <a:r>
-              <a:rPr lang="en-US" sz="2300" b="1" i="0" u="none" strike="noStrike" cap="none">
+              <a:rPr lang="en-US" sz="2300" b="1" i="0" u="none" strike="noStrike" cap="none" dirty="0" err="1">
                 <a:solidFill>
                   <a:schemeClr val="lt2"/>
                 </a:solidFill>
@@ -26821,9 +27187,21 @@
                 <a:cs typeface="Consolas"/>
                 <a:sym typeface="Consolas"/>
               </a:rPr>
-              <a:t>Console.WriteLine(!b); // True</a:t>
-            </a:r>
-            <a:endParaRPr sz="1200"/>
+              <a:t>Console.WriteLine</a:t>
+            </a:r>
+            <a:r>
+              <a:rPr lang="en-US" sz="2300" b="1" i="0" u="none" strike="noStrike" cap="none" dirty="0">
+                <a:solidFill>
+                  <a:schemeClr val="lt2"/>
+                </a:solidFill>
+                <a:latin typeface="Consolas"/>
+                <a:ea typeface="Consolas"/>
+                <a:cs typeface="Consolas"/>
+                <a:sym typeface="Consolas"/>
+              </a:rPr>
+              <a:t>(!b); // True</a:t>
+            </a:r>
+            <a:endParaRPr sz="1200" dirty="0"/>
           </a:p>
           <a:p>
             <a:pPr marL="0" marR="0" lvl="0" indent="0" algn="l" rtl="0">
@@ -26839,7 +27217,7 @@
               <a:buNone/>
             </a:pPr>
             <a:r>
-              <a:rPr lang="en-US" sz="2300" b="1" i="0" u="none" strike="noStrike" cap="none">
+              <a:rPr lang="en-US" sz="2300" b="1" i="0" u="none" strike="noStrike" cap="none" dirty="0" err="1">
                 <a:solidFill>
                   <a:schemeClr val="lt2"/>
                 </a:solidFill>
@@ -26848,9 +27226,21 @@
                 <a:cs typeface="Consolas"/>
                 <a:sym typeface="Consolas"/>
               </a:rPr>
-              <a:t>Console.WriteLine(b || true); // True</a:t>
-            </a:r>
-            <a:endParaRPr sz="1200"/>
+              <a:t>Console.WriteLine</a:t>
+            </a:r>
+            <a:r>
+              <a:rPr lang="en-US" sz="2300" b="1" i="0" u="none" strike="noStrike" cap="none" dirty="0">
+                <a:solidFill>
+                  <a:schemeClr val="lt2"/>
+                </a:solidFill>
+                <a:latin typeface="Consolas"/>
+                <a:ea typeface="Consolas"/>
+                <a:cs typeface="Consolas"/>
+                <a:sym typeface="Consolas"/>
+              </a:rPr>
+              <a:t>(b || true); // True</a:t>
+            </a:r>
+            <a:endParaRPr sz="1200" dirty="0"/>
           </a:p>
           <a:p>
             <a:pPr marL="0" marR="0" lvl="0" indent="0" algn="l" rtl="0">
@@ -26866,7 +27256,7 @@
               <a:buNone/>
             </a:pPr>
             <a:r>
-              <a:rPr lang="en-US" sz="2300" b="1" i="0" u="none" strike="noStrike" cap="none">
+              <a:rPr lang="en-US" sz="2300" b="1" i="0" u="none" strike="noStrike" cap="none" dirty="0" err="1">
                 <a:solidFill>
                   <a:schemeClr val="lt2"/>
                 </a:solidFill>
@@ -26875,9 +27265,21 @@
                 <a:cs typeface="Consolas"/>
                 <a:sym typeface="Consolas"/>
               </a:rPr>
-              <a:t>Console.WriteLine(b &amp;&amp; true); // False</a:t>
-            </a:r>
-            <a:endParaRPr sz="1200"/>
+              <a:t>Console.WriteLine</a:t>
+            </a:r>
+            <a:r>
+              <a:rPr lang="en-US" sz="2300" b="1" i="0" u="none" strike="noStrike" cap="none" dirty="0">
+                <a:solidFill>
+                  <a:schemeClr val="lt2"/>
+                </a:solidFill>
+                <a:latin typeface="Consolas"/>
+                <a:ea typeface="Consolas"/>
+                <a:cs typeface="Consolas"/>
+                <a:sym typeface="Consolas"/>
+              </a:rPr>
+              <a:t>(b &amp;&amp; true); // False</a:t>
+            </a:r>
+            <a:endParaRPr sz="1200" dirty="0"/>
           </a:p>
           <a:p>
             <a:pPr marL="0" marR="0" lvl="0" indent="0" algn="l" rtl="0">
@@ -26893,7 +27295,7 @@
               <a:buNone/>
             </a:pPr>
             <a:r>
-              <a:rPr lang="en-US" sz="2300" b="1" i="0" u="none" strike="noStrike" cap="none">
+              <a:rPr lang="en-US" sz="2300" b="1" i="0" u="none" strike="noStrike" cap="none" dirty="0" err="1">
                 <a:solidFill>
                   <a:schemeClr val="lt2"/>
                 </a:solidFill>
@@ -26902,9 +27304,21 @@
                 <a:cs typeface="Consolas"/>
                 <a:sym typeface="Consolas"/>
               </a:rPr>
-              <a:t>Console.WriteLine(a || true); // True</a:t>
-            </a:r>
-            <a:endParaRPr sz="1200"/>
+              <a:t>Console.WriteLine</a:t>
+            </a:r>
+            <a:r>
+              <a:rPr lang="en-US" sz="2300" b="1" i="0" u="none" strike="noStrike" cap="none" dirty="0">
+                <a:solidFill>
+                  <a:schemeClr val="lt2"/>
+                </a:solidFill>
+                <a:latin typeface="Consolas"/>
+                <a:ea typeface="Consolas"/>
+                <a:cs typeface="Consolas"/>
+                <a:sym typeface="Consolas"/>
+              </a:rPr>
+              <a:t>(a || true); // True</a:t>
+            </a:r>
+            <a:endParaRPr sz="1200" dirty="0"/>
           </a:p>
           <a:p>
             <a:pPr marL="0" marR="0" lvl="0" indent="0" algn="l" rtl="0">
@@ -26920,7 +27334,7 @@
               <a:buNone/>
             </a:pPr>
             <a:r>
-              <a:rPr lang="en-US" sz="2300" b="1" i="0" u="none" strike="noStrike" cap="none">
+              <a:rPr lang="en-US" sz="2300" b="1" i="0" u="none" strike="noStrike" cap="none" dirty="0" err="1">
                 <a:solidFill>
                   <a:schemeClr val="lt2"/>
                 </a:solidFill>
@@ -26929,9 +27343,21 @@
                 <a:cs typeface="Consolas"/>
                 <a:sym typeface="Consolas"/>
               </a:rPr>
-              <a:t>Console.WriteLine(a &amp;&amp; true); // True</a:t>
-            </a:r>
-            <a:endParaRPr sz="1200"/>
+              <a:t>Console.WriteLine</a:t>
+            </a:r>
+            <a:r>
+              <a:rPr lang="en-US" sz="2300" b="1" i="0" u="none" strike="noStrike" cap="none" dirty="0">
+                <a:solidFill>
+                  <a:schemeClr val="lt2"/>
+                </a:solidFill>
+                <a:latin typeface="Consolas"/>
+                <a:ea typeface="Consolas"/>
+                <a:cs typeface="Consolas"/>
+                <a:sym typeface="Consolas"/>
+              </a:rPr>
+              <a:t>(a &amp;&amp; true); // True</a:t>
+            </a:r>
+            <a:endParaRPr sz="1200" dirty="0"/>
           </a:p>
           <a:p>
             <a:pPr marL="0" marR="0" lvl="0" indent="0" algn="l" rtl="0">
@@ -26947,7 +27373,7 @@
               <a:buNone/>
             </a:pPr>
             <a:r>
-              <a:rPr lang="en-US" sz="2300" b="1" i="0" u="none" strike="noStrike" cap="none">
+              <a:rPr lang="en-US" sz="2300" b="1" i="0" u="none" strike="noStrike" cap="none" dirty="0" err="1">
                 <a:solidFill>
                   <a:schemeClr val="lt2"/>
                 </a:solidFill>
@@ -26956,9 +27382,21 @@
                 <a:cs typeface="Consolas"/>
                 <a:sym typeface="Consolas"/>
               </a:rPr>
-              <a:t>Console.WriteLine(!a); // False</a:t>
-            </a:r>
-            <a:endParaRPr sz="1200"/>
+              <a:t>Console.WriteLine</a:t>
+            </a:r>
+            <a:r>
+              <a:rPr lang="en-US" sz="2300" b="1" i="0" u="none" strike="noStrike" cap="none" dirty="0">
+                <a:solidFill>
+                  <a:schemeClr val="lt2"/>
+                </a:solidFill>
+                <a:latin typeface="Consolas"/>
+                <a:ea typeface="Consolas"/>
+                <a:cs typeface="Consolas"/>
+                <a:sym typeface="Consolas"/>
+              </a:rPr>
+              <a:t>(!a); // False</a:t>
+            </a:r>
+            <a:endParaRPr sz="1200" dirty="0"/>
           </a:p>
           <a:p>
             <a:pPr marL="0" marR="0" lvl="0" indent="0" algn="l" rtl="0">
@@ -26974,7 +27412,7 @@
               <a:buNone/>
             </a:pPr>
             <a:r>
-              <a:rPr lang="en-US" sz="2300" b="1" i="0" u="none" strike="noStrike" cap="none">
+              <a:rPr lang="en-US" sz="2300" b="1" i="0" u="none" strike="noStrike" cap="none" dirty="0" err="1">
                 <a:solidFill>
                   <a:schemeClr val="lt2"/>
                 </a:solidFill>
@@ -26983,9 +27421,21 @@
                 <a:cs typeface="Consolas"/>
                 <a:sym typeface="Consolas"/>
               </a:rPr>
-              <a:t>Console.WriteLine((5&gt;7) ^ (a==b)); // False</a:t>
-            </a:r>
-            <a:endParaRPr sz="1200"/>
+              <a:t>Console.WriteLine</a:t>
+            </a:r>
+            <a:r>
+              <a:rPr lang="en-US" sz="2300" b="1" i="0" u="none" strike="noStrike" cap="none" dirty="0">
+                <a:solidFill>
+                  <a:schemeClr val="lt2"/>
+                </a:solidFill>
+                <a:latin typeface="Consolas"/>
+                <a:ea typeface="Consolas"/>
+                <a:cs typeface="Consolas"/>
+                <a:sym typeface="Consolas"/>
+              </a:rPr>
+              <a:t>((5&gt;7) ^ (a==b)); // False</a:t>
+            </a:r>
+            <a:endParaRPr sz="1200" dirty="0"/>
           </a:p>
         </p:txBody>
       </p:sp>
@@ -27061,7 +27511,7 @@
               <a:buChar char="•"/>
             </a:pPr>
             <a:r>
-              <a:rPr lang="en-US" sz="2000" b="0" i="0" u="none" strike="noStrike" cap="none">
+              <a:rPr lang="en-US" sz="2000" b="0" i="0" u="none" strike="noStrike" cap="none" dirty="0">
                 <a:solidFill>
                   <a:srgbClr val="D8D8D8"/>
                 </a:solidFill>
@@ -27072,7 +27522,7 @@
               </a:rPr>
               <a:t>Comparison operators are used to compare variables</a:t>
             </a:r>
-            <a:endParaRPr/>
+            <a:endParaRPr dirty="0"/>
           </a:p>
           <a:p>
             <a:pPr marL="594360" marR="0" lvl="1" indent="-228600" algn="l" rtl="0">
@@ -27093,7 +27543,7 @@
               <a:buChar char="•"/>
             </a:pPr>
             <a:r>
-              <a:rPr lang="en-US" sz="1800" b="1" i="0" u="none" strike="noStrike" cap="none">
+              <a:rPr lang="en-US" sz="1800" b="1" i="0" u="none" strike="noStrike" cap="none" dirty="0">
                 <a:solidFill>
                   <a:srgbClr val="A5A5A5"/>
                 </a:solidFill>
@@ -27105,7 +27555,7 @@
               <a:t>==</a:t>
             </a:r>
             <a:r>
-              <a:rPr lang="en-US" sz="1800" b="0" i="0" u="none" strike="noStrike" cap="none">
+              <a:rPr lang="en-US" sz="1800" b="0" i="0" u="none" strike="noStrike" cap="none" dirty="0">
                 <a:solidFill>
                   <a:srgbClr val="D8D8D8"/>
                 </a:solidFill>
@@ -27117,7 +27567,7 @@
               <a:t>,</a:t>
             </a:r>
             <a:r>
-              <a:rPr lang="en-US" sz="1800" b="0" i="0" u="none" strike="noStrike" cap="none">
+              <a:rPr lang="en-US" sz="1800" b="0" i="0" u="none" strike="noStrike" cap="none" dirty="0">
                 <a:solidFill>
                   <a:schemeClr val="hlink"/>
                 </a:solidFill>
@@ -27129,7 +27579,7 @@
               <a:t> </a:t>
             </a:r>
             <a:r>
-              <a:rPr lang="en-US" sz="1800" b="1" i="0" u="none" strike="noStrike" cap="none">
+              <a:rPr lang="en-US" sz="1800" b="1" i="0" u="none" strike="noStrike" cap="none" dirty="0">
                 <a:solidFill>
                   <a:srgbClr val="A5A5A5"/>
                 </a:solidFill>
@@ -27141,7 +27591,7 @@
               <a:t>&lt;</a:t>
             </a:r>
             <a:r>
-              <a:rPr lang="en-US" sz="1800" b="0" i="0" u="none" strike="noStrike" cap="none">
+              <a:rPr lang="en-US" sz="1800" b="0" i="0" u="none" strike="noStrike" cap="none" dirty="0">
                 <a:solidFill>
                   <a:srgbClr val="D8D8D8"/>
                 </a:solidFill>
@@ -27153,7 +27603,7 @@
               <a:t>,</a:t>
             </a:r>
             <a:r>
-              <a:rPr lang="en-US" sz="1800" b="0" i="0" u="none" strike="noStrike" cap="none">
+              <a:rPr lang="en-US" sz="1800" b="0" i="0" u="none" strike="noStrike" cap="none" dirty="0">
                 <a:solidFill>
                   <a:schemeClr val="hlink"/>
                 </a:solidFill>
@@ -27165,7 +27615,7 @@
               <a:t> </a:t>
             </a:r>
             <a:r>
-              <a:rPr lang="en-US" sz="1800" b="1" i="0" u="none" strike="noStrike" cap="none">
+              <a:rPr lang="en-US" sz="1800" b="1" i="0" u="none" strike="noStrike" cap="none" dirty="0">
                 <a:solidFill>
                   <a:srgbClr val="A5A5A5"/>
                 </a:solidFill>
@@ -27177,7 +27627,7 @@
               <a:t>&gt;</a:t>
             </a:r>
             <a:r>
-              <a:rPr lang="en-US" sz="1800" b="0" i="0" u="none" strike="noStrike" cap="none">
+              <a:rPr lang="en-US" sz="1800" b="0" i="0" u="none" strike="noStrike" cap="none" dirty="0">
                 <a:solidFill>
                   <a:srgbClr val="D8D8D8"/>
                 </a:solidFill>
@@ -27189,7 +27639,7 @@
               <a:t>,</a:t>
             </a:r>
             <a:r>
-              <a:rPr lang="en-US" sz="1800" b="0" i="0" u="none" strike="noStrike" cap="none">
+              <a:rPr lang="en-US" sz="1800" b="0" i="0" u="none" strike="noStrike" cap="none" dirty="0">
                 <a:solidFill>
                   <a:schemeClr val="hlink"/>
                 </a:solidFill>
@@ -27201,7 +27651,7 @@
               <a:t> </a:t>
             </a:r>
             <a:r>
-              <a:rPr lang="en-US" sz="1800" b="1" i="0" u="none" strike="noStrike" cap="none">
+              <a:rPr lang="en-US" sz="1800" b="1" i="0" u="none" strike="noStrike" cap="none" dirty="0">
                 <a:solidFill>
                   <a:srgbClr val="A5A5A5"/>
                 </a:solidFill>
@@ -27213,7 +27663,7 @@
               <a:t>&gt;=</a:t>
             </a:r>
             <a:r>
-              <a:rPr lang="en-US" sz="1800" b="0" i="0" u="none" strike="noStrike" cap="none">
+              <a:rPr lang="en-US" sz="1800" b="0" i="0" u="none" strike="noStrike" cap="none" dirty="0">
                 <a:solidFill>
                   <a:srgbClr val="D8D8D8"/>
                 </a:solidFill>
@@ -27225,7 +27675,7 @@
               <a:t>,</a:t>
             </a:r>
             <a:r>
-              <a:rPr lang="en-US" sz="1800" b="0" i="0" u="none" strike="noStrike" cap="none">
+              <a:rPr lang="en-US" sz="1800" b="0" i="0" u="none" strike="noStrike" cap="none" dirty="0">
                 <a:solidFill>
                   <a:schemeClr val="hlink"/>
                 </a:solidFill>
@@ -27237,7 +27687,7 @@
               <a:t> </a:t>
             </a:r>
             <a:r>
-              <a:rPr lang="en-US" sz="1800" b="1" i="0" u="none" strike="noStrike" cap="none">
+              <a:rPr lang="en-US" sz="1800" b="1" i="0" u="none" strike="noStrike" cap="none" dirty="0">
                 <a:solidFill>
                   <a:srgbClr val="A5A5A5"/>
                 </a:solidFill>
@@ -27249,7 +27699,7 @@
               <a:t>&lt;=</a:t>
             </a:r>
             <a:r>
-              <a:rPr lang="en-US" sz="1800" b="0" i="0" u="none" strike="noStrike" cap="none">
+              <a:rPr lang="en-US" sz="1800" b="0" i="0" u="none" strike="noStrike" cap="none" dirty="0">
                 <a:solidFill>
                   <a:srgbClr val="D8D8D8"/>
                 </a:solidFill>
@@ -27261,7 +27711,7 @@
               <a:t>,</a:t>
             </a:r>
             <a:r>
-              <a:rPr lang="en-US" sz="1800" b="0" i="0" u="none" strike="noStrike" cap="none">
+              <a:rPr lang="en-US" sz="1800" b="0" i="0" u="none" strike="noStrike" cap="none" dirty="0">
                 <a:solidFill>
                   <a:schemeClr val="hlink"/>
                 </a:solidFill>
@@ -27273,7 +27723,7 @@
               <a:t> </a:t>
             </a:r>
             <a:r>
-              <a:rPr lang="en-US" sz="1800" b="1" i="0" u="none" strike="noStrike" cap="none">
+              <a:rPr lang="en-US" sz="1800" b="1" i="0" u="none" strike="noStrike" cap="none" dirty="0">
                 <a:solidFill>
                   <a:srgbClr val="A5A5A5"/>
                 </a:solidFill>
@@ -27284,7 +27734,7 @@
               </a:rPr>
               <a:t>!=</a:t>
             </a:r>
-            <a:endParaRPr/>
+            <a:endParaRPr dirty="0"/>
           </a:p>
           <a:p>
             <a:pPr marL="228600" marR="0" lvl="0" indent="-228600" algn="l" rtl="0">
@@ -27305,7 +27755,7 @@
               <a:buChar char="•"/>
             </a:pPr>
             <a:r>
-              <a:rPr lang="en-US" sz="2000" b="0" i="0" u="none" strike="noStrike" cap="none">
+              <a:rPr lang="en-US" sz="2000" b="0" i="0" u="none" strike="noStrike" cap="none" dirty="0">
                 <a:solidFill>
                   <a:srgbClr val="D8D8D8"/>
                 </a:solidFill>
@@ -27316,7 +27766,7 @@
               </a:rPr>
               <a:t>Comparison operators example:</a:t>
             </a:r>
-            <a:endParaRPr/>
+            <a:endParaRPr dirty="0"/>
           </a:p>
         </p:txBody>
       </p:sp>
@@ -27427,7 +27877,7 @@
               <a:buNone/>
             </a:pPr>
             <a:r>
-              <a:rPr lang="en-US" sz="1800" b="1" i="0" u="none" strike="noStrike" cap="none">
+              <a:rPr lang="en-US" sz="1800" b="1" i="0" u="none" strike="noStrike" cap="none" dirty="0">
                 <a:solidFill>
                   <a:schemeClr val="lt2"/>
                 </a:solidFill>
@@ -27438,7 +27888,7 @@
               </a:rPr>
               <a:t>int a = 5;</a:t>
             </a:r>
-            <a:endParaRPr/>
+            <a:endParaRPr dirty="0"/>
           </a:p>
           <a:p>
             <a:pPr marL="0" marR="0" lvl="0" indent="0" algn="l" rtl="0">
@@ -27451,7 +27901,7 @@
               <a:buNone/>
             </a:pPr>
             <a:r>
-              <a:rPr lang="en-US" sz="1800" b="1" i="0" u="none" strike="noStrike" cap="none">
+              <a:rPr lang="en-US" sz="1800" b="1" i="0" u="none" strike="noStrike" cap="none" dirty="0">
                 <a:solidFill>
                   <a:schemeClr val="lt2"/>
                 </a:solidFill>
@@ -27462,7 +27912,7 @@
               </a:rPr>
               <a:t>int b = 4;</a:t>
             </a:r>
-            <a:endParaRPr/>
+            <a:endParaRPr dirty="0"/>
           </a:p>
           <a:p>
             <a:pPr marL="0" marR="0" lvl="0" indent="0" algn="l" rtl="0">
@@ -27475,7 +27925,7 @@
               <a:buNone/>
             </a:pPr>
             <a:r>
-              <a:rPr lang="en-US" sz="1800" b="1" i="0" u="none" strike="noStrike" cap="none">
+              <a:rPr lang="en-US" sz="1800" b="1" i="0" u="none" strike="noStrike" cap="none" dirty="0" err="1">
                 <a:solidFill>
                   <a:schemeClr val="lt2"/>
                 </a:solidFill>
@@ -27484,22 +27934,10 @@
                 <a:cs typeface="Consolas"/>
                 <a:sym typeface="Consolas"/>
               </a:rPr>
-              <a:t>Console.WriteLine(a &gt;= b); // True</a:t>
-            </a:r>
-            <a:endParaRPr/>
-          </a:p>
-          <a:p>
-            <a:pPr marL="0" marR="0" lvl="0" indent="0" algn="l" rtl="0">
-              <a:spcBef>
-                <a:spcPts val="0"/>
-              </a:spcBef>
-              <a:spcAft>
-                <a:spcPts val="0"/>
-              </a:spcAft>
-              <a:buNone/>
-            </a:pPr>
-            <a:r>
-              <a:rPr lang="en-US" sz="1800" b="1" i="0" u="none" strike="noStrike" cap="none">
+              <a:t>Console.WriteLine</a:t>
+            </a:r>
+            <a:r>
+              <a:rPr lang="en-US" sz="1800" b="1" i="0" u="none" strike="noStrike" cap="none" dirty="0">
                 <a:solidFill>
                   <a:schemeClr val="lt2"/>
                 </a:solidFill>
@@ -27508,9 +27946,9 @@
                 <a:cs typeface="Consolas"/>
                 <a:sym typeface="Consolas"/>
               </a:rPr>
-              <a:t>Console.WriteLine(a != b); // True</a:t>
-            </a:r>
-            <a:endParaRPr/>
+              <a:t>(a &gt;= b); // True</a:t>
+            </a:r>
+            <a:endParaRPr dirty="0"/>
           </a:p>
           <a:p>
             <a:pPr marL="0" marR="0" lvl="0" indent="0" algn="l" rtl="0">
@@ -27523,7 +27961,7 @@
               <a:buNone/>
             </a:pPr>
             <a:r>
-              <a:rPr lang="en-US" sz="1800" b="1" i="0" u="none" strike="noStrike" cap="none">
+              <a:rPr lang="en-US" sz="1800" b="1" i="0" u="none" strike="noStrike" cap="none" dirty="0" err="1">
                 <a:solidFill>
                   <a:schemeClr val="lt2"/>
                 </a:solidFill>
@@ -27532,22 +27970,10 @@
                 <a:cs typeface="Consolas"/>
                 <a:sym typeface="Consolas"/>
               </a:rPr>
-              <a:t>Console.WriteLine(a == b); // False</a:t>
-            </a:r>
-            <a:endParaRPr/>
-          </a:p>
-          <a:p>
-            <a:pPr marL="0" marR="0" lvl="0" indent="0" algn="l" rtl="0">
-              <a:spcBef>
-                <a:spcPts val="0"/>
-              </a:spcBef>
-              <a:spcAft>
-                <a:spcPts val="0"/>
-              </a:spcAft>
-              <a:buNone/>
-            </a:pPr>
-            <a:r>
-              <a:rPr lang="en-US" sz="1800" b="1" i="0" u="none" strike="noStrike" cap="none">
+              <a:t>Console.WriteLine</a:t>
+            </a:r>
+            <a:r>
+              <a:rPr lang="en-US" sz="1800" b="1" i="0" u="none" strike="noStrike" cap="none" dirty="0">
                 <a:solidFill>
                   <a:schemeClr val="lt2"/>
                 </a:solidFill>
@@ -27556,9 +27982,9 @@
                 <a:cs typeface="Consolas"/>
                 <a:sym typeface="Consolas"/>
               </a:rPr>
-              <a:t>Console.WriteLine(a == a); // True</a:t>
-            </a:r>
-            <a:endParaRPr/>
+              <a:t>(a != b); // True</a:t>
+            </a:r>
+            <a:endParaRPr dirty="0"/>
           </a:p>
           <a:p>
             <a:pPr marL="0" marR="0" lvl="0" indent="0" algn="l" rtl="0">
@@ -27571,7 +27997,7 @@
               <a:buNone/>
             </a:pPr>
             <a:r>
-              <a:rPr lang="en-US" sz="1800" b="1" i="0" u="none" strike="noStrike" cap="none">
+              <a:rPr lang="en-US" sz="1800" b="1" i="0" u="none" strike="noStrike" cap="none" dirty="0" err="1">
                 <a:solidFill>
                   <a:schemeClr val="lt2"/>
                 </a:solidFill>
@@ -27580,22 +28006,10 @@
                 <a:cs typeface="Consolas"/>
                 <a:sym typeface="Consolas"/>
               </a:rPr>
-              <a:t>Console.WriteLine(a != ++b); // False</a:t>
-            </a:r>
-            <a:endParaRPr/>
-          </a:p>
-          <a:p>
-            <a:pPr marL="0" marR="0" lvl="0" indent="0" algn="l" rtl="0">
-              <a:spcBef>
-                <a:spcPts val="0"/>
-              </a:spcBef>
-              <a:spcAft>
-                <a:spcPts val="0"/>
-              </a:spcAft>
-              <a:buNone/>
-            </a:pPr>
-            <a:r>
-              <a:rPr lang="en-US" sz="1800" b="1" i="0" u="none" strike="noStrike" cap="none">
+              <a:t>Console.WriteLine</a:t>
+            </a:r>
+            <a:r>
+              <a:rPr lang="en-US" sz="1800" b="1" i="0" u="none" strike="noStrike" cap="none" dirty="0">
                 <a:solidFill>
                   <a:schemeClr val="lt2"/>
                 </a:solidFill>
@@ -27604,9 +28018,117 @@
                 <a:cs typeface="Consolas"/>
                 <a:sym typeface="Consolas"/>
               </a:rPr>
-              <a:t>Console.WriteLine(a &gt; b); // False</a:t>
-            </a:r>
-            <a:endParaRPr/>
+              <a:t>(a == b); // False</a:t>
+            </a:r>
+            <a:endParaRPr dirty="0"/>
+          </a:p>
+          <a:p>
+            <a:pPr marL="0" marR="0" lvl="0" indent="0" algn="l" rtl="0">
+              <a:spcBef>
+                <a:spcPts val="0"/>
+              </a:spcBef>
+              <a:spcAft>
+                <a:spcPts val="0"/>
+              </a:spcAft>
+              <a:buNone/>
+            </a:pPr>
+            <a:r>
+              <a:rPr lang="en-US" sz="1800" b="1" i="0" u="none" strike="noStrike" cap="none" dirty="0" err="1">
+                <a:solidFill>
+                  <a:schemeClr val="lt2"/>
+                </a:solidFill>
+                <a:latin typeface="Consolas"/>
+                <a:ea typeface="Consolas"/>
+                <a:cs typeface="Consolas"/>
+                <a:sym typeface="Consolas"/>
+              </a:rPr>
+              <a:t>Console.WriteLine</a:t>
+            </a:r>
+            <a:r>
+              <a:rPr lang="en-US" sz="1800" b="1" i="0" u="none" strike="noStrike" cap="none" dirty="0">
+                <a:solidFill>
+                  <a:schemeClr val="lt2"/>
+                </a:solidFill>
+                <a:latin typeface="Consolas"/>
+                <a:ea typeface="Consolas"/>
+                <a:cs typeface="Consolas"/>
+                <a:sym typeface="Consolas"/>
+              </a:rPr>
+              <a:t>(a == a); // True</a:t>
+            </a:r>
+            <a:endParaRPr dirty="0"/>
+          </a:p>
+          <a:p>
+            <a:pPr marL="0" marR="0" lvl="0" indent="0" algn="l" rtl="0">
+              <a:spcBef>
+                <a:spcPts val="0"/>
+              </a:spcBef>
+              <a:spcAft>
+                <a:spcPts val="0"/>
+              </a:spcAft>
+              <a:buNone/>
+            </a:pPr>
+            <a:r>
+              <a:rPr lang="en-US" sz="1800" b="1" i="0" u="none" strike="noStrike" cap="none" dirty="0" err="1">
+                <a:solidFill>
+                  <a:schemeClr val="lt2"/>
+                </a:solidFill>
+                <a:latin typeface="Consolas"/>
+                <a:ea typeface="Consolas"/>
+                <a:cs typeface="Consolas"/>
+                <a:sym typeface="Consolas"/>
+              </a:rPr>
+              <a:t>Console.WriteLine</a:t>
+            </a:r>
+            <a:r>
+              <a:rPr lang="en-US" sz="1800" b="1" i="0" u="none" strike="noStrike" cap="none" dirty="0">
+                <a:solidFill>
+                  <a:schemeClr val="lt2"/>
+                </a:solidFill>
+                <a:latin typeface="Consolas"/>
+                <a:ea typeface="Consolas"/>
+                <a:cs typeface="Consolas"/>
+                <a:sym typeface="Consolas"/>
+              </a:rPr>
+              <a:t>(a != ++b); // False</a:t>
+            </a:r>
+            <a:endParaRPr dirty="0"/>
+          </a:p>
+          <a:p>
+            <a:pPr marL="0" marR="0" lvl="0" indent="0" algn="l" rtl="0">
+              <a:spcBef>
+                <a:spcPts val="0"/>
+              </a:spcBef>
+              <a:spcAft>
+                <a:spcPts val="0"/>
+              </a:spcAft>
+              <a:buNone/>
+            </a:pPr>
+            <a:r>
+              <a:rPr lang="en-US" sz="1800" b="1" i="0" u="none" strike="noStrike" cap="none" dirty="0" err="1">
+                <a:solidFill>
+                  <a:schemeClr val="lt2"/>
+                </a:solidFill>
+                <a:latin typeface="Consolas"/>
+                <a:ea typeface="Consolas"/>
+                <a:cs typeface="Consolas"/>
+                <a:sym typeface="Consolas"/>
+              </a:rPr>
+              <a:t>Console.WriteLine</a:t>
+            </a:r>
+            <a:r>
+              <a:rPr lang="en-US" sz="1800" b="1" i="0" u="none" strike="noStrike" cap="none" dirty="0">
+                <a:solidFill>
+                  <a:schemeClr val="lt2"/>
+                </a:solidFill>
+                <a:latin typeface="Consolas"/>
+                <a:ea typeface="Consolas"/>
+                <a:cs typeface="Consolas"/>
+                <a:sym typeface="Consolas"/>
+              </a:rPr>
+              <a:t>(a &gt; b); // False</a:t>
+            </a:r>
+            <a:endParaRPr dirty="0"/>
           </a:p>
         </p:txBody>
       </p:sp>
@@ -28095,7 +28617,7 @@
               <a:buChar char="•"/>
             </a:pPr>
             <a:r>
-              <a:rPr lang="en-US" sz="2000" b="0" i="0" u="none" strike="noStrike" cap="none">
+              <a:rPr lang="en-US" sz="2000" b="0" i="0" u="none" strike="noStrike" cap="none" dirty="0">
                 <a:solidFill>
                   <a:srgbClr val="D8D8D8"/>
                 </a:solidFill>
@@ -28106,7 +28628,7 @@
               </a:rPr>
               <a:t>Assignment operators are used to assign a value to a variable ,</a:t>
             </a:r>
-            <a:endParaRPr/>
+            <a:endParaRPr dirty="0"/>
           </a:p>
           <a:p>
             <a:pPr marL="594360" marR="0" lvl="1" indent="-228600" algn="l" rtl="0">
@@ -28127,7 +28649,7 @@
               <a:buChar char="•"/>
             </a:pPr>
             <a:r>
-              <a:rPr lang="en-US" sz="1800" b="1" i="0" u="none" strike="noStrike" cap="none">
+              <a:rPr lang="en-US" sz="1800" b="1" i="0" u="none" strike="noStrike" cap="none" dirty="0">
                 <a:solidFill>
                   <a:srgbClr val="A5A5A5"/>
                 </a:solidFill>
@@ -28139,7 +28661,7 @@
               <a:t>=</a:t>
             </a:r>
             <a:r>
-              <a:rPr lang="en-US" sz="1800" b="0" i="0" u="none" strike="noStrike" cap="none">
+              <a:rPr lang="en-US" sz="1800" b="0" i="0" u="none" strike="noStrike" cap="none" dirty="0">
                 <a:solidFill>
                   <a:srgbClr val="D8D8D8"/>
                 </a:solidFill>
@@ -28151,7 +28673,7 @@
               <a:t>,</a:t>
             </a:r>
             <a:r>
-              <a:rPr lang="en-US" sz="1800" b="0" i="0" u="none" strike="noStrike" cap="none">
+              <a:rPr lang="en-US" sz="1800" b="0" i="0" u="none" strike="noStrike" cap="none" dirty="0">
                 <a:solidFill>
                   <a:schemeClr val="hlink"/>
                 </a:solidFill>
@@ -28163,7 +28685,7 @@
               <a:t> </a:t>
             </a:r>
             <a:r>
-              <a:rPr lang="en-US" sz="1800" b="1" i="0" u="none" strike="noStrike" cap="none">
+              <a:rPr lang="en-US" sz="1800" b="1" i="0" u="none" strike="noStrike" cap="none" dirty="0">
                 <a:solidFill>
                   <a:srgbClr val="A5A5A5"/>
                 </a:solidFill>
@@ -28175,7 +28697,7 @@
               <a:t>+=</a:t>
             </a:r>
             <a:r>
-              <a:rPr lang="en-US" sz="1800" b="0" i="0" u="none" strike="noStrike" cap="none">
+              <a:rPr lang="en-US" sz="1800" b="0" i="0" u="none" strike="noStrike" cap="none" dirty="0">
                 <a:solidFill>
                   <a:srgbClr val="D8D8D8"/>
                 </a:solidFill>
@@ -28187,7 +28709,7 @@
               <a:t>,</a:t>
             </a:r>
             <a:r>
-              <a:rPr lang="en-US" sz="1800" b="0" i="0" u="none" strike="noStrike" cap="none">
+              <a:rPr lang="en-US" sz="1800" b="0" i="0" u="none" strike="noStrike" cap="none" dirty="0">
                 <a:solidFill>
                   <a:schemeClr val="hlink"/>
                 </a:solidFill>
@@ -28199,7 +28721,7 @@
               <a:t> </a:t>
             </a:r>
             <a:r>
-              <a:rPr lang="en-US" sz="1800" b="1" i="0" u="none" strike="noStrike" cap="none">
+              <a:rPr lang="en-US" sz="1800" b="1" i="0" u="none" strike="noStrike" cap="none" dirty="0">
                 <a:solidFill>
                   <a:srgbClr val="A5A5A5"/>
                 </a:solidFill>
@@ -28211,7 +28733,7 @@
               <a:t>-=</a:t>
             </a:r>
             <a:r>
-              <a:rPr lang="en-US" sz="1800" b="0" i="0" u="none" strike="noStrike" cap="none">
+              <a:rPr lang="en-US" sz="1800" b="0" i="0" u="none" strike="noStrike" cap="none" dirty="0">
                 <a:solidFill>
                   <a:srgbClr val="D8D8D8"/>
                 </a:solidFill>
@@ -28223,7 +28745,7 @@
               <a:t>,</a:t>
             </a:r>
             <a:r>
-              <a:rPr lang="en-US" sz="1800" b="0" i="0" u="none" strike="noStrike" cap="none">
+              <a:rPr lang="en-US" sz="1800" b="0" i="0" u="none" strike="noStrike" cap="none" dirty="0">
                 <a:solidFill>
                   <a:schemeClr val="hlink"/>
                 </a:solidFill>
@@ -28235,7 +28757,7 @@
               <a:t> </a:t>
             </a:r>
             <a:r>
-              <a:rPr lang="en-US" sz="1800" b="1" i="0" u="none" strike="noStrike" cap="none">
+              <a:rPr lang="en-US" sz="1800" b="1" i="0" u="none" strike="noStrike" cap="none" dirty="0">
                 <a:solidFill>
                   <a:srgbClr val="A5A5A5"/>
                 </a:solidFill>
@@ -28247,7 +28769,7 @@
               <a:t>|=</a:t>
             </a:r>
             <a:r>
-              <a:rPr lang="en-US" sz="1800" b="0" i="0" u="none" strike="noStrike" cap="none">
+              <a:rPr lang="en-US" sz="1800" b="0" i="0" u="none" strike="noStrike" cap="none" dirty="0">
                 <a:solidFill>
                   <a:srgbClr val="D8D8D8"/>
                 </a:solidFill>
@@ -28259,7 +28781,7 @@
               <a:t>,</a:t>
             </a:r>
             <a:r>
-              <a:rPr lang="en-US" sz="1800" b="0" i="0" u="none" strike="noStrike" cap="none">
+              <a:rPr lang="en-US" sz="1800" b="0" i="0" u="none" strike="noStrike" cap="none" dirty="0">
                 <a:solidFill>
                   <a:schemeClr val="hlink"/>
                 </a:solidFill>
@@ -28271,7 +28793,7 @@
               <a:t> </a:t>
             </a:r>
             <a:r>
-              <a:rPr lang="en-US" sz="1800" b="0" i="0" u="none" strike="noStrike" cap="none">
+              <a:rPr lang="en-US" sz="1800" b="0" i="0" u="none" strike="noStrike" cap="none" dirty="0">
                 <a:solidFill>
                   <a:srgbClr val="D8D8D8"/>
                 </a:solidFill>
@@ -28282,7 +28804,7 @@
               </a:rPr>
               <a:t>...</a:t>
             </a:r>
-            <a:endParaRPr/>
+            <a:endParaRPr dirty="0"/>
           </a:p>
           <a:p>
             <a:pPr marL="228600" marR="0" lvl="0" indent="-228600" algn="l" rtl="0">
@@ -28303,7 +28825,7 @@
               <a:buChar char="•"/>
             </a:pPr>
             <a:r>
-              <a:rPr lang="en-US" sz="2000" b="0" i="0" u="none" strike="noStrike" cap="none">
+              <a:rPr lang="en-US" sz="2000" b="0" i="0" u="none" strike="noStrike" cap="none" dirty="0">
                 <a:solidFill>
                   <a:srgbClr val="D8D8D8"/>
                 </a:solidFill>
@@ -28314,7 +28836,7 @@
               </a:rPr>
               <a:t>Assignment operators example:</a:t>
             </a:r>
-            <a:endParaRPr/>
+            <a:endParaRPr dirty="0"/>
           </a:p>
         </p:txBody>
       </p:sp>
@@ -28425,7 +28947,7 @@
               <a:buNone/>
             </a:pPr>
             <a:r>
-              <a:rPr lang="en-US" sz="1800" b="1" i="0" u="none" strike="noStrike" cap="none">
+              <a:rPr lang="en-US" sz="1800" b="1" i="0" u="none" strike="noStrike" cap="none" dirty="0">
                 <a:solidFill>
                   <a:schemeClr val="lt2"/>
                 </a:solidFill>
@@ -28436,7 +28958,7 @@
               </a:rPr>
               <a:t>int x = 6;</a:t>
             </a:r>
-            <a:endParaRPr/>
+            <a:endParaRPr dirty="0"/>
           </a:p>
           <a:p>
             <a:pPr marL="0" marR="0" lvl="0" indent="0" algn="l" rtl="0">
@@ -28449,7 +28971,7 @@
               <a:buNone/>
             </a:pPr>
             <a:r>
-              <a:rPr lang="en-US" sz="1800" b="1" i="0" u="none" strike="noStrike" cap="none">
+              <a:rPr lang="en-US" sz="1800" b="1" i="0" u="none" strike="noStrike" cap="none" dirty="0">
                 <a:solidFill>
                   <a:schemeClr val="lt2"/>
                 </a:solidFill>
@@ -28460,7 +28982,7 @@
               </a:rPr>
               <a:t>int y = 4;</a:t>
             </a:r>
-            <a:endParaRPr/>
+            <a:endParaRPr dirty="0"/>
           </a:p>
           <a:p>
             <a:pPr marL="0" marR="0" lvl="0" indent="0" algn="l" rtl="0">
@@ -28473,7 +28995,7 @@
               <a:buNone/>
             </a:pPr>
             <a:r>
-              <a:rPr lang="en-US" sz="1800" b="1" i="0" u="none" strike="noStrike" cap="none">
+              <a:rPr lang="en-US" sz="1800" b="1" i="0" u="none" strike="noStrike" cap="none" dirty="0" err="1">
                 <a:solidFill>
                   <a:schemeClr val="lt2"/>
                 </a:solidFill>
@@ -28482,22 +29004,10 @@
                 <a:cs typeface="Consolas"/>
                 <a:sym typeface="Consolas"/>
               </a:rPr>
-              <a:t>Console.WriteLine(y *= 2); // 8</a:t>
-            </a:r>
-            <a:endParaRPr/>
-          </a:p>
-          <a:p>
-            <a:pPr marL="0" marR="0" lvl="0" indent="0" algn="l" rtl="0">
-              <a:spcBef>
-                <a:spcPts val="0"/>
-              </a:spcBef>
-              <a:spcAft>
-                <a:spcPts val="0"/>
-              </a:spcAft>
-              <a:buNone/>
-            </a:pPr>
-            <a:r>
-              <a:rPr lang="en-US" sz="1800" b="1" i="0" u="none" strike="noStrike" cap="none">
+              <a:t>Console.WriteLine</a:t>
+            </a:r>
+            <a:r>
+              <a:rPr lang="en-US" sz="1800" b="1" i="0" u="none" strike="noStrike" cap="none" dirty="0">
                 <a:solidFill>
                   <a:schemeClr val="lt2"/>
                 </a:solidFill>
@@ -28506,9 +29016,9 @@
                 <a:cs typeface="Consolas"/>
                 <a:sym typeface="Consolas"/>
               </a:rPr>
-              <a:t>int z = y = 3; // y=3 and z=3  </a:t>
-            </a:r>
-            <a:endParaRPr/>
+              <a:t>(y *= 2); // 8</a:t>
+            </a:r>
+            <a:endParaRPr dirty="0"/>
           </a:p>
           <a:p>
             <a:pPr marL="0" marR="0" lvl="0" indent="0" algn="l" rtl="0">
@@ -28521,7 +29031,7 @@
               <a:buNone/>
             </a:pPr>
             <a:r>
-              <a:rPr lang="en-US" sz="1800" b="1" i="0" u="none" strike="noStrike" cap="none">
+              <a:rPr lang="en-US" sz="1800" b="1" i="0" u="none" strike="noStrike" cap="none" dirty="0">
                 <a:solidFill>
                   <a:schemeClr val="lt2"/>
                 </a:solidFill>
@@ -28530,9 +29040,9 @@
                 <a:cs typeface="Consolas"/>
                 <a:sym typeface="Consolas"/>
               </a:rPr>
-              <a:t>Console.WriteLine(z); // 3</a:t>
-            </a:r>
-            <a:endParaRPr/>
+              <a:t>int z = y = 3; // y=3 and z=3  </a:t>
+            </a:r>
+            <a:endParaRPr dirty="0"/>
           </a:p>
           <a:p>
             <a:pPr marL="0" marR="0" lvl="0" indent="0" algn="l" rtl="0">
@@ -28545,7 +29055,7 @@
               <a:buNone/>
             </a:pPr>
             <a:r>
-              <a:rPr lang="en-US" sz="1800" b="1" i="0" u="none" strike="noStrike" cap="none">
+              <a:rPr lang="en-US" sz="1800" b="1" i="0" u="none" strike="noStrike" cap="none" dirty="0" err="1">
                 <a:solidFill>
                   <a:schemeClr val="lt2"/>
                 </a:solidFill>
@@ -28554,22 +29064,10 @@
                 <a:cs typeface="Consolas"/>
                 <a:sym typeface="Consolas"/>
               </a:rPr>
-              <a:t>Console.WriteLine(x |= 1); // 7</a:t>
-            </a:r>
-            <a:endParaRPr/>
-          </a:p>
-          <a:p>
-            <a:pPr marL="0" marR="0" lvl="0" indent="0" algn="l" rtl="0">
-              <a:spcBef>
-                <a:spcPts val="0"/>
-              </a:spcBef>
-              <a:spcAft>
-                <a:spcPts val="0"/>
-              </a:spcAft>
-              <a:buNone/>
-            </a:pPr>
-            <a:r>
-              <a:rPr lang="en-US" sz="1800" b="1" i="0" u="none" strike="noStrike" cap="none">
+              <a:t>Console.WriteLine</a:t>
+            </a:r>
+            <a:r>
+              <a:rPr lang="en-US" sz="1800" b="1" i="0" u="none" strike="noStrike" cap="none" dirty="0">
                 <a:solidFill>
                   <a:schemeClr val="lt2"/>
                 </a:solidFill>
@@ -28578,9 +29076,9 @@
                 <a:cs typeface="Consolas"/>
                 <a:sym typeface="Consolas"/>
               </a:rPr>
-              <a:t>Console.WriteLine(x += 3); // 10</a:t>
-            </a:r>
-            <a:endParaRPr/>
+              <a:t>(z); // 3</a:t>
+            </a:r>
+            <a:endParaRPr dirty="0"/>
           </a:p>
           <a:p>
             <a:pPr marL="0" marR="0" lvl="0" indent="0" algn="l" rtl="0">
@@ -28593,7 +29091,7 @@
               <a:buNone/>
             </a:pPr>
             <a:r>
-              <a:rPr lang="en-US" sz="1800" b="1" i="0" u="none" strike="noStrike" cap="none">
+              <a:rPr lang="en-US" sz="1800" b="1" i="0" u="none" strike="noStrike" cap="none" dirty="0" err="1">
                 <a:solidFill>
                   <a:schemeClr val="lt2"/>
                 </a:solidFill>
@@ -28602,9 +29100,93 @@
                 <a:cs typeface="Consolas"/>
                 <a:sym typeface="Consolas"/>
               </a:rPr>
-              <a:t>Console.WriteLine(x /= 2); // 5</a:t>
-            </a:r>
-            <a:endParaRPr/>
+              <a:t>Console.WriteLine</a:t>
+            </a:r>
+            <a:r>
+              <a:rPr lang="en-US" sz="1800" b="1" i="0" u="none" strike="noStrike" cap="none" dirty="0">
+                <a:solidFill>
+                  <a:schemeClr val="lt2"/>
+                </a:solidFill>
+                <a:latin typeface="Consolas"/>
+                <a:ea typeface="Consolas"/>
+                <a:cs typeface="Consolas"/>
+                <a:sym typeface="Consolas"/>
+              </a:rPr>
+              <a:t>(x |= 1); // 7</a:t>
+            </a:r>
+            <a:endParaRPr dirty="0"/>
+          </a:p>
+          <a:p>
+            <a:pPr marL="0" marR="0" lvl="0" indent="0" algn="l" rtl="0">
+              <a:spcBef>
+                <a:spcPts val="0"/>
+              </a:spcBef>
+              <a:spcAft>
+                <a:spcPts val="0"/>
+              </a:spcAft>
+              <a:buNone/>
+            </a:pPr>
+            <a:r>
+              <a:rPr lang="en-US" sz="1800" b="1" i="0" u="none" strike="noStrike" cap="none" dirty="0" err="1">
+                <a:solidFill>
+                  <a:schemeClr val="lt2"/>
+                </a:solidFill>
+                <a:latin typeface="Consolas"/>
+                <a:ea typeface="Consolas"/>
+                <a:cs typeface="Consolas"/>
+                <a:sym typeface="Consolas"/>
+              </a:rPr>
+              <a:t>Console.WriteLine</a:t>
+            </a:r>
+            <a:r>
+              <a:rPr lang="en-US" sz="1800" b="1" i="0" u="none" strike="noStrike" cap="none" dirty="0">
+                <a:solidFill>
+                  <a:schemeClr val="lt2"/>
+                </a:solidFill>
+                <a:latin typeface="Consolas"/>
+                <a:ea typeface="Consolas"/>
+                <a:cs typeface="Consolas"/>
+                <a:sym typeface="Consolas"/>
+              </a:rPr>
+              <a:t>(x += 3); // 10</a:t>
+            </a:r>
+            <a:endParaRPr dirty="0"/>
+          </a:p>
+          <a:p>
+            <a:pPr marL="0" marR="0" lvl="0" indent="0" algn="l" rtl="0">
+              <a:spcBef>
+                <a:spcPts val="0"/>
+              </a:spcBef>
+              <a:spcAft>
+                <a:spcPts val="0"/>
+              </a:spcAft>
+              <a:buNone/>
+            </a:pPr>
+            <a:r>
+              <a:rPr lang="en-US" sz="1800" b="1" i="0" u="none" strike="noStrike" cap="none" dirty="0" err="1">
+                <a:solidFill>
+                  <a:schemeClr val="lt2"/>
+                </a:solidFill>
+                <a:latin typeface="Consolas"/>
+                <a:ea typeface="Consolas"/>
+                <a:cs typeface="Consolas"/>
+                <a:sym typeface="Consolas"/>
+              </a:rPr>
+              <a:t>Console.WriteLine</a:t>
+            </a:r>
+            <a:r>
+              <a:rPr lang="en-US" sz="1800" b="1" i="0" u="none" strike="noStrike" cap="none" dirty="0">
+                <a:solidFill>
+                  <a:schemeClr val="lt2"/>
+                </a:solidFill>
+                <a:latin typeface="Consolas"/>
+                <a:ea typeface="Consolas"/>
+                <a:cs typeface="Consolas"/>
+                <a:sym typeface="Consolas"/>
+              </a:rPr>
+              <a:t>(x /= 2); // 5</a:t>
+            </a:r>
+            <a:endParaRPr dirty="0"/>
           </a:p>
         </p:txBody>
       </p:sp>
@@ -28870,7 +29452,7 @@
               <a:buNone/>
             </a:pPr>
             <a:r>
-              <a:rPr lang="en-US" sz="1800" b="1" i="0" u="none" strike="noStrike" cap="none">
+              <a:rPr lang="en-US" sz="1800" b="1" i="0" u="none" strike="noStrike" cap="none" dirty="0">
                 <a:solidFill>
                   <a:schemeClr val="lt2"/>
                 </a:solidFill>
@@ -28881,7 +29463,7 @@
               </a:rPr>
               <a:t>string first = "First";</a:t>
             </a:r>
-            <a:endParaRPr/>
+            <a:endParaRPr dirty="0"/>
           </a:p>
           <a:p>
             <a:pPr marL="0" marR="0" lvl="0" indent="0" algn="l" rtl="0">
@@ -28894,7 +29476,7 @@
               <a:buNone/>
             </a:pPr>
             <a:r>
-              <a:rPr lang="en-US" sz="1800" b="1" i="0" u="none" strike="noStrike" cap="none">
+              <a:rPr lang="en-US" sz="1800" b="1" i="0" u="none" strike="noStrike" cap="none" dirty="0">
                 <a:solidFill>
                   <a:schemeClr val="lt2"/>
                 </a:solidFill>
@@ -28905,7 +29487,7 @@
               </a:rPr>
               <a:t>string second = "Second";</a:t>
             </a:r>
-            <a:endParaRPr/>
+            <a:endParaRPr dirty="0"/>
           </a:p>
           <a:p>
             <a:pPr marL="0" marR="0" lvl="0" indent="0" algn="l" rtl="0">
@@ -28918,7 +29500,7 @@
               <a:buNone/>
             </a:pPr>
             <a:r>
-              <a:rPr lang="en-US" sz="1800" b="1" i="0" u="none" strike="noStrike" cap="none">
+              <a:rPr lang="en-US" sz="1800" b="1" i="0" u="none" strike="noStrike" cap="none" dirty="0" err="1">
                 <a:solidFill>
                   <a:schemeClr val="lt2"/>
                 </a:solidFill>
@@ -28927,10 +29509,10 @@
                 <a:cs typeface="Consolas"/>
                 <a:sym typeface="Consolas"/>
               </a:rPr>
-              <a:t>Console.WriteLine(first + second); </a:t>
-            </a:r>
-            <a:br>
-              <a:rPr lang="en-US" sz="1800" b="1" i="0" u="none" strike="noStrike" cap="none">
+              <a:t>Console.WriteLine</a:t>
+            </a:r>
+            <a:r>
+              <a:rPr lang="en-US" sz="1800" b="1" i="0" u="none" strike="noStrike" cap="none" dirty="0">
                 <a:solidFill>
                   <a:schemeClr val="lt2"/>
                 </a:solidFill>
@@ -28939,9 +29521,10 @@
                 <a:cs typeface="Consolas"/>
                 <a:sym typeface="Consolas"/>
               </a:rPr>
-            </a:br>
-            <a:r>
-              <a:rPr lang="en-US" sz="1800" b="1" i="0" u="none" strike="noStrike" cap="none">
+              <a:t>(first + second); </a:t>
+            </a:r>
+            <a:br>
+              <a:rPr lang="en-US" sz="1800" b="1" i="0" u="none" strike="noStrike" cap="none" dirty="0">
                 <a:solidFill>
                   <a:schemeClr val="lt2"/>
                 </a:solidFill>
@@ -28950,22 +29533,9 @@
                 <a:cs typeface="Consolas"/>
                 <a:sym typeface="Consolas"/>
               </a:rPr>
-              <a:t>// FirstSecond</a:t>
-            </a:r>
-            <a:endParaRPr/>
-          </a:p>
-          <a:p>
-            <a:pPr marL="0" marR="0" lvl="0" indent="0" algn="l" rtl="0">
-              <a:spcBef>
-                <a:spcPts val="0"/>
-              </a:spcBef>
-              <a:spcAft>
-                <a:spcPts val="0"/>
-              </a:spcAft>
-              <a:buNone/>
-            </a:pPr>
-            <a:r>
-              <a:rPr lang="en-US" sz="1800" b="1" i="0" u="none" strike="noStrike" cap="none">
+            </a:br>
+            <a:r>
+              <a:rPr lang="en-US" sz="1800" b="1" i="0" u="none" strike="noStrike" cap="none" dirty="0">
                 <a:solidFill>
                   <a:schemeClr val="lt2"/>
                 </a:solidFill>
@@ -28974,22 +29544,10 @@
                 <a:cs typeface="Consolas"/>
                 <a:sym typeface="Consolas"/>
               </a:rPr>
-              <a:t>string output = "The number is : ";</a:t>
-            </a:r>
-            <a:endParaRPr/>
-          </a:p>
-          <a:p>
-            <a:pPr marL="0" marR="0" lvl="0" indent="0" algn="l" rtl="0">
-              <a:spcBef>
-                <a:spcPts val="0"/>
-              </a:spcBef>
-              <a:spcAft>
-                <a:spcPts val="0"/>
-              </a:spcAft>
-              <a:buNone/>
-            </a:pPr>
-            <a:r>
-              <a:rPr lang="en-US" sz="1800" b="1" i="0" u="none" strike="noStrike" cap="none">
+              <a:t>// </a:t>
+            </a:r>
+            <a:r>
+              <a:rPr lang="en-US" sz="1800" b="1" i="0" u="none" strike="noStrike" cap="none" dirty="0" err="1">
                 <a:solidFill>
                   <a:schemeClr val="lt2"/>
                 </a:solidFill>
@@ -28998,9 +29556,9 @@
                 <a:cs typeface="Consolas"/>
                 <a:sym typeface="Consolas"/>
               </a:rPr>
-              <a:t>int number = 5;</a:t>
-            </a:r>
-            <a:endParaRPr/>
+              <a:t>FirstSecond</a:t>
+            </a:r>
+            <a:endParaRPr dirty="0"/>
           </a:p>
           <a:p>
             <a:pPr marL="0" marR="0" lvl="0" indent="0" algn="l" rtl="0">
@@ -29013,7 +29571,7 @@
               <a:buNone/>
             </a:pPr>
             <a:r>
-              <a:rPr lang="en-US" sz="1800" b="1" i="0" u="none" strike="noStrike" cap="none">
+              <a:rPr lang="en-US" sz="1800" b="1" i="0" u="none" strike="noStrike" cap="none" dirty="0">
                 <a:solidFill>
                   <a:schemeClr val="lt2"/>
                 </a:solidFill>
@@ -29022,9 +29580,9 @@
                 <a:cs typeface="Consolas"/>
                 <a:sym typeface="Consolas"/>
               </a:rPr>
-              <a:t>Console.WriteLine(output + number);</a:t>
-            </a:r>
-            <a:endParaRPr/>
+              <a:t>string output = "The number is : ";</a:t>
+            </a:r>
+            <a:endParaRPr dirty="0"/>
           </a:p>
           <a:p>
             <a:pPr marL="0" marR="0" lvl="0" indent="0" algn="l" rtl="0">
@@ -29037,7 +29595,7 @@
               <a:buNone/>
             </a:pPr>
             <a:r>
-              <a:rPr lang="en-US" sz="1800" b="1" i="0" u="none" strike="noStrike" cap="none">
+              <a:rPr lang="en-US" sz="1800" b="1" i="0" u="none" strike="noStrike" cap="none" dirty="0">
                 <a:solidFill>
                   <a:schemeClr val="lt2"/>
                 </a:solidFill>
@@ -29046,9 +29604,69 @@
                 <a:cs typeface="Consolas"/>
                 <a:sym typeface="Consolas"/>
               </a:rPr>
+              <a:t>int number = 5;</a:t>
+            </a:r>
+            <a:endParaRPr dirty="0"/>
+          </a:p>
+          <a:p>
+            <a:pPr marL="0" marR="0" lvl="0" indent="0" algn="l" rtl="0">
+              <a:spcBef>
+                <a:spcPts val="0"/>
+              </a:spcBef>
+              <a:spcAft>
+                <a:spcPts val="0"/>
+              </a:spcAft>
+              <a:buNone/>
+            </a:pPr>
+            <a:r>
+              <a:rPr lang="en-US" sz="1800" b="1" i="0" u="none" strike="noStrike" cap="none" dirty="0" err="1">
+                <a:solidFill>
+                  <a:schemeClr val="lt2"/>
+                </a:solidFill>
+                <a:latin typeface="Consolas"/>
+                <a:ea typeface="Consolas"/>
+                <a:cs typeface="Consolas"/>
+                <a:sym typeface="Consolas"/>
+              </a:rPr>
+              <a:t>Console.WriteLine</a:t>
+            </a:r>
+            <a:r>
+              <a:rPr lang="en-US" sz="1800" b="1" i="0" u="none" strike="noStrike" cap="none" dirty="0">
+                <a:solidFill>
+                  <a:schemeClr val="lt2"/>
+                </a:solidFill>
+                <a:latin typeface="Consolas"/>
+                <a:ea typeface="Consolas"/>
+                <a:cs typeface="Consolas"/>
+                <a:sym typeface="Consolas"/>
+              </a:rPr>
+              <a:t>(output + number);</a:t>
+            </a:r>
+            <a:endParaRPr dirty="0"/>
+          </a:p>
+          <a:p>
+            <a:pPr marL="0" marR="0" lvl="0" indent="0" algn="l" rtl="0">
+              <a:spcBef>
+                <a:spcPts val="0"/>
+              </a:spcBef>
+              <a:spcAft>
+                <a:spcPts val="0"/>
+              </a:spcAft>
+              <a:buNone/>
+            </a:pPr>
+            <a:r>
+              <a:rPr lang="en-US" sz="1800" b="1" i="0" u="none" strike="noStrike" cap="none" dirty="0">
+                <a:solidFill>
+                  <a:schemeClr val="lt2"/>
+                </a:solidFill>
+                <a:latin typeface="Consolas"/>
+                <a:ea typeface="Consolas"/>
+                <a:cs typeface="Consolas"/>
+                <a:sym typeface="Consolas"/>
+              </a:rPr>
               <a:t>// The number is : 5</a:t>
             </a:r>
-            <a:endParaRPr/>
+            <a:endParaRPr dirty="0"/>
           </a:p>
         </p:txBody>
       </p:sp>
@@ -29124,7 +29742,7 @@
               <a:buChar char="•"/>
             </a:pPr>
             <a:r>
-              <a:rPr lang="en-US" sz="2000" b="0" i="0" u="none" strike="noStrike" cap="none">
+              <a:rPr lang="en-US" sz="2000" b="0" i="0" u="none" strike="noStrike" cap="none" dirty="0">
                 <a:solidFill>
                   <a:srgbClr val="D8D8D8"/>
                 </a:solidFill>
@@ -29136,7 +29754,7 @@
               <a:t>Member access operator  </a:t>
             </a:r>
             <a:r>
-              <a:rPr lang="en-US" sz="2000" b="1" i="0" u="none" strike="noStrike" cap="none">
+              <a:rPr lang="en-US" sz="2000" b="1" i="0" u="none" strike="noStrike" cap="none" dirty="0">
                 <a:solidFill>
                   <a:srgbClr val="A5A5A5"/>
                 </a:solidFill>
@@ -29148,7 +29766,7 @@
               <a:t>.</a:t>
             </a:r>
             <a:r>
-              <a:rPr lang="en-US" sz="2000" b="0" i="0" u="none" strike="noStrike" cap="none">
+              <a:rPr lang="en-US" sz="2000" b="0" i="0" u="none" strike="noStrike" cap="none" dirty="0">
                 <a:solidFill>
                   <a:srgbClr val="D8D8D8"/>
                 </a:solidFill>
@@ -29159,7 +29777,7 @@
               </a:rPr>
               <a:t>  is used to access object members</a:t>
             </a:r>
-            <a:endParaRPr/>
+            <a:endParaRPr dirty="0"/>
           </a:p>
           <a:p>
             <a:pPr marL="594360" marR="0" lvl="1" indent="-228600" algn="l" rtl="0">
@@ -29180,7 +29798,7 @@
               <a:buChar char="•"/>
             </a:pPr>
             <a:r>
-              <a:rPr lang="en-US" sz="1800" b="0" i="0" u="none" strike="noStrike" cap="none">
+              <a:rPr lang="en-US" sz="1800" b="0" i="0" u="none" strike="noStrike" cap="none" dirty="0">
                 <a:solidFill>
                   <a:srgbClr val="D8D8D8"/>
                 </a:solidFill>
@@ -29192,7 +29810,7 @@
               <a:t>E.g. </a:t>
             </a:r>
             <a:r>
-              <a:rPr lang="en-US" sz="1800" b="1" i="0" u="none" strike="noStrike" cap="none">
+              <a:rPr lang="en-US" sz="1800" b="1" i="0" u="none" strike="noStrike" cap="none" dirty="0" err="1">
                 <a:solidFill>
                   <a:srgbClr val="A5A5A5"/>
                 </a:solidFill>
@@ -29201,9 +29819,21 @@
                 <a:cs typeface="Consolas"/>
                 <a:sym typeface="Consolas"/>
               </a:rPr>
-              <a:t>DateTime.Now.DayOfWeek.ToString()</a:t>
-            </a:r>
-            <a:endParaRPr/>
+              <a:t>DateTime.Now.DayOfWeek.ToString</a:t>
+            </a:r>
+            <a:r>
+              <a:rPr lang="en-US" sz="1800" b="1" i="0" u="none" strike="noStrike" cap="none" dirty="0">
+                <a:solidFill>
+                  <a:srgbClr val="A5A5A5"/>
+                </a:solidFill>
+                <a:latin typeface="Consolas"/>
+                <a:ea typeface="Consolas"/>
+                <a:cs typeface="Consolas"/>
+                <a:sym typeface="Consolas"/>
+              </a:rPr>
+              <a:t>()</a:t>
+            </a:r>
+            <a:endParaRPr dirty="0"/>
           </a:p>
           <a:p>
             <a:pPr marL="228600" marR="0" lvl="0" indent="-228600" algn="l" rtl="0">
@@ -29224,7 +29854,7 @@
               <a:buChar char="•"/>
             </a:pPr>
             <a:r>
-              <a:rPr lang="en-US" sz="2000" b="0" i="0" u="none" strike="noStrike" cap="none">
+              <a:rPr lang="en-US" sz="2000" b="0" i="0" u="none" strike="noStrike" cap="none" dirty="0">
                 <a:solidFill>
                   <a:srgbClr val="D8D8D8"/>
                 </a:solidFill>
@@ -29236,7 +29866,7 @@
               <a:t>Square brackets </a:t>
             </a:r>
             <a:r>
-              <a:rPr lang="en-US" sz="2000" b="1" i="0" u="none" strike="noStrike" cap="none">
+              <a:rPr lang="en-US" sz="2000" b="1" i="0" u="none" strike="noStrike" cap="none" dirty="0">
                 <a:solidFill>
                   <a:srgbClr val="A5A5A5"/>
                 </a:solidFill>
@@ -29248,7 +29878,7 @@
               <a:t>[]</a:t>
             </a:r>
             <a:r>
-              <a:rPr lang="en-US" sz="2000" b="0" i="0" u="none" strike="noStrike" cap="none">
+              <a:rPr lang="en-US" sz="2000" b="0" i="0" u="none" strike="noStrike" cap="none" dirty="0">
                 <a:solidFill>
                   <a:srgbClr val="D8D8D8"/>
                 </a:solidFill>
@@ -29259,7 +29889,7 @@
               </a:rPr>
               <a:t> are used with arrays, indexers and attributes</a:t>
             </a:r>
-            <a:endParaRPr/>
+            <a:endParaRPr dirty="0"/>
           </a:p>
           <a:p>
             <a:pPr marL="594360" marR="0" lvl="1" indent="-228600" algn="l" rtl="0">
@@ -29280,7 +29910,7 @@
               <a:buChar char="•"/>
             </a:pPr>
             <a:r>
-              <a:rPr lang="en-US" sz="1800" b="0" i="0" u="none" strike="noStrike" cap="none">
+              <a:rPr lang="en-US" sz="1800" b="0" i="0" u="none" strike="noStrike" cap="none" dirty="0">
                 <a:solidFill>
                   <a:srgbClr val="D8D8D8"/>
                 </a:solidFill>
@@ -29292,7 +29922,7 @@
               <a:t>E.g. </a:t>
             </a:r>
             <a:r>
-              <a:rPr lang="en-US" sz="1800" b="1" i="0" u="none" strike="noStrike" cap="none">
+              <a:rPr lang="en-US" sz="1800" b="1" i="0" u="none" strike="noStrike" cap="none" dirty="0">
                 <a:solidFill>
                   <a:srgbClr val="A5A5A5"/>
                 </a:solidFill>
@@ -29304,7 +29934,7 @@
               <a:t>numbers[3]</a:t>
             </a:r>
             <a:r>
-              <a:rPr lang="en-US" sz="1800" b="0" i="0" u="none" strike="noStrike" cap="none">
+              <a:rPr lang="en-US" sz="1800" b="0" i="0" u="none" strike="noStrike" cap="none" dirty="0">
                 <a:solidFill>
                   <a:srgbClr val="D8D8D8"/>
                 </a:solidFill>
@@ -29316,7 +29946,7 @@
               <a:t>, </a:t>
             </a:r>
             <a:r>
-              <a:rPr lang="en-US" sz="1800" b="1" i="0" u="none" strike="noStrike" cap="none">
+              <a:rPr lang="en-US" sz="1800" b="1" i="0" u="none" strike="noStrike" cap="none" dirty="0">
                 <a:solidFill>
                   <a:srgbClr val="A5A5A5"/>
                 </a:solidFill>
@@ -29327,7 +29957,7 @@
               </a:rPr>
               <a:t>"Hello"[2]</a:t>
             </a:r>
-            <a:endParaRPr/>
+            <a:endParaRPr dirty="0"/>
           </a:p>
           <a:p>
             <a:pPr marL="228600" marR="0" lvl="0" indent="-228600" algn="l" rtl="0">
@@ -29348,7 +29978,7 @@
               <a:buChar char="•"/>
             </a:pPr>
             <a:r>
-              <a:rPr lang="en-US" sz="2000" b="0" i="0" u="none" strike="noStrike" cap="none">
+              <a:rPr lang="en-US" sz="2000" b="0" i="0" u="none" strike="noStrike" cap="none" dirty="0">
                 <a:solidFill>
                   <a:srgbClr val="D8D8D8"/>
                 </a:solidFill>
@@ -29360,7 +29990,7 @@
               <a:t>Parentheses</a:t>
             </a:r>
             <a:r>
-              <a:rPr lang="en-US" sz="2000" b="0" i="0" u="none" strike="noStrike" cap="none">
+              <a:rPr lang="en-US" sz="2000" b="0" i="0" u="none" strike="noStrike" cap="none" dirty="0">
                 <a:solidFill>
                   <a:schemeClr val="lt2"/>
                 </a:solidFill>
@@ -29372,7 +30002,7 @@
               <a:t> </a:t>
             </a:r>
             <a:r>
-              <a:rPr lang="en-US" sz="2000" b="1" i="0" u="none" strike="noStrike" cap="none">
+              <a:rPr lang="en-US" sz="2000" b="1" i="0" u="none" strike="noStrike" cap="none" dirty="0">
                 <a:solidFill>
                   <a:srgbClr val="A5A5A5"/>
                 </a:solidFill>
@@ -29384,7 +30014,7 @@
               <a:t>(</a:t>
             </a:r>
             <a:r>
-              <a:rPr lang="en-US" sz="2000" b="1" i="0" u="none" strike="noStrike" cap="none">
+              <a:rPr lang="en-US" sz="2000" b="1" i="0" u="none" strike="noStrike" cap="none" dirty="0">
                 <a:solidFill>
                   <a:srgbClr val="A5A5A5"/>
                 </a:solidFill>
@@ -29396,7 +30026,7 @@
               <a:t> </a:t>
             </a:r>
             <a:r>
-              <a:rPr lang="en-US" sz="2000" b="1" i="0" u="none" strike="noStrike" cap="none">
+              <a:rPr lang="en-US" sz="2000" b="1" i="0" u="none" strike="noStrike" cap="none" dirty="0">
                 <a:solidFill>
                   <a:srgbClr val="A5A5A5"/>
                 </a:solidFill>
@@ -29408,7 +30038,7 @@
               <a:t>)</a:t>
             </a:r>
             <a:r>
-              <a:rPr lang="en-US" sz="2000" b="1" i="0" u="none" strike="noStrike" cap="none">
+              <a:rPr lang="en-US" sz="2000" b="1" i="0" u="none" strike="noStrike" cap="none" dirty="0">
                 <a:solidFill>
                   <a:srgbClr val="A5A5A5"/>
                 </a:solidFill>
@@ -29420,7 +30050,7 @@
               <a:t> </a:t>
             </a:r>
             <a:r>
-              <a:rPr lang="en-US" sz="2000" b="0" i="0" u="none" strike="noStrike" cap="none">
+              <a:rPr lang="en-US" sz="2000" b="0" i="0" u="none" strike="noStrike" cap="none" dirty="0">
                 <a:solidFill>
                   <a:srgbClr val="D8D8D8"/>
                 </a:solidFill>
@@ -29429,10 +30059,30 @@
                 <a:cs typeface="Candara"/>
                 <a:sym typeface="Candara"/>
               </a:rPr>
-              <a:t>are used to override the default operator precedence, e.g.  </a:t>
-            </a:r>
-            <a:r>
-              <a:rPr lang="en-US" sz="2000" b="1" i="0" u="none" strike="noStrike" cap="none">
+              <a:t>are used to override the default operator precedence, e.g. </a:t>
+            </a:r>
+          </a:p>
+          <a:p>
+            <a:pPr marL="685800" lvl="1" indent="-228600">
+              <a:spcBef>
+                <a:spcPts val="1800"/>
+              </a:spcBef>
+              <a:buSzPts val="2000"/>
+            </a:pPr>
+            <a:r>
+              <a:rPr lang="en-US" b="0" i="0" u="none" strike="noStrike" cap="none" dirty="0">
+                <a:solidFill>
+                  <a:srgbClr val="D8D8D8"/>
+                </a:solidFill>
+                <a:latin typeface="Candara"/>
+                <a:ea typeface="Candara"/>
+                <a:cs typeface="Candara"/>
+                <a:sym typeface="Candara"/>
+              </a:rPr>
+              <a:t> </a:t>
+            </a:r>
+            <a:r>
+              <a:rPr lang="en-US" b="1" i="0" u="none" strike="noStrike" cap="none" dirty="0">
                 <a:solidFill>
                   <a:srgbClr val="A5A5A5"/>
                 </a:solidFill>
@@ -29444,7 +30094,7 @@
               <a:t>(a</a:t>
             </a:r>
             <a:r>
-              <a:rPr lang="en-US" sz="2000" b="0" i="0" u="none" strike="noStrike" cap="none">
+              <a:rPr lang="en-US" b="0" i="0" u="none" strike="noStrike" cap="none" dirty="0">
                 <a:solidFill>
                   <a:schemeClr val="lt2"/>
                 </a:solidFill>
@@ -29456,7 +30106,7 @@
               <a:t> </a:t>
             </a:r>
             <a:r>
-              <a:rPr lang="en-US" sz="2000" b="1" i="0" u="none" strike="noStrike" cap="none">
+              <a:rPr lang="en-US" b="1" i="0" u="none" strike="noStrike" cap="none" dirty="0">
                 <a:solidFill>
                   <a:srgbClr val="A5A5A5"/>
                 </a:solidFill>
@@ -29468,7 +30118,7 @@
               <a:t>+</a:t>
             </a:r>
             <a:r>
-              <a:rPr lang="en-US" sz="2000" b="0" i="0" u="none" strike="noStrike" cap="none">
+              <a:rPr lang="en-US" b="0" i="0" u="none" strike="noStrike" cap="none" dirty="0">
                 <a:solidFill>
                   <a:schemeClr val="lt2"/>
                 </a:solidFill>
@@ -29480,7 +30130,7 @@
               <a:t> </a:t>
             </a:r>
             <a:r>
-              <a:rPr lang="en-US" sz="2000" b="1" i="0" u="none" strike="noStrike" cap="none">
+              <a:rPr lang="en-US" b="1" i="0" u="none" strike="noStrike" cap="none" dirty="0">
                 <a:solidFill>
                   <a:srgbClr val="A5A5A5"/>
                 </a:solidFill>
@@ -29492,7 +30142,7 @@
               <a:t>b)</a:t>
             </a:r>
             <a:r>
-              <a:rPr lang="en-US" sz="2000" b="0" i="0" u="none" strike="noStrike" cap="none">
+              <a:rPr lang="en-US" b="0" i="0" u="none" strike="noStrike" cap="none" dirty="0">
                 <a:solidFill>
                   <a:schemeClr val="lt2"/>
                 </a:solidFill>
@@ -29504,7 +30154,7 @@
               <a:t> </a:t>
             </a:r>
             <a:r>
-              <a:rPr lang="en-US" sz="2000" b="1" i="0" u="none" strike="noStrike" cap="none">
+              <a:rPr lang="en-US" b="1" i="0" u="none" strike="noStrike" cap="none" dirty="0">
                 <a:solidFill>
                   <a:srgbClr val="A5A5A5"/>
                 </a:solidFill>
@@ -29516,7 +30166,7 @@
               <a:t>/</a:t>
             </a:r>
             <a:r>
-              <a:rPr lang="en-US" sz="2000" b="0" i="0" u="none" strike="noStrike" cap="none">
+              <a:rPr lang="en-US" b="0" i="0" u="none" strike="noStrike" cap="none" dirty="0">
                 <a:solidFill>
                   <a:schemeClr val="lt2"/>
                 </a:solidFill>
@@ -29528,7 +30178,7 @@
               <a:t> </a:t>
             </a:r>
             <a:r>
-              <a:rPr lang="en-US" sz="2000" b="1" i="0" u="none" strike="noStrike" cap="none">
+              <a:rPr lang="en-US" b="1" i="0" u="none" strike="noStrike" cap="none" dirty="0">
                 <a:solidFill>
                   <a:srgbClr val="A5A5A5"/>
                 </a:solidFill>
@@ -29539,7 +30189,7 @@
               </a:rPr>
               <a:t>2</a:t>
             </a:r>
-            <a:endParaRPr/>
+            <a:endParaRPr dirty="0"/>
           </a:p>
           <a:p>
             <a:pPr marL="228600" marR="0" lvl="0" indent="-228600" algn="l" rtl="0">
@@ -29560,7 +30210,7 @@
               <a:buChar char="•"/>
             </a:pPr>
             <a:r>
-              <a:rPr lang="en-US" sz="2000" b="0" i="0" u="none" strike="noStrike" cap="none">
+              <a:rPr lang="en-US" sz="2000" b="0" i="0" u="none" strike="noStrike" cap="none" dirty="0">
                 <a:solidFill>
                   <a:srgbClr val="D8D8D8"/>
                 </a:solidFill>
@@ -29572,7 +30222,7 @@
               <a:t>Class cast operator </a:t>
             </a:r>
             <a:r>
-              <a:rPr lang="en-US" sz="2000" b="1" i="0" u="none" strike="noStrike" cap="none">
+              <a:rPr lang="en-US" sz="2000" b="1" i="0" u="none" strike="noStrike" cap="none" dirty="0">
                 <a:solidFill>
                   <a:srgbClr val="A5A5A5"/>
                 </a:solidFill>
@@ -29584,7 +30234,7 @@
               <a:t>(type)</a:t>
             </a:r>
             <a:r>
-              <a:rPr lang="en-US" sz="2000" b="1" i="0" u="none" strike="noStrike" cap="none">
+              <a:rPr lang="en-US" sz="2000" b="1" i="0" u="none" strike="noStrike" cap="none" dirty="0">
                 <a:solidFill>
                   <a:srgbClr val="A5A5A5"/>
                 </a:solidFill>
@@ -29596,7 +30246,7 @@
               <a:t> </a:t>
             </a:r>
             <a:r>
-              <a:rPr lang="en-US" sz="2000" b="0" i="0" u="none" strike="noStrike" cap="none">
+              <a:rPr lang="en-US" sz="2000" b="0" i="0" u="none" strike="noStrike" cap="none" dirty="0">
                 <a:solidFill>
                   <a:srgbClr val="D8D8D8"/>
                 </a:solidFill>
@@ -29608,7 +30258,7 @@
               <a:t>is used to cast one compatible type to another, e.g. </a:t>
             </a:r>
             <a:r>
-              <a:rPr lang="en-US" sz="2000" b="1" i="0" u="none" strike="noStrike" cap="none">
+              <a:rPr lang="en-US" sz="2000" b="1" i="0" u="none" strike="noStrike" cap="none" dirty="0">
                 <a:solidFill>
                   <a:srgbClr val="A5A5A5"/>
                 </a:solidFill>
@@ -29617,10 +30267,34 @@
                 <a:cs typeface="Consolas"/>
                 <a:sym typeface="Consolas"/>
               </a:rPr>
-              <a:t>(uint)</a:t>
-            </a:r>
-            <a:r>
-              <a:rPr lang="en-US" sz="2000" b="0" i="0" u="none" strike="noStrike" cap="none">
+              <a:t>(</a:t>
+            </a:r>
+            <a:r>
+              <a:rPr lang="en-US" sz="2000" b="1" i="0" u="none" strike="noStrike" cap="none" dirty="0" err="1">
+                <a:solidFill>
+                  <a:srgbClr val="A5A5A5"/>
+                </a:solidFill>
+                <a:latin typeface="Consolas"/>
+                <a:ea typeface="Consolas"/>
+                <a:cs typeface="Consolas"/>
+                <a:sym typeface="Consolas"/>
+              </a:rPr>
+              <a:t>uint</a:t>
+            </a:r>
+            <a:r>
+              <a:rPr lang="en-US" sz="2000" b="1" i="0" u="none" strike="noStrike" cap="none" dirty="0">
+                <a:solidFill>
+                  <a:srgbClr val="A5A5A5"/>
+                </a:solidFill>
+                <a:latin typeface="Consolas"/>
+                <a:ea typeface="Consolas"/>
+                <a:cs typeface="Consolas"/>
+                <a:sym typeface="Consolas"/>
+              </a:rPr>
+              <a:t>)</a:t>
+            </a:r>
+            <a:r>
+              <a:rPr lang="en-US" sz="2000" b="0" i="0" u="none" strike="noStrike" cap="none" dirty="0">
                 <a:solidFill>
                   <a:schemeClr val="lt2"/>
                 </a:solidFill>
@@ -29632,7 +30306,7 @@
               <a:t> </a:t>
             </a:r>
             <a:r>
-              <a:rPr lang="en-US" sz="2000" b="1" i="0" u="none" strike="noStrike" cap="none">
+              <a:rPr lang="en-US" sz="2000" b="1" i="0" u="none" strike="noStrike" cap="none" dirty="0">
                 <a:solidFill>
                   <a:srgbClr val="A5A5A5"/>
                 </a:solidFill>
@@ -29643,7 +30317,7 @@
               </a:rPr>
               <a:t>-1</a:t>
             </a:r>
-            <a:endParaRPr/>
+            <a:endParaRPr dirty="0"/>
           </a:p>
         </p:txBody>
       </p:sp>
@@ -29781,7 +30455,7 @@
               <a:buChar char="•"/>
             </a:pPr>
             <a:r>
-              <a:rPr lang="en-US" sz="2000" b="0" i="0" u="none" strike="noStrike" cap="none">
+              <a:rPr lang="en-US" sz="2000" b="0" i="0" u="none" strike="noStrike" cap="none" dirty="0">
                 <a:solidFill>
                   <a:srgbClr val="D8D8D8"/>
                 </a:solidFill>
@@ -29793,7 +30467,7 @@
               <a:t>Conditional operator </a:t>
             </a:r>
             <a:r>
-              <a:rPr lang="en-US" sz="2000" b="1" i="0" u="none" strike="noStrike" cap="none">
+              <a:rPr lang="en-US" sz="2000" b="1" i="0" u="none" strike="noStrike" cap="none" dirty="0">
                 <a:solidFill>
                   <a:srgbClr val="A5A5A5"/>
                 </a:solidFill>
@@ -29805,7 +30479,7 @@
               <a:t>?:</a:t>
             </a:r>
             <a:r>
-              <a:rPr lang="en-US" sz="2000" b="0" i="0" u="none" strike="noStrike" cap="none">
+              <a:rPr lang="en-US" sz="2000" b="0" i="0" u="none" strike="noStrike" cap="none" dirty="0">
                 <a:solidFill>
                   <a:srgbClr val="D8D8D8"/>
                 </a:solidFill>
@@ -29816,7 +30490,7 @@
               </a:rPr>
               <a:t> has the form</a:t>
             </a:r>
-            <a:endParaRPr/>
+            <a:endParaRPr dirty="0"/>
           </a:p>
           <a:p>
             <a:pPr marL="228600" marR="0" lvl="0" indent="-101600" algn="l" rtl="0">
@@ -29836,7 +30510,7 @@
               <a:buFont typeface="Arial"/>
               <a:buNone/>
             </a:pPr>
-            <a:endParaRPr sz="2000" b="0" i="0" u="none" strike="noStrike" cap="none">
+            <a:endParaRPr sz="2000" b="0" i="0" u="none" strike="noStrike" cap="none" dirty="0">
               <a:solidFill>
                 <a:srgbClr val="D8D8D8"/>
               </a:solidFill>
@@ -29864,7 +30538,7 @@
               <a:buFont typeface="Arial"/>
               <a:buNone/>
             </a:pPr>
-            <a:endParaRPr sz="2000" b="0" i="0" u="none" strike="noStrike" cap="none">
+            <a:endParaRPr sz="2000" b="0" i="0" u="none" strike="noStrike" cap="none" dirty="0">
               <a:solidFill>
                 <a:srgbClr val="FCD9D8"/>
               </a:solidFill>
@@ -29893,7 +30567,7 @@
               <a:buNone/>
             </a:pPr>
             <a:r>
-              <a:rPr lang="en-US" sz="1800" b="0" i="0" u="none" strike="noStrike" cap="none">
+              <a:rPr lang="en-US" sz="1800" b="0" i="0" u="none" strike="noStrike" cap="none" dirty="0">
                 <a:solidFill>
                   <a:srgbClr val="D8D8D8"/>
                 </a:solidFill>
@@ -29905,7 +30579,7 @@
               <a:t>(if </a:t>
             </a:r>
             <a:r>
-              <a:rPr lang="en-US" sz="1800" b="1" i="0" u="none" strike="noStrike" cap="none">
+              <a:rPr lang="en-US" sz="1800" b="1" i="0" u="none" strike="noStrike" cap="none" dirty="0">
                 <a:solidFill>
                   <a:srgbClr val="A5A5A5"/>
                 </a:solidFill>
@@ -29917,7 +30591,7 @@
               <a:t>b</a:t>
             </a:r>
             <a:r>
-              <a:rPr lang="en-US" sz="1800" b="0" i="0" u="none" strike="noStrike" cap="none">
+              <a:rPr lang="en-US" sz="1800" b="0" i="0" u="none" strike="noStrike" cap="none" dirty="0">
                 <a:solidFill>
                   <a:srgbClr val="D8D8D8"/>
                 </a:solidFill>
@@ -29929,7 +30603,7 @@
               <a:t> is true then the result is </a:t>
             </a:r>
             <a:r>
-              <a:rPr lang="en-US" sz="1800" b="1" i="0" u="none" strike="noStrike" cap="none">
+              <a:rPr lang="en-US" sz="1800" b="1" i="0" u="none" strike="noStrike" cap="none" dirty="0">
                 <a:solidFill>
                   <a:srgbClr val="A5A5A5"/>
                 </a:solidFill>
@@ -29941,7 +30615,7 @@
               <a:t>x</a:t>
             </a:r>
             <a:r>
-              <a:rPr lang="en-US" sz="1800" b="0" i="0" u="none" strike="noStrike" cap="none">
+              <a:rPr lang="en-US" sz="1800" b="0" i="0" u="none" strike="noStrike" cap="none" dirty="0">
                 <a:solidFill>
                   <a:srgbClr val="D8D8D8"/>
                 </a:solidFill>
@@ -29953,7 +30627,7 @@
               <a:t> else the result is </a:t>
             </a:r>
             <a:r>
-              <a:rPr lang="en-US" sz="1800" b="1" i="0" u="none" strike="noStrike" cap="none">
+              <a:rPr lang="en-US" sz="1800" b="1" i="0" u="none" strike="noStrike" cap="none" dirty="0">
                 <a:solidFill>
                   <a:srgbClr val="A5A5A5"/>
                 </a:solidFill>
@@ -29965,7 +30639,7 @@
               <a:t>y</a:t>
             </a:r>
             <a:r>
-              <a:rPr lang="en-US" sz="1800" b="0" i="0" u="none" strike="noStrike" cap="none">
+              <a:rPr lang="en-US" sz="1800" b="0" i="0" u="none" strike="noStrike" cap="none" dirty="0">
                 <a:solidFill>
                   <a:srgbClr val="D8D8D8"/>
                 </a:solidFill>
@@ -29976,7 +30650,7 @@
               </a:rPr>
               <a:t>)</a:t>
             </a:r>
-            <a:endParaRPr sz="1800" b="0" i="0" u="none" strike="noStrike" cap="none">
+            <a:endParaRPr sz="1800" b="0" i="0" u="none" strike="noStrike" cap="none" dirty="0">
               <a:solidFill>
                 <a:schemeClr val="accent1"/>
               </a:solidFill>
@@ -30005,7 +30679,7 @@
               <a:buChar char="•"/>
             </a:pPr>
             <a:r>
-              <a:rPr lang="en-US" sz="2000" b="0" i="0" u="none" strike="noStrike" cap="none">
+              <a:rPr lang="en-US" sz="2000" b="0" i="0" u="none" strike="noStrike" cap="none" dirty="0">
                 <a:solidFill>
                   <a:srgbClr val="D8D8D8"/>
                 </a:solidFill>
@@ -30017,7 +30691,7 @@
               <a:t>The </a:t>
             </a:r>
             <a:r>
-              <a:rPr lang="en-US" sz="2000" b="1" i="0" u="none" strike="noStrike" cap="none">
+              <a:rPr lang="en-US" sz="2000" b="1" i="0" u="none" strike="noStrike" cap="none" dirty="0">
                 <a:solidFill>
                   <a:srgbClr val="A5A5A5"/>
                 </a:solidFill>
@@ -30029,7 +30703,7 @@
               <a:t>new</a:t>
             </a:r>
             <a:r>
-              <a:rPr lang="en-US" sz="2000" b="0" i="0" u="none" strike="noStrike" cap="none">
+              <a:rPr lang="en-US" sz="2000" b="0" i="0" u="none" strike="noStrike" cap="none" dirty="0">
                 <a:solidFill>
                   <a:srgbClr val="D8D8D8"/>
                 </a:solidFill>
@@ -30040,7 +30714,7 @@
               </a:rPr>
               <a:t> operator is used to create new objects </a:t>
             </a:r>
-            <a:endParaRPr/>
+            <a:endParaRPr dirty="0"/>
           </a:p>
           <a:p>
             <a:pPr marL="228600" marR="0" lvl="0" indent="-228600" algn="l" rtl="0">
@@ -30061,7 +30735,7 @@
               <a:buChar char="•"/>
             </a:pPr>
             <a:r>
-              <a:rPr lang="en-US" sz="2000" b="0" i="0" u="none" strike="noStrike" cap="none">
+              <a:rPr lang="en-US" sz="2000" b="0" i="0" u="none" strike="noStrike" cap="none" dirty="0">
                 <a:solidFill>
                   <a:srgbClr val="D8D8D8"/>
                 </a:solidFill>
@@ -30073,7 +30747,7 @@
               <a:t>The </a:t>
             </a:r>
             <a:r>
-              <a:rPr lang="en-US" sz="2000" b="1" i="0" u="none" strike="noStrike" cap="none">
+              <a:rPr lang="en-US" sz="2000" b="1" i="0" u="none" strike="noStrike" cap="none" dirty="0" err="1">
                 <a:solidFill>
                   <a:srgbClr val="A5A5A5"/>
                 </a:solidFill>
@@ -30085,7 +30759,7 @@
               <a:t>typeof</a:t>
             </a:r>
             <a:r>
-              <a:rPr lang="en-US" sz="2000" b="0" i="0" u="none" strike="noStrike" cap="none">
+              <a:rPr lang="en-US" sz="2000" b="0" i="0" u="none" strike="noStrike" cap="none" dirty="0">
                 <a:solidFill>
                   <a:srgbClr val="D8D8D8"/>
                 </a:solidFill>
@@ -30097,7 +30771,7 @@
               <a:t> operator returns </a:t>
             </a:r>
             <a:r>
-              <a:rPr lang="en-US" sz="2000" b="1" i="0" u="none" strike="noStrike" cap="none">
+              <a:rPr lang="en-US" sz="2000" b="1" i="0" u="none" strike="noStrike" cap="none" dirty="0" err="1">
                 <a:solidFill>
                   <a:srgbClr val="A5A5A5"/>
                 </a:solidFill>
@@ -30109,7 +30783,7 @@
               <a:t>System.Type</a:t>
             </a:r>
             <a:r>
-              <a:rPr lang="en-US" sz="2000" b="0" i="0" u="none" strike="noStrike" cap="none">
+              <a:rPr lang="en-US" sz="2000" b="0" i="0" u="none" strike="noStrike" cap="none" dirty="0">
                 <a:solidFill>
                   <a:srgbClr val="D8D8D8"/>
                 </a:solidFill>
@@ -30121,7 +30795,7 @@
               <a:t> object (the reflection of a type), e.g. </a:t>
             </a:r>
             <a:r>
-              <a:rPr lang="en-US" sz="2000" b="1" i="0" u="none" strike="noStrike" cap="none">
+              <a:rPr lang="en-US" sz="2000" b="1" i="0" u="none" strike="noStrike" cap="none" dirty="0" err="1">
                 <a:solidFill>
                   <a:srgbClr val="A5A5A5"/>
                 </a:solidFill>
@@ -30130,9 +30804,21 @@
                 <a:cs typeface="Consolas"/>
                 <a:sym typeface="Consolas"/>
               </a:rPr>
-              <a:t>typeof(int)</a:t>
-            </a:r>
-            <a:endParaRPr/>
+              <a:t>typeof</a:t>
+            </a:r>
+            <a:r>
+              <a:rPr lang="en-US" sz="2000" b="1" i="0" u="none" strike="noStrike" cap="none" dirty="0">
+                <a:solidFill>
+                  <a:srgbClr val="A5A5A5"/>
+                </a:solidFill>
+                <a:latin typeface="Consolas"/>
+                <a:ea typeface="Consolas"/>
+                <a:cs typeface="Consolas"/>
+                <a:sym typeface="Consolas"/>
+              </a:rPr>
+              <a:t>(int)</a:t>
+            </a:r>
+            <a:endParaRPr dirty="0"/>
           </a:p>
           <a:p>
             <a:pPr marL="228600" marR="0" lvl="0" indent="-228600" algn="l" rtl="0">
@@ -30153,7 +30839,7 @@
               <a:buChar char="•"/>
             </a:pPr>
             <a:r>
-              <a:rPr lang="en-US" sz="2000" b="0" i="0" u="none" strike="noStrike" cap="none">
+              <a:rPr lang="en-US" sz="2000" b="0" i="0" u="none" strike="noStrike" cap="none" dirty="0">
                 <a:solidFill>
                   <a:srgbClr val="D8D8D8"/>
                 </a:solidFill>
@@ -30165,7 +30851,7 @@
               <a:t>The </a:t>
             </a:r>
             <a:r>
-              <a:rPr lang="en-US" sz="2000" b="1" i="0" u="none" strike="noStrike" cap="none">
+              <a:rPr lang="en-US" sz="2000" b="1" i="0" u="none" strike="noStrike" cap="none" dirty="0">
                 <a:solidFill>
                   <a:srgbClr val="A5A5A5"/>
                 </a:solidFill>
@@ -30177,7 +30863,7 @@
               <a:t>is</a:t>
             </a:r>
             <a:r>
-              <a:rPr lang="en-US" sz="2000" b="0" i="0" u="none" strike="noStrike" cap="none">
+              <a:rPr lang="en-US" sz="2000" b="0" i="0" u="none" strike="noStrike" cap="none" dirty="0">
                 <a:solidFill>
                   <a:srgbClr val="D8D8D8"/>
                 </a:solidFill>
@@ -30189,7 +30875,7 @@
               <a:t> operator checks if an object is compatible with given type, e.g. </a:t>
             </a:r>
             <a:r>
-              <a:rPr lang="en-US" sz="2000" b="1" i="0" u="none" strike="noStrike" cap="none">
+              <a:rPr lang="en-US" sz="2000" b="1" i="0" u="none" strike="noStrike" cap="none" dirty="0">
                 <a:solidFill>
                   <a:srgbClr val="A5A5A5"/>
                 </a:solidFill>
@@ -30201,7 +30887,7 @@
               <a:t>5</a:t>
             </a:r>
             <a:r>
-              <a:rPr lang="en-US" sz="2000" b="0" i="0" u="none" strike="noStrike" cap="none">
+              <a:rPr lang="en-US" sz="2000" b="0" i="0" u="none" strike="noStrike" cap="none" dirty="0">
                 <a:solidFill>
                   <a:srgbClr val="D8D8D8"/>
                 </a:solidFill>
@@ -30213,7 +30899,7 @@
               <a:t> </a:t>
             </a:r>
             <a:r>
-              <a:rPr lang="en-US" sz="2000" b="1" i="0" u="none" strike="noStrike" cap="none">
+              <a:rPr lang="en-US" sz="2000" b="1" i="0" u="none" strike="noStrike" cap="none" dirty="0">
                 <a:solidFill>
                   <a:srgbClr val="A5A5A5"/>
                 </a:solidFill>
@@ -30225,7 +30911,7 @@
               <a:t>is</a:t>
             </a:r>
             <a:r>
-              <a:rPr lang="en-US" sz="2000" b="0" i="0" u="none" strike="noStrike" cap="none">
+              <a:rPr lang="en-US" sz="2000" b="0" i="0" u="none" strike="noStrike" cap="none" dirty="0">
                 <a:solidFill>
                   <a:srgbClr val="D8D8D8"/>
                 </a:solidFill>
@@ -30237,7 +30923,7 @@
               <a:t> </a:t>
             </a:r>
             <a:r>
-              <a:rPr lang="en-US" sz="2000" b="1" i="0" u="none" strike="noStrike" cap="none">
+              <a:rPr lang="en-US" sz="2000" b="1" i="0" u="none" strike="noStrike" cap="none" dirty="0">
                 <a:solidFill>
                   <a:srgbClr val="A5A5A5"/>
                 </a:solidFill>
@@ -30249,7 +30935,7 @@
               <a:t>int</a:t>
             </a:r>
             <a:r>
-              <a:rPr lang="en-US" sz="2000" b="0" i="0" u="none" strike="noStrike" cap="none">
+              <a:rPr lang="en-US" sz="2000" b="0" i="0" u="none" strike="noStrike" cap="none" dirty="0">
                 <a:solidFill>
                   <a:srgbClr val="D8D8D8"/>
                 </a:solidFill>
@@ -30261,7 +30947,7 @@
               <a:t> → </a:t>
             </a:r>
             <a:r>
-              <a:rPr lang="en-US" sz="2000" b="1" i="0" u="none" strike="noStrike" cap="none">
+              <a:rPr lang="en-US" sz="2000" b="1" i="0" u="none" strike="noStrike" cap="none" dirty="0">
                 <a:solidFill>
                   <a:srgbClr val="A5A5A5"/>
                 </a:solidFill>
@@ -30273,7 +30959,7 @@
               <a:t>true</a:t>
             </a:r>
             <a:r>
-              <a:rPr lang="en-US" sz="2000" b="0" i="0" u="none" strike="noStrike" cap="none">
+              <a:rPr lang="en-US" sz="2000" b="0" i="0" u="none" strike="noStrike" cap="none" dirty="0">
                 <a:solidFill>
                   <a:srgbClr val="D8D8D8"/>
                 </a:solidFill>
@@ -30285,7 +30971,7 @@
               <a:t>; </a:t>
             </a:r>
             <a:r>
-              <a:rPr lang="en-US" sz="2000" b="1" i="0" u="none" strike="noStrike" cap="none">
+              <a:rPr lang="en-US" sz="2000" b="1" i="0" u="none" strike="noStrike" cap="none" dirty="0">
                 <a:solidFill>
                   <a:srgbClr val="A5A5A5"/>
                 </a:solidFill>
@@ -30297,7 +30983,7 @@
               <a:t>3.14</a:t>
             </a:r>
             <a:r>
-              <a:rPr lang="en-US" sz="2000" b="0" i="0" u="none" strike="noStrike" cap="none">
+              <a:rPr lang="en-US" sz="2000" b="0" i="0" u="none" strike="noStrike" cap="none" dirty="0">
                 <a:solidFill>
                   <a:srgbClr val="D8D8D8"/>
                 </a:solidFill>
@@ -30309,7 +30995,7 @@
               <a:t> </a:t>
             </a:r>
             <a:r>
-              <a:rPr lang="en-US" sz="2000" b="1" i="0" u="none" strike="noStrike" cap="none">
+              <a:rPr lang="en-US" sz="2000" b="1" i="0" u="none" strike="noStrike" cap="none" dirty="0">
                 <a:solidFill>
                   <a:srgbClr val="A5A5A5"/>
                 </a:solidFill>
@@ -30321,7 +31007,7 @@
               <a:t>is</a:t>
             </a:r>
             <a:r>
-              <a:rPr lang="en-US" sz="2000" b="0" i="0" u="none" strike="noStrike" cap="none">
+              <a:rPr lang="en-US" sz="2000" b="0" i="0" u="none" strike="noStrike" cap="none" dirty="0">
                 <a:solidFill>
                   <a:srgbClr val="D8D8D8"/>
                 </a:solidFill>
@@ -30333,7 +31019,7 @@
               <a:t> </a:t>
             </a:r>
             <a:r>
-              <a:rPr lang="en-US" sz="2000" b="1" i="0" u="none" strike="noStrike" cap="none">
+              <a:rPr lang="en-US" sz="2000" b="1" i="0" u="none" strike="noStrike" cap="none" dirty="0">
                 <a:solidFill>
                   <a:srgbClr val="A5A5A5"/>
                 </a:solidFill>
@@ -30345,7 +31031,7 @@
               <a:t>float</a:t>
             </a:r>
             <a:r>
-              <a:rPr lang="en-US" sz="2000" b="0" i="0" u="none" strike="noStrike" cap="none">
+              <a:rPr lang="en-US" sz="2000" b="0" i="0" u="none" strike="noStrike" cap="none" dirty="0">
                 <a:solidFill>
                   <a:srgbClr val="D8D8D8"/>
                 </a:solidFill>
@@ -30357,7 +31043,7 @@
               <a:t> → </a:t>
             </a:r>
             <a:r>
-              <a:rPr lang="en-US" sz="2000" b="1" i="0" u="none" strike="noStrike" cap="none">
+              <a:rPr lang="en-US" sz="2000" b="1" i="0" u="none" strike="noStrike" cap="none" dirty="0">
                 <a:solidFill>
                   <a:srgbClr val="A5A5A5"/>
                 </a:solidFill>
@@ -30368,7 +31054,7 @@
               </a:rPr>
               <a:t>false</a:t>
             </a:r>
-            <a:endParaRPr sz="2000" b="1" i="0" u="none" strike="noStrike" cap="none">
+            <a:endParaRPr sz="2000" b="1" i="0" u="none" strike="noStrike" cap="none" dirty="0">
               <a:solidFill>
                 <a:srgbClr val="A5A5A5"/>
               </a:solidFill>
@@ -30450,7 +31136,7 @@
         </p:nvSpPr>
         <p:spPr>
           <a:xfrm>
-            <a:off x="1517606" y="2132856"/>
+            <a:off x="1512506" y="2108793"/>
             <a:ext cx="9133800" cy="566479"/>
           </a:xfrm>
           <a:prstGeom prst="rect">
@@ -30490,7 +31176,7 @@
               <a:buNone/>
             </a:pPr>
             <a:r>
-              <a:rPr lang="en-US" sz="2800" b="1" i="0" u="none" strike="noStrike" cap="none">
+              <a:rPr lang="en-US" sz="2800" b="1" i="0" u="none" strike="noStrike" cap="none" dirty="0">
                 <a:solidFill>
                   <a:schemeClr val="lt2"/>
                 </a:solidFill>
@@ -30501,7 +31187,7 @@
               </a:rPr>
               <a:t>b ? x : y</a:t>
             </a:r>
-            <a:endParaRPr sz="2800" b="1" i="0" u="none" strike="noStrike" cap="none">
+            <a:endParaRPr sz="2800" b="1" i="0" u="none" strike="noStrike" cap="none" dirty="0">
               <a:solidFill>
                 <a:schemeClr val="lt2"/>
               </a:solidFill>
@@ -30647,7 +31333,7 @@
               <a:buChar char="•"/>
             </a:pPr>
             <a:r>
-              <a:rPr lang="en-US" sz="2000" b="0" i="0" u="none" strike="noStrike" cap="none">
+              <a:rPr lang="en-US" sz="2000" b="0" i="0" u="none" strike="noStrike" cap="none" dirty="0">
                 <a:solidFill>
                   <a:srgbClr val="D8D8D8"/>
                 </a:solidFill>
@@ -30659,7 +31345,7 @@
               <a:t>Null-coalescing operator </a:t>
             </a:r>
             <a:r>
-              <a:rPr lang="en-US" sz="2000" b="1" i="0" u="none" strike="noStrike" cap="none">
+              <a:rPr lang="en-US" sz="2000" b="1" i="0" u="none" strike="noStrike" cap="none" dirty="0">
                 <a:solidFill>
                   <a:srgbClr val="A5A5A5"/>
                 </a:solidFill>
@@ -30671,7 +31357,7 @@
               <a:t>??</a:t>
             </a:r>
             <a:r>
-              <a:rPr lang="en-US" sz="2000" b="0" i="0" u="none" strike="noStrike" cap="none">
+              <a:rPr lang="en-US" sz="2000" b="0" i="0" u="none" strike="noStrike" cap="none" dirty="0">
                 <a:solidFill>
                   <a:srgbClr val="D8D8D8"/>
                 </a:solidFill>
@@ -30682,7 +31368,7 @@
               </a:rPr>
               <a:t> is used to define a default value for both nullable value types and reference types</a:t>
             </a:r>
-            <a:endParaRPr/>
+            <a:endParaRPr dirty="0"/>
           </a:p>
           <a:p>
             <a:pPr marL="594360" marR="0" lvl="1" indent="-228600" algn="l" rtl="0">
@@ -30703,7 +31389,7 @@
               <a:buChar char="•"/>
             </a:pPr>
             <a:r>
-              <a:rPr lang="en-US" sz="1800" b="0" i="0" u="none" strike="noStrike" cap="none">
+              <a:rPr lang="en-US" sz="1800" b="0" i="0" u="none" strike="noStrike" cap="none" dirty="0">
                 <a:solidFill>
                   <a:srgbClr val="D8D8D8"/>
                 </a:solidFill>
@@ -30715,7 +31401,7 @@
               <a:t>It returns the left-hand operand if it is not </a:t>
             </a:r>
             <a:r>
-              <a:rPr lang="en-US" sz="1800" b="1" i="0" u="none" strike="noStrike" cap="none">
+              <a:rPr lang="en-US" sz="1800" b="1" i="0" u="none" strike="noStrike" cap="none" dirty="0">
                 <a:solidFill>
                   <a:srgbClr val="A5A5A5"/>
                 </a:solidFill>
@@ -30726,7 +31412,7 @@
               </a:rPr>
               <a:t>null</a:t>
             </a:r>
-            <a:endParaRPr/>
+            <a:endParaRPr dirty="0"/>
           </a:p>
           <a:p>
             <a:pPr marL="914400" marR="0" lvl="2" indent="-228600" algn="l" rtl="0">
@@ -30747,7 +31433,7 @@
               <a:buChar char="•"/>
             </a:pPr>
             <a:r>
-              <a:rPr lang="en-US" sz="1600" b="0" i="0" u="none" strike="noStrike" cap="none">
+              <a:rPr lang="en-US" sz="1600" b="0" i="0" u="none" strike="noStrike" cap="none" dirty="0">
                 <a:solidFill>
                   <a:srgbClr val="D8D8D8"/>
                 </a:solidFill>
@@ -30758,7 +31444,7 @@
               </a:rPr>
               <a:t>Otherwise it returns the right-hand operand</a:t>
             </a:r>
-            <a:endParaRPr/>
+            <a:endParaRPr dirty="0"/>
           </a:p>
         </p:txBody>
       </p:sp>
@@ -30860,7 +31546,7 @@
               <a:buNone/>
             </a:pPr>
             <a:r>
-              <a:rPr lang="en-US" sz="1800" b="1" i="0" u="none" strike="noStrike" cap="none">
+              <a:rPr lang="en-US" sz="1800" b="1" i="0" u="none" strike="noStrike" cap="none" dirty="0">
                 <a:solidFill>
                   <a:schemeClr val="lt2"/>
                 </a:solidFill>
@@ -30871,7 +31557,7 @@
               </a:rPr>
               <a:t>int? x = null;</a:t>
             </a:r>
-            <a:endParaRPr/>
+            <a:endParaRPr dirty="0"/>
           </a:p>
           <a:p>
             <a:pPr marL="0" marR="0" lvl="0" indent="0" algn="l" rtl="0">
@@ -30887,7 +31573,7 @@
               <a:buNone/>
             </a:pPr>
             <a:r>
-              <a:rPr lang="en-US" sz="1800" b="1" i="0" u="none" strike="noStrike" cap="none">
+              <a:rPr lang="en-US" sz="1800" b="1" i="0" u="none" strike="noStrike" cap="none" dirty="0">
                 <a:solidFill>
                   <a:schemeClr val="lt2"/>
                 </a:solidFill>
@@ -30898,7 +31584,7 @@
               </a:rPr>
               <a:t>int y = x ?? -1; </a:t>
             </a:r>
-            <a:endParaRPr/>
+            <a:endParaRPr dirty="0"/>
           </a:p>
         </p:txBody>
       </p:sp>
@@ -31621,7 +32307,7 @@
         <p:spPr>
           <a:xfrm>
             <a:off x="1524000" y="3970044"/>
-            <a:ext cx="8716198" cy="964367"/>
+            <a:ext cx="8716198" cy="1263693"/>
           </a:xfrm>
           <a:prstGeom prst="rect">
             <a:avLst/>
@@ -31660,7 +32346,7 @@
               <a:buNone/>
             </a:pPr>
             <a:r>
-              <a:rPr lang="en-US" sz="2600" b="1" i="0" u="none" strike="noStrike" cap="none">
+              <a:rPr lang="en-US" sz="2600" b="1" i="0" u="none" strike="noStrike" cap="none" dirty="0">
                 <a:solidFill>
                   <a:schemeClr val="lt2"/>
                 </a:solidFill>
@@ -31669,9 +32355,33 @@
                 <a:cs typeface="Consolas"/>
                 <a:sym typeface="Consolas"/>
               </a:rPr>
-              <a:t>int i = 5;</a:t>
-            </a:r>
-            <a:endParaRPr/>
+              <a:t>int </a:t>
+            </a:r>
+            <a:r>
+              <a:rPr lang="en-US" sz="2600" b="1" i="0" u="none" strike="noStrike" cap="none" dirty="0" err="1">
+                <a:solidFill>
+                  <a:schemeClr val="lt2"/>
+                </a:solidFill>
+                <a:latin typeface="Consolas"/>
+                <a:ea typeface="Consolas"/>
+                <a:cs typeface="Consolas"/>
+                <a:sym typeface="Consolas"/>
+              </a:rPr>
+              <a:t>i</a:t>
+            </a:r>
+            <a:r>
+              <a:rPr lang="en-US" sz="2600" b="1" i="0" u="none" strike="noStrike" cap="none" dirty="0">
+                <a:solidFill>
+                  <a:schemeClr val="lt2"/>
+                </a:solidFill>
+                <a:latin typeface="Consolas"/>
+                <a:ea typeface="Consolas"/>
+                <a:cs typeface="Consolas"/>
+                <a:sym typeface="Consolas"/>
+              </a:rPr>
+              <a:t> = 5;</a:t>
+            </a:r>
+            <a:endParaRPr dirty="0"/>
           </a:p>
           <a:p>
             <a:pPr marL="0" marR="0" lvl="0" indent="0" algn="l" rtl="0">
@@ -31687,7 +32397,7 @@
               <a:buNone/>
             </a:pPr>
             <a:r>
-              <a:rPr lang="en-US" sz="2600" b="1" i="0" u="none" strike="noStrike" cap="none">
+              <a:rPr lang="en-US" sz="2600" b="1" i="0" u="none" strike="noStrike" cap="none" dirty="0">
                 <a:solidFill>
                   <a:schemeClr val="lt2"/>
                 </a:solidFill>
@@ -31696,9 +32406,33 @@
                 <a:cs typeface="Consolas"/>
                 <a:sym typeface="Consolas"/>
               </a:rPr>
-              <a:t>long l = i; // implicit type conversion</a:t>
-            </a:r>
-            <a:endParaRPr/>
+              <a:t>long l = </a:t>
+            </a:r>
+            <a:r>
+              <a:rPr lang="en-US" sz="2600" b="1" i="0" u="none" strike="noStrike" cap="none" dirty="0" err="1">
+                <a:solidFill>
+                  <a:schemeClr val="lt2"/>
+                </a:solidFill>
+                <a:latin typeface="Consolas"/>
+                <a:ea typeface="Consolas"/>
+                <a:cs typeface="Consolas"/>
+                <a:sym typeface="Consolas"/>
+              </a:rPr>
+              <a:t>i</a:t>
+            </a:r>
+            <a:r>
+              <a:rPr lang="en-US" sz="2600" b="1" i="0" u="none" strike="noStrike" cap="none" dirty="0">
+                <a:solidFill>
+                  <a:schemeClr val="lt2"/>
+                </a:solidFill>
+                <a:latin typeface="Consolas"/>
+                <a:ea typeface="Consolas"/>
+                <a:cs typeface="Consolas"/>
+                <a:sym typeface="Consolas"/>
+              </a:rPr>
+              <a:t>; // implicit type conversion</a:t>
+            </a:r>
+            <a:endParaRPr dirty="0"/>
           </a:p>
         </p:txBody>
       </p:sp>
@@ -31774,7 +32508,7 @@
               <a:buChar char="•"/>
             </a:pPr>
             <a:r>
-              <a:rPr lang="en-US" sz="2000" b="0" i="0" u="none" strike="noStrike" cap="none">
+              <a:rPr lang="en-US" sz="2000" b="0" i="0" u="none" strike="noStrike" cap="none" dirty="0">
                 <a:solidFill>
                   <a:srgbClr val="A5A5A5"/>
                 </a:solidFill>
@@ -31785,7 +32519,7 @@
               </a:rPr>
               <a:t>Explicit type conversion</a:t>
             </a:r>
-            <a:endParaRPr/>
+            <a:endParaRPr dirty="0"/>
           </a:p>
           <a:p>
             <a:pPr marL="594360" marR="0" lvl="1" indent="-228600" algn="l" rtl="0">
@@ -31806,7 +32540,7 @@
               <a:buChar char="•"/>
             </a:pPr>
             <a:r>
-              <a:rPr lang="en-US" sz="1800" b="0" i="0" u="none" strike="noStrike" cap="none">
+              <a:rPr lang="en-US" sz="1800" b="0" i="0" u="none" strike="noStrike" cap="none" dirty="0">
                 <a:solidFill>
                   <a:srgbClr val="D8D8D8"/>
                 </a:solidFill>
@@ -31817,7 +32551,7 @@
               </a:rPr>
               <a:t>Manual conversion of a value of one data type to a value of another data type</a:t>
             </a:r>
-            <a:endParaRPr/>
+            <a:endParaRPr dirty="0"/>
           </a:p>
           <a:p>
             <a:pPr marL="594360" marR="0" lvl="1" indent="-228600" algn="l" rtl="0">
@@ -31838,7 +32572,7 @@
               <a:buChar char="•"/>
             </a:pPr>
             <a:r>
-              <a:rPr lang="en-US" sz="1800" b="0" i="0" u="none" strike="noStrike" cap="none">
+              <a:rPr lang="en-US" sz="1800" b="0" i="0" u="none" strike="noStrike" cap="none" dirty="0">
                 <a:solidFill>
                   <a:srgbClr val="D8D8D8"/>
                 </a:solidFill>
@@ -31850,7 +32584,7 @@
               <a:t>Allowed only explicitly by </a:t>
             </a:r>
             <a:r>
-              <a:rPr lang="en-US" sz="1800" b="1" i="0" u="none" strike="noStrike" cap="none">
+              <a:rPr lang="en-US" sz="1800" b="1" i="0" u="none" strike="noStrike" cap="none" dirty="0">
                 <a:solidFill>
                   <a:srgbClr val="A5A5A5"/>
                 </a:solidFill>
@@ -31862,7 +32596,7 @@
               <a:t>(type)</a:t>
             </a:r>
             <a:r>
-              <a:rPr lang="en-US" sz="1800" b="0" i="0" u="none" strike="noStrike" cap="none">
+              <a:rPr lang="en-US" sz="1800" b="0" i="0" u="none" strike="noStrike" cap="none" dirty="0">
                 <a:solidFill>
                   <a:srgbClr val="D8D8D8"/>
                 </a:solidFill>
@@ -31873,7 +32607,7 @@
               </a:rPr>
               <a:t> operator</a:t>
             </a:r>
-            <a:endParaRPr/>
+            <a:endParaRPr dirty="0"/>
           </a:p>
           <a:p>
             <a:pPr marL="594360" marR="0" lvl="1" indent="-228600" algn="l" rtl="0">
@@ -31894,7 +32628,7 @@
               <a:buChar char="•"/>
             </a:pPr>
             <a:r>
-              <a:rPr lang="en-US" sz="1800" b="0" i="0" u="none" strike="noStrike" cap="none">
+              <a:rPr lang="en-US" sz="1800" b="0" i="0" u="none" strike="noStrike" cap="none" dirty="0">
                 <a:solidFill>
                   <a:srgbClr val="D8D8D8"/>
                 </a:solidFill>
@@ -31905,7 +32639,7 @@
               </a:rPr>
               <a:t>Required when there is a possibility of loss of data or precision</a:t>
             </a:r>
-            <a:endParaRPr/>
+            <a:endParaRPr dirty="0"/>
           </a:p>
           <a:p>
             <a:pPr marL="594360" marR="0" lvl="1" indent="-228600" algn="l" rtl="0">
@@ -31926,7 +32660,7 @@
               <a:buChar char="•"/>
             </a:pPr>
             <a:r>
-              <a:rPr lang="en-US" sz="1800" b="0" i="0" u="none" strike="noStrike" cap="none">
+              <a:rPr lang="en-US" sz="1800" b="0" i="0" u="none" strike="noStrike" cap="none" dirty="0">
                 <a:solidFill>
                   <a:srgbClr val="D8D8D8"/>
                 </a:solidFill>
@@ -31937,7 +32671,7 @@
               </a:rPr>
               <a:t>Example:</a:t>
             </a:r>
-            <a:endParaRPr/>
+            <a:endParaRPr dirty="0"/>
           </a:p>
         </p:txBody>
       </p:sp>
@@ -32012,7 +32746,7 @@
         <p:spPr>
           <a:xfrm>
             <a:off x="1546379" y="3983297"/>
-            <a:ext cx="8783998" cy="964367"/>
+            <a:ext cx="8783998" cy="1238408"/>
           </a:xfrm>
           <a:prstGeom prst="rect">
             <a:avLst/>
@@ -32051,7 +32785,7 @@
               <a:buNone/>
             </a:pPr>
             <a:r>
-              <a:rPr lang="en-US" sz="2600" b="1" i="0" u="none" strike="noStrike" cap="none">
+              <a:rPr lang="en-US" sz="2600" b="1" i="0" u="none" strike="noStrike" cap="none" dirty="0">
                 <a:solidFill>
                   <a:schemeClr val="lt2"/>
                 </a:solidFill>
@@ -32062,7 +32796,7 @@
               </a:rPr>
               <a:t>long l = 5;</a:t>
             </a:r>
-            <a:endParaRPr/>
+            <a:endParaRPr dirty="0"/>
           </a:p>
           <a:p>
             <a:pPr marL="0" marR="0" lvl="0" indent="0" algn="l" rtl="0">
@@ -32078,7 +32812,7 @@
               <a:buNone/>
             </a:pPr>
             <a:r>
-              <a:rPr lang="en-US" sz="2600" b="1" i="0" u="none" strike="noStrike" cap="none">
+              <a:rPr lang="en-US" sz="2600" b="1" i="0" u="none" strike="noStrike" cap="none" dirty="0">
                 <a:solidFill>
                   <a:schemeClr val="lt2"/>
                 </a:solidFill>
@@ -32087,9 +32821,33 @@
                 <a:cs typeface="Consolas"/>
                 <a:sym typeface="Consolas"/>
               </a:rPr>
-              <a:t>int i = (int) l; // explicit type conversion</a:t>
-            </a:r>
-            <a:endParaRPr/>
+              <a:t>int </a:t>
+            </a:r>
+            <a:r>
+              <a:rPr lang="en-US" sz="2600" b="1" i="0" u="none" strike="noStrike" cap="none" dirty="0" err="1">
+                <a:solidFill>
+                  <a:schemeClr val="lt2"/>
+                </a:solidFill>
+                <a:latin typeface="Consolas"/>
+                <a:ea typeface="Consolas"/>
+                <a:cs typeface="Consolas"/>
+                <a:sym typeface="Consolas"/>
+              </a:rPr>
+              <a:t>i</a:t>
+            </a:r>
+            <a:r>
+              <a:rPr lang="en-US" sz="2600" b="1" i="0" u="none" strike="noStrike" cap="none" dirty="0">
+                <a:solidFill>
+                  <a:schemeClr val="lt2"/>
+                </a:solidFill>
+                <a:latin typeface="Consolas"/>
+                <a:ea typeface="Consolas"/>
+                <a:cs typeface="Consolas"/>
+                <a:sym typeface="Consolas"/>
+              </a:rPr>
+              <a:t> = (int) l; // explicit type conversion</a:t>
+            </a:r>
+            <a:endParaRPr dirty="0"/>
           </a:p>
         </p:txBody>
       </p:sp>
@@ -32574,7 +33332,7 @@
               <a:buNone/>
             </a:pPr>
             <a:r>
-              <a:rPr lang="en-US" sz="1800" b="1" i="0" u="none" strike="noStrike" cap="none">
+              <a:rPr lang="en-US" sz="1800" b="1" i="0" u="none" strike="noStrike" cap="none" dirty="0">
                 <a:solidFill>
                   <a:schemeClr val="lt2"/>
                 </a:solidFill>
@@ -32583,9 +33341,33 @@
                 <a:cs typeface="Consolas"/>
                 <a:sym typeface="Consolas"/>
               </a:rPr>
-              <a:t>float heightInMeters = 1.74f; // Explicit conversion</a:t>
-            </a:r>
-            <a:endParaRPr/>
+              <a:t>float </a:t>
+            </a:r>
+            <a:r>
+              <a:rPr lang="en-US" sz="1800" b="1" i="0" u="none" strike="noStrike" cap="none" dirty="0" err="1">
+                <a:solidFill>
+                  <a:schemeClr val="lt2"/>
+                </a:solidFill>
+                <a:latin typeface="Consolas"/>
+                <a:ea typeface="Consolas"/>
+                <a:cs typeface="Consolas"/>
+                <a:sym typeface="Consolas"/>
+              </a:rPr>
+              <a:t>heightInMeters</a:t>
+            </a:r>
+            <a:r>
+              <a:rPr lang="en-US" sz="1800" b="1" i="0" u="none" strike="noStrike" cap="none" dirty="0">
+                <a:solidFill>
+                  <a:schemeClr val="lt2"/>
+                </a:solidFill>
+                <a:latin typeface="Consolas"/>
+                <a:ea typeface="Consolas"/>
+                <a:cs typeface="Consolas"/>
+                <a:sym typeface="Consolas"/>
+              </a:rPr>
+              <a:t> = 1.74f; // Explicit conversion</a:t>
+            </a:r>
+            <a:endParaRPr dirty="0"/>
           </a:p>
           <a:p>
             <a:pPr marL="0" marR="0" lvl="0" indent="0" algn="l" rtl="0">
@@ -32601,7 +33383,7 @@
               <a:buNone/>
             </a:pPr>
             <a:r>
-              <a:rPr lang="en-US" sz="1800" b="1" i="0" u="none" strike="noStrike" cap="none">
+              <a:rPr lang="en-US" sz="1800" b="1" i="0" u="none" strike="noStrike" cap="none" dirty="0">
                 <a:solidFill>
                   <a:schemeClr val="lt2"/>
                 </a:solidFill>
@@ -32610,9 +33392,57 @@
                 <a:cs typeface="Consolas"/>
                 <a:sym typeface="Consolas"/>
               </a:rPr>
-              <a:t>double maxHeight = heightInMeters; // Implicit</a:t>
-            </a:r>
-            <a:endParaRPr/>
+              <a:t>double </a:t>
+            </a:r>
+            <a:r>
+              <a:rPr lang="en-US" sz="1800" b="1" i="0" u="none" strike="noStrike" cap="none" dirty="0" err="1">
+                <a:solidFill>
+                  <a:schemeClr val="lt2"/>
+                </a:solidFill>
+                <a:latin typeface="Consolas"/>
+                <a:ea typeface="Consolas"/>
+                <a:cs typeface="Consolas"/>
+                <a:sym typeface="Consolas"/>
+              </a:rPr>
+              <a:t>maxHeight</a:t>
+            </a:r>
+            <a:r>
+              <a:rPr lang="en-US" sz="1800" b="1" i="0" u="none" strike="noStrike" cap="none" dirty="0">
+                <a:solidFill>
+                  <a:schemeClr val="lt2"/>
+                </a:solidFill>
+                <a:latin typeface="Consolas"/>
+                <a:ea typeface="Consolas"/>
+                <a:cs typeface="Consolas"/>
+                <a:sym typeface="Consolas"/>
+              </a:rPr>
+              <a:t> = </a:t>
+            </a:r>
+            <a:r>
+              <a:rPr lang="en-US" sz="1800" b="1" i="0" u="none" strike="noStrike" cap="none" dirty="0" err="1">
+                <a:solidFill>
+                  <a:schemeClr val="lt2"/>
+                </a:solidFill>
+                <a:latin typeface="Consolas"/>
+                <a:ea typeface="Consolas"/>
+                <a:cs typeface="Consolas"/>
+                <a:sym typeface="Consolas"/>
+              </a:rPr>
+              <a:t>heightInMeters</a:t>
+            </a:r>
+            <a:r>
+              <a:rPr lang="en-US" sz="1800" b="1" i="0" u="none" strike="noStrike" cap="none" dirty="0">
+                <a:solidFill>
+                  <a:schemeClr val="lt2"/>
+                </a:solidFill>
+                <a:latin typeface="Consolas"/>
+                <a:ea typeface="Consolas"/>
+                <a:cs typeface="Consolas"/>
+                <a:sym typeface="Consolas"/>
+              </a:rPr>
+              <a:t>; // Implicit</a:t>
+            </a:r>
+            <a:endParaRPr dirty="0"/>
           </a:p>
           <a:p>
             <a:pPr marL="0" marR="0" lvl="0" indent="0" algn="l" rtl="0">
@@ -32628,7 +33458,7 @@
               <a:buNone/>
             </a:pPr>
             <a:r>
-              <a:rPr lang="en-US" sz="1800" b="1" i="0" u="none" strike="noStrike" cap="none">
+              <a:rPr lang="en-US" sz="1800" b="1" i="0" u="none" strike="noStrike" cap="none" dirty="0">
                 <a:solidFill>
                   <a:schemeClr val="lt2"/>
                 </a:solidFill>
@@ -32637,9 +33467,57 @@
                 <a:cs typeface="Consolas"/>
                 <a:sym typeface="Consolas"/>
               </a:rPr>
-              <a:t>double minHeight = (double) heightInMeters; // Explicit</a:t>
-            </a:r>
-            <a:endParaRPr/>
+              <a:t>double </a:t>
+            </a:r>
+            <a:r>
+              <a:rPr lang="en-US" sz="1800" b="1" i="0" u="none" strike="noStrike" cap="none" dirty="0" err="1">
+                <a:solidFill>
+                  <a:schemeClr val="lt2"/>
+                </a:solidFill>
+                <a:latin typeface="Consolas"/>
+                <a:ea typeface="Consolas"/>
+                <a:cs typeface="Consolas"/>
+                <a:sym typeface="Consolas"/>
+              </a:rPr>
+              <a:t>minHeight</a:t>
+            </a:r>
+            <a:r>
+              <a:rPr lang="en-US" sz="1800" b="1" i="0" u="none" strike="noStrike" cap="none" dirty="0">
+                <a:solidFill>
+                  <a:schemeClr val="lt2"/>
+                </a:solidFill>
+                <a:latin typeface="Consolas"/>
+                <a:ea typeface="Consolas"/>
+                <a:cs typeface="Consolas"/>
+                <a:sym typeface="Consolas"/>
+              </a:rPr>
+              <a:t> = (double) </a:t>
+            </a:r>
+            <a:r>
+              <a:rPr lang="en-US" sz="1800" b="1" i="0" u="none" strike="noStrike" cap="none" dirty="0" err="1">
+                <a:solidFill>
+                  <a:schemeClr val="lt2"/>
+                </a:solidFill>
+                <a:latin typeface="Consolas"/>
+                <a:ea typeface="Consolas"/>
+                <a:cs typeface="Consolas"/>
+                <a:sym typeface="Consolas"/>
+              </a:rPr>
+              <a:t>heightInMeters</a:t>
+            </a:r>
+            <a:r>
+              <a:rPr lang="en-US" sz="1800" b="1" i="0" u="none" strike="noStrike" cap="none" dirty="0">
+                <a:solidFill>
+                  <a:schemeClr val="lt2"/>
+                </a:solidFill>
+                <a:latin typeface="Consolas"/>
+                <a:ea typeface="Consolas"/>
+                <a:cs typeface="Consolas"/>
+                <a:sym typeface="Consolas"/>
+              </a:rPr>
+              <a:t>; // Explicit</a:t>
+            </a:r>
+            <a:endParaRPr dirty="0"/>
           </a:p>
           <a:p>
             <a:pPr marL="0" marR="0" lvl="0" indent="0" algn="l" rtl="0">
@@ -32655,7 +33533,7 @@
               <a:buNone/>
             </a:pPr>
             <a:r>
-              <a:rPr lang="en-US" sz="1800" b="1" i="0" u="none" strike="noStrike" cap="none">
+              <a:rPr lang="en-US" sz="1800" b="1" i="0" u="none" strike="noStrike" cap="none" dirty="0">
                 <a:solidFill>
                   <a:schemeClr val="lt2"/>
                 </a:solidFill>
@@ -32664,9 +33542,57 @@
                 <a:cs typeface="Consolas"/>
                 <a:sym typeface="Consolas"/>
               </a:rPr>
-              <a:t>float actualHeight = (float) maxHeight; // Explicit</a:t>
-            </a:r>
-            <a:endParaRPr/>
+              <a:t>float </a:t>
+            </a:r>
+            <a:r>
+              <a:rPr lang="en-US" sz="1800" b="1" i="0" u="none" strike="noStrike" cap="none" dirty="0" err="1">
+                <a:solidFill>
+                  <a:schemeClr val="lt2"/>
+                </a:solidFill>
+                <a:latin typeface="Consolas"/>
+                <a:ea typeface="Consolas"/>
+                <a:cs typeface="Consolas"/>
+                <a:sym typeface="Consolas"/>
+              </a:rPr>
+              <a:t>actualHeight</a:t>
+            </a:r>
+            <a:r>
+              <a:rPr lang="en-US" sz="1800" b="1" i="0" u="none" strike="noStrike" cap="none" dirty="0">
+                <a:solidFill>
+                  <a:schemeClr val="lt2"/>
+                </a:solidFill>
+                <a:latin typeface="Consolas"/>
+                <a:ea typeface="Consolas"/>
+                <a:cs typeface="Consolas"/>
+                <a:sym typeface="Consolas"/>
+              </a:rPr>
+              <a:t> = (float) </a:t>
+            </a:r>
+            <a:r>
+              <a:rPr lang="en-US" sz="1800" b="1" i="0" u="none" strike="noStrike" cap="none" dirty="0" err="1">
+                <a:solidFill>
+                  <a:schemeClr val="lt2"/>
+                </a:solidFill>
+                <a:latin typeface="Consolas"/>
+                <a:ea typeface="Consolas"/>
+                <a:cs typeface="Consolas"/>
+                <a:sym typeface="Consolas"/>
+              </a:rPr>
+              <a:t>maxHeight</a:t>
+            </a:r>
+            <a:r>
+              <a:rPr lang="en-US" sz="1800" b="1" i="0" u="none" strike="noStrike" cap="none" dirty="0">
+                <a:solidFill>
+                  <a:schemeClr val="lt2"/>
+                </a:solidFill>
+                <a:latin typeface="Consolas"/>
+                <a:ea typeface="Consolas"/>
+                <a:cs typeface="Consolas"/>
+                <a:sym typeface="Consolas"/>
+              </a:rPr>
+              <a:t>; // Explicit</a:t>
+            </a:r>
+            <a:endParaRPr dirty="0"/>
           </a:p>
           <a:p>
             <a:pPr marL="0" marR="0" lvl="0" indent="0" algn="l" rtl="0">
@@ -32682,7 +33608,7 @@
               <a:buNone/>
             </a:pPr>
             <a:r>
-              <a:rPr lang="en-US" sz="1800" b="1" i="0" u="none" strike="noStrike" cap="none">
+              <a:rPr lang="en-US" sz="1800" b="1" i="0" u="none" strike="noStrike" cap="none" dirty="0">
                 <a:solidFill>
                   <a:schemeClr val="lt2"/>
                 </a:solidFill>
@@ -32691,9 +33617,57 @@
                 <a:cs typeface="Consolas"/>
                 <a:sym typeface="Consolas"/>
               </a:rPr>
-              <a:t>float maxHeightFloat = maxHeight; // Compilation error!</a:t>
-            </a:r>
-            <a:endParaRPr/>
+              <a:t>float </a:t>
+            </a:r>
+            <a:r>
+              <a:rPr lang="en-US" sz="1800" b="1" i="0" u="none" strike="noStrike" cap="none" dirty="0" err="1">
+                <a:solidFill>
+                  <a:schemeClr val="lt2"/>
+                </a:solidFill>
+                <a:latin typeface="Consolas"/>
+                <a:ea typeface="Consolas"/>
+                <a:cs typeface="Consolas"/>
+                <a:sym typeface="Consolas"/>
+              </a:rPr>
+              <a:t>maxHeightFloat</a:t>
+            </a:r>
+            <a:r>
+              <a:rPr lang="en-US" sz="1800" b="1" i="0" u="none" strike="noStrike" cap="none" dirty="0">
+                <a:solidFill>
+                  <a:schemeClr val="lt2"/>
+                </a:solidFill>
+                <a:latin typeface="Consolas"/>
+                <a:ea typeface="Consolas"/>
+                <a:cs typeface="Consolas"/>
+                <a:sym typeface="Consolas"/>
+              </a:rPr>
+              <a:t> = </a:t>
+            </a:r>
+            <a:r>
+              <a:rPr lang="en-US" sz="1800" b="1" i="0" u="none" strike="noStrike" cap="none" dirty="0" err="1">
+                <a:solidFill>
+                  <a:schemeClr val="lt2"/>
+                </a:solidFill>
+                <a:latin typeface="Consolas"/>
+                <a:ea typeface="Consolas"/>
+                <a:cs typeface="Consolas"/>
+                <a:sym typeface="Consolas"/>
+              </a:rPr>
+              <a:t>maxHeight</a:t>
+            </a:r>
+            <a:r>
+              <a:rPr lang="en-US" sz="1800" b="1" i="0" u="none" strike="noStrike" cap="none" dirty="0">
+                <a:solidFill>
+                  <a:schemeClr val="lt2"/>
+                </a:solidFill>
+                <a:latin typeface="Consolas"/>
+                <a:ea typeface="Consolas"/>
+                <a:cs typeface="Consolas"/>
+                <a:sym typeface="Consolas"/>
+              </a:rPr>
+              <a:t>; // Compilation error!</a:t>
+            </a:r>
+            <a:endParaRPr dirty="0"/>
           </a:p>
         </p:txBody>
       </p:sp>
@@ -32769,7 +33743,7 @@
               <a:buChar char="•"/>
             </a:pPr>
             <a:r>
-              <a:rPr lang="en-US" sz="2000" b="0" i="0" u="none" strike="noStrike" cap="none">
+              <a:rPr lang="en-US" sz="2000" b="0" i="0" u="none" strike="noStrike" cap="none" dirty="0">
                 <a:solidFill>
                   <a:srgbClr val="D8D8D8"/>
                 </a:solidFill>
@@ -32780,7 +33754,7 @@
               </a:rPr>
               <a:t>Expressions are sequences of operators, literals and variables that are evaluated to some value</a:t>
             </a:r>
-            <a:endParaRPr/>
+            <a:endParaRPr dirty="0"/>
           </a:p>
           <a:p>
             <a:pPr marL="228600" marR="0" lvl="0" indent="-228600" algn="l" rtl="0">
@@ -32801,7 +33775,7 @@
               <a:buChar char="•"/>
             </a:pPr>
             <a:r>
-              <a:rPr lang="en-US" sz="2000" b="0" i="0" u="none" strike="noStrike" cap="none">
+              <a:rPr lang="en-US" sz="2000" b="0" i="0" u="none" strike="noStrike" cap="none" dirty="0">
                 <a:solidFill>
                   <a:srgbClr val="D8D8D8"/>
                 </a:solidFill>
@@ -32812,7 +33786,7 @@
               </a:rPr>
               <a:t>Examples:</a:t>
             </a:r>
-            <a:endParaRPr sz="2000" b="0" i="0" u="none" strike="noStrike" cap="none">
+            <a:endParaRPr sz="2000" b="0" i="0" u="none" strike="noStrike" cap="none" dirty="0">
               <a:solidFill>
                 <a:srgbClr val="D8D8D8"/>
               </a:solidFill>
@@ -32942,7 +33916,7 @@
               <a:buNone/>
             </a:pPr>
             <a:r>
-              <a:rPr lang="en-US" sz="2800" b="1" i="0" u="none" strike="noStrike" cap="none">
+              <a:rPr lang="en-US" sz="2800" b="1" i="0" u="none" strike="noStrike" cap="none" dirty="0">
                 <a:solidFill>
                   <a:schemeClr val="lt2"/>
                 </a:solidFill>
@@ -32953,7 +33927,7 @@
               </a:rPr>
               <a:t>int r = (150 - 20) / 2 + 5; // r=70</a:t>
             </a:r>
-            <a:endParaRPr/>
+            <a:endParaRPr dirty="0"/>
           </a:p>
           <a:p>
             <a:pPr marL="0" marR="0" lvl="0" indent="0" algn="l" rtl="0">
@@ -32969,7 +33943,7 @@
               <a:buNone/>
             </a:pPr>
             <a:r>
-              <a:rPr lang="en-US" sz="2800" b="1" i="0" u="none" strike="noStrike" cap="none">
+              <a:rPr lang="en-US" sz="2800" b="1" i="0" u="none" strike="noStrike" cap="none" dirty="0">
                 <a:solidFill>
                   <a:schemeClr val="lt2"/>
                 </a:solidFill>
@@ -32980,7 +33954,7 @@
               </a:rPr>
               <a:t>// Expression for calculating a circle area</a:t>
             </a:r>
-            <a:endParaRPr/>
+            <a:endParaRPr dirty="0"/>
           </a:p>
           <a:p>
             <a:pPr marL="0" marR="0" lvl="0" indent="0" algn="l" rtl="0">
@@ -32996,7 +33970,7 @@
               <a:buNone/>
             </a:pPr>
             <a:r>
-              <a:rPr lang="en-US" sz="2800" b="1" i="0" u="none" strike="noStrike" cap="none">
+              <a:rPr lang="en-US" sz="2800" b="1" i="0" u="none" strike="noStrike" cap="none" dirty="0">
                 <a:solidFill>
                   <a:schemeClr val="lt2"/>
                 </a:solidFill>
@@ -33005,9 +33979,33 @@
                 <a:cs typeface="Consolas"/>
                 <a:sym typeface="Consolas"/>
               </a:rPr>
-              <a:t>double surface = Math.PI * r * r;</a:t>
-            </a:r>
-            <a:endParaRPr/>
+              <a:t>double surface = </a:t>
+            </a:r>
+            <a:r>
+              <a:rPr lang="en-US" sz="2800" b="1" i="0" u="none" strike="noStrike" cap="none" dirty="0" err="1">
+                <a:solidFill>
+                  <a:schemeClr val="lt2"/>
+                </a:solidFill>
+                <a:latin typeface="Consolas"/>
+                <a:ea typeface="Consolas"/>
+                <a:cs typeface="Consolas"/>
+                <a:sym typeface="Consolas"/>
+              </a:rPr>
+              <a:t>Math.PI</a:t>
+            </a:r>
+            <a:r>
+              <a:rPr lang="en-US" sz="2800" b="1" i="0" u="none" strike="noStrike" cap="none" dirty="0">
+                <a:solidFill>
+                  <a:schemeClr val="lt2"/>
+                </a:solidFill>
+                <a:latin typeface="Consolas"/>
+                <a:ea typeface="Consolas"/>
+                <a:cs typeface="Consolas"/>
+                <a:sym typeface="Consolas"/>
+              </a:rPr>
+              <a:t> * r * r;</a:t>
+            </a:r>
+            <a:endParaRPr dirty="0"/>
           </a:p>
           <a:p>
             <a:pPr marL="0" marR="0" lvl="0" indent="0" algn="l" rtl="0">
@@ -33023,7 +34021,7 @@
               <a:buNone/>
             </a:pPr>
             <a:r>
-              <a:rPr lang="en-US" sz="2800" b="1" i="0" u="none" strike="noStrike" cap="none">
+              <a:rPr lang="en-US" sz="2800" b="1" i="0" u="none" strike="noStrike" cap="none" dirty="0">
                 <a:solidFill>
                   <a:schemeClr val="lt2"/>
                 </a:solidFill>
@@ -33034,7 +34032,7 @@
               </a:rPr>
               <a:t>// Expression for calculating a circle perimeter</a:t>
             </a:r>
-            <a:endParaRPr/>
+            <a:endParaRPr dirty="0"/>
           </a:p>
           <a:p>
             <a:pPr marL="0" marR="0" lvl="0" indent="0" algn="l" rtl="0">
@@ -33050,7 +34048,7 @@
               <a:buNone/>
             </a:pPr>
             <a:r>
-              <a:rPr lang="en-US" sz="2800" b="1" i="0" u="none" strike="noStrike" cap="none">
+              <a:rPr lang="en-US" sz="2800" b="1" i="0" u="none" strike="noStrike" cap="none" dirty="0">
                 <a:solidFill>
                   <a:schemeClr val="lt2"/>
                 </a:solidFill>
@@ -33059,9 +34057,33 @@
                 <a:cs typeface="Consolas"/>
                 <a:sym typeface="Consolas"/>
               </a:rPr>
-              <a:t>double perimeter = 2 * Math.PI * r;</a:t>
-            </a:r>
-            <a:endParaRPr/>
+              <a:t>double perimeter = 2 * </a:t>
+            </a:r>
+            <a:r>
+              <a:rPr lang="en-US" sz="2800" b="1" i="0" u="none" strike="noStrike" cap="none" dirty="0" err="1">
+                <a:solidFill>
+                  <a:schemeClr val="lt2"/>
+                </a:solidFill>
+                <a:latin typeface="Consolas"/>
+                <a:ea typeface="Consolas"/>
+                <a:cs typeface="Consolas"/>
+                <a:sym typeface="Consolas"/>
+              </a:rPr>
+              <a:t>Math.PI</a:t>
+            </a:r>
+            <a:r>
+              <a:rPr lang="en-US" sz="2800" b="1" i="0" u="none" strike="noStrike" cap="none" dirty="0">
+                <a:solidFill>
+                  <a:schemeClr val="lt2"/>
+                </a:solidFill>
+                <a:latin typeface="Consolas"/>
+                <a:ea typeface="Consolas"/>
+                <a:cs typeface="Consolas"/>
+                <a:sym typeface="Consolas"/>
+              </a:rPr>
+              <a:t> * r;</a:t>
+            </a:r>
+            <a:endParaRPr dirty="0"/>
           </a:p>
         </p:txBody>
       </p:sp>
@@ -34159,7 +35181,7 @@
         <p:spPr>
           <a:xfrm>
             <a:off x="1487488" y="1052736"/>
-            <a:ext cx="8054895" cy="5570355"/>
+            <a:ext cx="10327523" cy="5570355"/>
           </a:xfrm>
           <a:prstGeom prst="rect">
             <a:avLst/>
@@ -34193,7 +35215,7 @@
               <a:buChar char="•"/>
             </a:pPr>
             <a:r>
-              <a:rPr lang="en-US" sz="2000" b="0" i="0" u="none" strike="noStrike" cap="none">
+              <a:rPr lang="en-US" sz="2000" b="0" i="0" u="none" strike="noStrike" cap="none" dirty="0">
                 <a:solidFill>
                   <a:srgbClr val="D8D8D8"/>
                 </a:solidFill>
@@ -34205,7 +35227,7 @@
               <a:t>We discussed the </a:t>
             </a:r>
             <a:r>
-              <a:rPr lang="en-US" sz="2000" b="0" i="0" u="none" strike="noStrike" cap="none">
+              <a:rPr lang="en-US" sz="2000" b="0" i="0" u="none" strike="noStrike" cap="none" dirty="0">
                 <a:solidFill>
                   <a:schemeClr val="accent2"/>
                 </a:solidFill>
@@ -34217,7 +35239,7 @@
               <a:t>operators</a:t>
             </a:r>
             <a:r>
-              <a:rPr lang="en-US" sz="2000" b="0" i="0" u="none" strike="noStrike" cap="none">
+              <a:rPr lang="en-US" sz="2000" b="0" i="0" u="none" strike="noStrike" cap="none" dirty="0">
                 <a:solidFill>
                   <a:srgbClr val="A5A5A5"/>
                 </a:solidFill>
@@ -34229,7 +35251,7 @@
               <a:t> </a:t>
             </a:r>
             <a:r>
-              <a:rPr lang="en-US" sz="2000" b="0" i="0" u="none" strike="noStrike" cap="none">
+              <a:rPr lang="en-US" sz="2000" b="0" i="0" u="none" strike="noStrike" cap="none" dirty="0">
                 <a:solidFill>
                   <a:srgbClr val="D8D8D8"/>
                 </a:solidFill>
@@ -34240,7 +35262,7 @@
               </a:rPr>
               <a:t>in C#:</a:t>
             </a:r>
-            <a:endParaRPr/>
+            <a:endParaRPr dirty="0"/>
           </a:p>
           <a:p>
             <a:pPr marL="594360" marR="0" lvl="1" indent="-228600" algn="l" rtl="0">
@@ -34261,7 +35283,7 @@
               <a:buChar char="•"/>
             </a:pPr>
             <a:r>
-              <a:rPr lang="en-US" sz="1800" b="0" i="0" u="none" strike="noStrike" cap="none">
+              <a:rPr lang="en-US" sz="1800" b="0" i="0" u="none" strike="noStrike" cap="none" dirty="0">
                 <a:solidFill>
                   <a:srgbClr val="D8D8D8"/>
                 </a:solidFill>
@@ -34272,7 +35294,7 @@
               </a:rPr>
               <a:t>Arithmetic, logical, bitwise, comparison, assignment and others</a:t>
             </a:r>
-            <a:endParaRPr/>
+            <a:endParaRPr dirty="0"/>
           </a:p>
           <a:p>
             <a:pPr marL="594360" marR="0" lvl="1" indent="-228600" algn="l" rtl="0">
@@ -34293,7 +35315,7 @@
               <a:buChar char="•"/>
             </a:pPr>
             <a:r>
-              <a:rPr lang="en-US" sz="1800" b="0" i="0" u="none" strike="noStrike" cap="none">
+              <a:rPr lang="en-US" sz="1800" b="0" i="0" u="none" strike="noStrike" cap="none" dirty="0">
                 <a:solidFill>
                   <a:srgbClr val="D8D8D8"/>
                 </a:solidFill>
@@ -34304,7 +35326,7 @@
               </a:rPr>
               <a:t>Operator precedence</a:t>
             </a:r>
-            <a:endParaRPr/>
+            <a:endParaRPr dirty="0"/>
           </a:p>
           <a:p>
             <a:pPr marL="594360" marR="0" lvl="1" indent="-228600" algn="l" rtl="0">
@@ -34325,7 +35347,7 @@
               <a:buChar char="•"/>
             </a:pPr>
             <a:r>
-              <a:rPr lang="en-US" sz="1800" b="0" i="0" u="none" strike="noStrike" cap="none">
+              <a:rPr lang="en-US" sz="1800" b="0" i="0" u="none" strike="noStrike" cap="none" dirty="0">
                 <a:solidFill>
                   <a:srgbClr val="D8D8D8"/>
                 </a:solidFill>
@@ -34336,7 +35358,7 @@
               </a:rPr>
               <a:t>Bitwise calculations (read / change a bit)</a:t>
             </a:r>
-            <a:endParaRPr/>
+            <a:endParaRPr dirty="0"/>
           </a:p>
           <a:p>
             <a:pPr marL="228600" marR="0" lvl="0" indent="-228600" algn="l" rtl="0">
@@ -34357,7 +35379,7 @@
               <a:buChar char="•"/>
             </a:pPr>
             <a:r>
-              <a:rPr lang="en-US" sz="2000" b="0" i="0" u="none" strike="noStrike" cap="none">
+              <a:rPr lang="en-US" sz="2000" b="0" i="0" u="none" strike="noStrike" cap="none" dirty="0">
                 <a:solidFill>
                   <a:srgbClr val="D8D8D8"/>
                 </a:solidFill>
@@ -34369,7 +35391,7 @@
               <a:t>We learned when to use implicit and explicit </a:t>
             </a:r>
             <a:r>
-              <a:rPr lang="en-US" sz="2000" b="0" i="0" u="none" strike="noStrike" cap="none">
+              <a:rPr lang="en-US" sz="2000" b="0" i="0" u="none" strike="noStrike" cap="none" dirty="0">
                 <a:solidFill>
                   <a:srgbClr val="A5A5A5"/>
                 </a:solidFill>
@@ -34380,7 +35402,7 @@
               </a:rPr>
               <a:t>type conversions</a:t>
             </a:r>
-            <a:endParaRPr/>
+            <a:endParaRPr dirty="0"/>
           </a:p>
           <a:p>
             <a:pPr marL="228600" marR="0" lvl="0" indent="-228600" algn="l" rtl="0">
@@ -34401,7 +35423,7 @@
               <a:buChar char="•"/>
             </a:pPr>
             <a:r>
-              <a:rPr lang="en-US" sz="2000" b="0" i="0" u="none" strike="noStrike" cap="none">
+              <a:rPr lang="en-US" sz="2000" b="0" i="0" u="none" strike="noStrike" cap="none" dirty="0">
                 <a:solidFill>
                   <a:srgbClr val="D8D8D8"/>
                 </a:solidFill>
@@ -34413,7 +35435,7 @@
               <a:t>We learned how to use </a:t>
             </a:r>
             <a:r>
-              <a:rPr lang="en-US" sz="2000" b="0" i="0" u="none" strike="noStrike" cap="none">
+              <a:rPr lang="en-US" sz="2000" b="0" i="0" u="none" strike="noStrike" cap="none" dirty="0">
                 <a:solidFill>
                   <a:schemeClr val="accent2"/>
                 </a:solidFill>
@@ -34424,7 +35446,86 @@
               </a:rPr>
               <a:t>expressions</a:t>
             </a:r>
-            <a:endParaRPr/>
+          </a:p>
+          <a:p>
+            <a:pPr marL="228600" marR="0" lvl="0" indent="-228600" algn="l" rtl="0">
+              <a:lnSpc>
+                <a:spcPct val="100000"/>
+              </a:lnSpc>
+              <a:spcBef>
+                <a:spcPts val="1800"/>
+              </a:spcBef>
+              <a:spcAft>
+                <a:spcPts val="2100"/>
+              </a:spcAft>
+              <a:buClr>
+                <a:schemeClr val="accent1"/>
+              </a:buClr>
+              <a:buSzPts val="2000"/>
+              <a:buFont typeface="Arial"/>
+              <a:buChar char="•"/>
+            </a:pPr>
+            <a:endParaRPr lang="en-US" dirty="0">
+              <a:solidFill>
+                <a:schemeClr val="accent2"/>
+              </a:solidFill>
+            </a:endParaRPr>
+          </a:p>
+          <a:p>
+            <a:pPr marL="228600" marR="0" lvl="0" indent="-228600" algn="l" rtl="0">
+              <a:lnSpc>
+                <a:spcPct val="100000"/>
+              </a:lnSpc>
+              <a:spcBef>
+                <a:spcPts val="1800"/>
+              </a:spcBef>
+              <a:spcAft>
+                <a:spcPts val="2100"/>
+              </a:spcAft>
+              <a:buClr>
+                <a:schemeClr val="accent1"/>
+              </a:buClr>
+              <a:buSzPts val="2000"/>
+              <a:buFont typeface="Arial"/>
+              <a:buChar char="•"/>
+            </a:pPr>
+            <a:r>
+              <a:rPr lang="en-US" dirty="0">
+                <a:hlinkClick r:id="rId3"/>
+              </a:rPr>
+              <a:t>https://docs.microsoft.com/en-us/dotnet/csharp/language-reference/operators</a:t>
+            </a:r>
+            <a:endParaRPr lang="en-US" dirty="0"/>
+          </a:p>
+          <a:p>
+            <a:pPr marL="228600" marR="0" lvl="0" indent="-228600" algn="l" rtl="0">
+              <a:lnSpc>
+                <a:spcPct val="100000"/>
+              </a:lnSpc>
+              <a:spcBef>
+                <a:spcPts val="1800"/>
+              </a:spcBef>
+              <a:spcAft>
+                <a:spcPts val="2100"/>
+              </a:spcAft>
+              <a:buClr>
+                <a:schemeClr val="accent1"/>
+              </a:buClr>
+              <a:buSzPts val="2000"/>
+              <a:buFont typeface="Arial"/>
+              <a:buChar char="•"/>
+            </a:pPr>
+            <a:r>
+              <a:rPr lang="en-US" dirty="0">
+                <a:hlinkClick r:id="rId4"/>
+              </a:rPr>
+              <a:t>https://marketplace.visualstudio.com/items?itemName=SteveCadwallader.CodeMaid</a:t>
+            </a:r>
+            <a:r>
+              <a:rPr lang="en-US" dirty="0"/>
+              <a:t>  </a:t>
+            </a:r>
+            <a:endParaRPr dirty="0"/>
           </a:p>
         </p:txBody>
       </p:sp>
@@ -35651,7 +36752,7 @@
               <a:buChar char="•"/>
             </a:pPr>
             <a:r>
-              <a:rPr lang="en-US" sz="2000" b="0" i="0" u="none" strike="noStrike" cap="none">
+              <a:rPr lang="en-US" sz="2000" b="0" i="0" u="none" strike="noStrike" cap="none" dirty="0">
                 <a:solidFill>
                   <a:srgbClr val="D8D8D8"/>
                 </a:solidFill>
@@ -35663,8 +36764,80 @@
               <a:t>Write a console program to </a:t>
             </a:r>
             <a:r>
+              <a:rPr lang="en-US" dirty="0"/>
+              <a:t>ask user about</a:t>
+            </a:r>
+            <a:endParaRPr dirty="0"/>
+          </a:p>
+          <a:p>
+            <a:pPr marL="594360" marR="0" lvl="1" indent="-228600" algn="l" rtl="0">
+              <a:lnSpc>
+                <a:spcPct val="90000"/>
+              </a:lnSpc>
+              <a:spcBef>
+                <a:spcPts val="1000"/>
+              </a:spcBef>
+              <a:spcAft>
+                <a:spcPts val="0"/>
+              </a:spcAft>
+              <a:buClr>
+                <a:schemeClr val="accent1"/>
+              </a:buClr>
+              <a:buSzPts val="1800"/>
+              <a:buFont typeface="Arial"/>
+              <a:buChar char="•"/>
+            </a:pPr>
+            <a:r>
+              <a:rPr lang="en-US" dirty="0"/>
+              <a:t>Current age</a:t>
+            </a:r>
+            <a:endParaRPr dirty="0"/>
+          </a:p>
+          <a:p>
+            <a:pPr marL="594360" marR="0" lvl="1" indent="-228600" algn="l" rtl="0">
+              <a:lnSpc>
+                <a:spcPct val="90000"/>
+              </a:lnSpc>
+              <a:spcBef>
+                <a:spcPts val="2100"/>
+              </a:spcBef>
+              <a:spcAft>
+                <a:spcPts val="0"/>
+              </a:spcAft>
+              <a:buClr>
+                <a:schemeClr val="accent1"/>
+              </a:buClr>
+              <a:buSzPts val="1800"/>
+              <a:buFont typeface="Arial"/>
+              <a:buChar char="•"/>
+            </a:pPr>
+            <a:r>
+              <a:rPr lang="en-US" dirty="0"/>
+              <a:t>Future age</a:t>
+            </a:r>
+            <a:endParaRPr dirty="0"/>
+          </a:p>
+          <a:p>
+            <a:pPr marL="594360" marR="0" lvl="1" indent="-228600" algn="l" rtl="0">
+              <a:lnSpc>
+                <a:spcPct val="90000"/>
+              </a:lnSpc>
+              <a:spcBef>
+                <a:spcPts val="2100"/>
+              </a:spcBef>
+              <a:spcAft>
+                <a:spcPts val="0"/>
+              </a:spcAft>
+              <a:buClr>
+                <a:schemeClr val="accent1"/>
+              </a:buClr>
+              <a:buSzPts val="1800"/>
+              <a:buFont typeface="Arial"/>
+              <a:buChar char="•"/>
+            </a:pPr>
+            <a:r>
               <a:rPr lang="en-US"/>
-              <a:t>ask user about</a:t>
+              <a:t>Birthday month</a:t>
             </a:r>
             <a:endParaRPr/>
           </a:p>
@@ -35674,7 +36847,7 @@
                 <a:spcPct val="90000"/>
               </a:lnSpc>
               <a:spcBef>
-                <a:spcPts val="1000"/>
+                <a:spcPts val="2100"/>
               </a:spcBef>
               <a:spcAft>
                 <a:spcPts val="0"/>
@@ -35687,82 +36860,10 @@
               <a:buChar char="•"/>
             </a:pPr>
             <a:r>
-              <a:rPr lang="en-US"/>
-              <a:t>Current age</a:t>
-            </a:r>
-            <a:endParaRPr/>
-          </a:p>
-          <a:p>
-            <a:pPr marL="594360" marR="0" lvl="1" indent="-228600" algn="l" rtl="0">
-              <a:lnSpc>
-                <a:spcPct val="90000"/>
-              </a:lnSpc>
-              <a:spcBef>
-                <a:spcPts val="2100"/>
-              </a:spcBef>
-              <a:spcAft>
-                <a:spcPts val="0"/>
-              </a:spcAft>
-              <a:buClr>
-                <a:schemeClr val="accent1"/>
-              </a:buClr>
-              <a:buSzPts val="1800"/>
-              <a:buFont typeface="Arial"/>
-              <a:buChar char="•"/>
-            </a:pPr>
-            <a:r>
-              <a:rPr lang="en-US"/>
-              <a:t>Future age</a:t>
-            </a:r>
-            <a:endParaRPr/>
-          </a:p>
-          <a:p>
-            <a:pPr marL="594360" marR="0" lvl="1" indent="-228600" algn="l" rtl="0">
-              <a:lnSpc>
-                <a:spcPct val="90000"/>
-              </a:lnSpc>
-              <a:spcBef>
-                <a:spcPts val="2100"/>
-              </a:spcBef>
-              <a:spcAft>
-                <a:spcPts val="0"/>
-              </a:spcAft>
-              <a:buClr>
-                <a:schemeClr val="accent1"/>
-              </a:buClr>
-              <a:buSzPts val="1800"/>
-              <a:buFont typeface="Arial"/>
-              <a:buChar char="•"/>
-            </a:pPr>
-            <a:r>
-              <a:rPr lang="en-US"/>
-              <a:t>Birthday month</a:t>
-            </a:r>
-            <a:endParaRPr/>
-          </a:p>
-          <a:p>
-            <a:pPr marL="594360" marR="0" lvl="1" indent="-228600" algn="l" rtl="0">
-              <a:lnSpc>
-                <a:spcPct val="90000"/>
-              </a:lnSpc>
-              <a:spcBef>
-                <a:spcPts val="2100"/>
-              </a:spcBef>
-              <a:spcAft>
-                <a:spcPts val="0"/>
-              </a:spcAft>
-              <a:buClr>
-                <a:schemeClr val="accent1"/>
-              </a:buClr>
-              <a:buSzPts val="1800"/>
-              <a:buFont typeface="Arial"/>
-              <a:buChar char="•"/>
-            </a:pPr>
-            <a:r>
-              <a:rPr lang="en-US"/>
+              <a:rPr lang="en-US" dirty="0"/>
               <a:t>Birthday day of month</a:t>
             </a:r>
-            <a:endParaRPr/>
+            <a:endParaRPr dirty="0"/>
           </a:p>
           <a:p>
             <a:pPr marL="228600" marR="0" lvl="0" indent="-228600" algn="l" rtl="0">
@@ -35783,10 +36884,10 @@
               <a:buChar char="•"/>
             </a:pPr>
             <a:r>
-              <a:rPr lang="en-US"/>
+              <a:rPr lang="en-US" dirty="0"/>
               <a:t>Program should be able to calculate and display exact date when you are going to celebrate your future birthday (e.g. when you will reach Future age)</a:t>
             </a:r>
-            <a:endParaRPr/>
+            <a:endParaRPr dirty="0"/>
           </a:p>
         </p:txBody>
       </p:sp>
